--- a/Apresentação do TCC 3 - Final.pptx
+++ b/Apresentação do TCC 3 - Final.pptx
@@ -5,7 +5,7 @@
     <p:sldMasterId id="2147483659" r:id="rId1"/>
   </p:sldMasterIdLst>
   <p:notesMasterIdLst>
-    <p:notesMasterId r:id="rId16"/>
+    <p:notesMasterId r:id="rId22"/>
   </p:notesMasterIdLst>
   <p:sldIdLst>
     <p:sldId id="256" r:id="rId2"/>
@@ -17,23 +17,29 @@
     <p:sldId id="268" r:id="rId8"/>
     <p:sldId id="269" r:id="rId9"/>
     <p:sldId id="273" r:id="rId10"/>
-    <p:sldId id="271" r:id="rId11"/>
-    <p:sldId id="270" r:id="rId12"/>
-    <p:sldId id="272" r:id="rId13"/>
-    <p:sldId id="275" r:id="rId14"/>
-    <p:sldId id="274" r:id="rId15"/>
+    <p:sldId id="276" r:id="rId11"/>
+    <p:sldId id="277" r:id="rId12"/>
+    <p:sldId id="281" r:id="rId13"/>
+    <p:sldId id="279" r:id="rId14"/>
+    <p:sldId id="280" r:id="rId15"/>
+    <p:sldId id="278" r:id="rId16"/>
+    <p:sldId id="282" r:id="rId17"/>
+    <p:sldId id="270" r:id="rId18"/>
+    <p:sldId id="272" r:id="rId19"/>
+    <p:sldId id="275" r:id="rId20"/>
+    <p:sldId id="274" r:id="rId21"/>
   </p:sldIdLst>
   <p:sldSz cx="9144000" cy="5143500" type="screen16x9"/>
   <p:notesSz cx="6858000" cy="9144000"/>
   <p:embeddedFontLst>
     <p:embeddedFont>
       <p:font typeface="Average" panose="020B0604020202020204" charset="0"/>
-      <p:regular r:id="rId17"/>
+      <p:regular r:id="rId23"/>
     </p:embeddedFont>
     <p:embeddedFont>
       <p:font typeface="Oswald" panose="00000500000000000000" pitchFamily="2" charset="0"/>
-      <p:regular r:id="rId18"/>
-      <p:bold r:id="rId19"/>
+      <p:regular r:id="rId24"/>
+      <p:bold r:id="rId25"/>
     </p:embeddedFont>
   </p:embeddedFontLst>
   <p:defaultTextStyle>
@@ -822,6 +828,72 @@
         </p:txBody>
       </p:sp>
     </p:spTree>
+  </p:cSld>
+  <p:clrMapOvr>
+    <a:masterClrMapping/>
+  </p:clrMapOvr>
+</p:notes>
+</file>
+
+<file path=ppt/notesSlides/notesSlide2.xml><?xml version="1.0" encoding="utf-8"?>
+<p:notes xmlns:a="http://schemas.openxmlformats.org/drawingml/2006/main" xmlns:r="http://schemas.openxmlformats.org/officeDocument/2006/relationships" xmlns:p="http://schemas.openxmlformats.org/presentationml/2006/main">
+  <p:cSld>
+    <p:spTree>
+      <p:nvGrpSpPr>
+        <p:cNvPr id="1" name=""/>
+        <p:cNvGrpSpPr/>
+        <p:nvPr/>
+      </p:nvGrpSpPr>
+      <p:grpSpPr>
+        <a:xfrm>
+          <a:off x="0" y="0"/>
+          <a:ext cx="0" cy="0"/>
+          <a:chOff x="0" y="0"/>
+          <a:chExt cx="0" cy="0"/>
+        </a:xfrm>
+      </p:grpSpPr>
+      <p:sp>
+        <p:nvSpPr>
+          <p:cNvPr id="2" name="Espaço Reservado para Imagem de Slide 1"/>
+          <p:cNvSpPr>
+            <a:spLocks noGrp="1" noRot="1" noChangeAspect="1"/>
+          </p:cNvSpPr>
+          <p:nvPr>
+            <p:ph type="sldImg"/>
+          </p:nvPr>
+        </p:nvSpPr>
+        <p:spPr>
+          <a:xfrm>
+            <a:off x="381000" y="685800"/>
+            <a:ext cx="6096000" cy="3429000"/>
+          </a:xfrm>
+        </p:spPr>
+      </p:sp>
+      <p:sp>
+        <p:nvSpPr>
+          <p:cNvPr id="3" name="Espaço Reservado para Anotações 2"/>
+          <p:cNvSpPr>
+            <a:spLocks noGrp="1"/>
+          </p:cNvSpPr>
+          <p:nvPr>
+            <p:ph type="body" idx="1"/>
+          </p:nvPr>
+        </p:nvSpPr>
+        <p:spPr/>
+        <p:txBody>
+          <a:bodyPr/>
+          <a:lstStyle/>
+          <a:p>
+            <a:endParaRPr lang="pt-BR" dirty="0"/>
+          </a:p>
+        </p:txBody>
+      </p:sp>
+    </p:spTree>
+    <p:extLst>
+      <p:ext uri="{BB962C8B-B14F-4D97-AF65-F5344CB8AC3E}">
+        <p14:creationId xmlns:p14="http://schemas.microsoft.com/office/powerpoint/2010/main" val="4186695755"/>
+      </p:ext>
+    </p:extLst>
   </p:cSld>
   <p:clrMapOvr>
     <a:masterClrMapping/>
@@ -5925,7 +5997,7 @@
                   <a:schemeClr val="tx1"/>
                 </a:solidFill>
               </a:rPr>
-              <a:t>19/06/2023</a:t>
+              <a:t>06/07/2023</a:t>
             </a:r>
             <a:endParaRPr sz="2400" dirty="0">
               <a:solidFill>
@@ -5990,12 +6062,82 @@
           <a:chExt cx="0" cy="0"/>
         </a:xfrm>
       </p:grpSpPr>
+      <p:pic>
+        <p:nvPicPr>
+          <p:cNvPr id="3" name="Imagem 2">
+            <a:extLst>
+              <a:ext uri="{FF2B5EF4-FFF2-40B4-BE49-F238E27FC236}">
+                <a16:creationId xmlns:a16="http://schemas.microsoft.com/office/drawing/2014/main" id="{E60272AC-69D3-5B33-B058-34958FAB4F8B}"/>
+              </a:ext>
+            </a:extLst>
+          </p:cNvPr>
+          <p:cNvPicPr>
+            <a:picLocks noChangeAspect="1"/>
+          </p:cNvPicPr>
+          <p:nvPr/>
+        </p:nvPicPr>
+        <p:blipFill>
+          <a:blip r:embed="rId2" cstate="print">
+            <a:extLst>
+              <a:ext uri="{28A0092B-C50C-407E-A947-70E740481C1C}">
+                <a14:useLocalDpi xmlns:a14="http://schemas.microsoft.com/office/drawing/2010/main" val="0"/>
+              </a:ext>
+            </a:extLst>
+          </a:blip>
+          <a:stretch>
+            <a:fillRect/>
+          </a:stretch>
+        </p:blipFill>
+        <p:spPr bwMode="auto">
+          <a:xfrm>
+            <a:off x="1292660" y="-1225"/>
+            <a:ext cx="6558680" cy="5144725"/>
+          </a:xfrm>
+          <a:prstGeom prst="rect">
+            <a:avLst/>
+          </a:prstGeom>
+          <a:noFill/>
+          <a:ln>
+            <a:noFill/>
+          </a:ln>
+        </p:spPr>
+      </p:pic>
+    </p:spTree>
+    <p:extLst>
+      <p:ext uri="{BB962C8B-B14F-4D97-AF65-F5344CB8AC3E}">
+        <p14:creationId xmlns:p14="http://schemas.microsoft.com/office/powerpoint/2010/main" val="38668156"/>
+      </p:ext>
+    </p:extLst>
+  </p:cSld>
+  <p:clrMapOvr>
+    <a:masterClrMapping/>
+  </p:clrMapOvr>
+</p:sld>
+</file>
+
+<file path=ppt/slides/slide11.xml><?xml version="1.0" encoding="utf-8"?>
+<p:sld xmlns:a="http://schemas.openxmlformats.org/drawingml/2006/main" xmlns:r="http://schemas.openxmlformats.org/officeDocument/2006/relationships" xmlns:p="http://schemas.openxmlformats.org/presentationml/2006/main">
+  <p:cSld>
+    <p:spTree>
+      <p:nvGrpSpPr>
+        <p:cNvPr id="1" name=""/>
+        <p:cNvGrpSpPr/>
+        <p:nvPr/>
+      </p:nvGrpSpPr>
+      <p:grpSpPr>
+        <a:xfrm>
+          <a:off x="0" y="0"/>
+          <a:ext cx="0" cy="0"/>
+          <a:chOff x="0" y="0"/>
+          <a:chExt cx="0" cy="0"/>
+        </a:xfrm>
+      </p:grpSpPr>
       <p:sp>
         <p:nvSpPr>
-          <p:cNvPr id="2" name="Título 1">
+          <p:cNvPr id="5" name="Título 1">
             <a:extLst>
               <a:ext uri="{FF2B5EF4-FFF2-40B4-BE49-F238E27FC236}">
-                <a16:creationId xmlns:a16="http://schemas.microsoft.com/office/drawing/2014/main" id="{CDA23045-B3BC-4473-154F-9E00C7482463}"/>
+                <a16:creationId xmlns:a16="http://schemas.microsoft.com/office/drawing/2014/main" id="{A09B8DE9-55FA-0344-A8C5-8281A7E1E44F}"/>
               </a:ext>
             </a:extLst>
           </p:cNvPr>
@@ -6008,7 +6150,7 @@
         </p:nvSpPr>
         <p:spPr>
           <a:xfrm>
-            <a:off x="156695" y="340159"/>
+            <a:off x="156695" y="339784"/>
             <a:ext cx="8830610" cy="861000"/>
           </a:xfrm>
         </p:spPr>
@@ -6041,12 +6183,879 @@
           </a:p>
         </p:txBody>
       </p:sp>
+      <p:graphicFrame>
+        <p:nvGraphicFramePr>
+          <p:cNvPr id="8" name="Tabela 7">
+            <a:extLst>
+              <a:ext uri="{FF2B5EF4-FFF2-40B4-BE49-F238E27FC236}">
+                <a16:creationId xmlns:a16="http://schemas.microsoft.com/office/drawing/2014/main" id="{A33CEFB7-30DE-683C-0358-5BB9228B85C8}"/>
+              </a:ext>
+            </a:extLst>
+          </p:cNvPr>
+          <p:cNvGraphicFramePr>
+            <a:graphicFrameLocks noGrp="1"/>
+          </p:cNvGraphicFramePr>
+          <p:nvPr>
+            <p:extLst>
+              <p:ext uri="{D42A27DB-BD31-4B8C-83A1-F6EECF244321}">
+                <p14:modId xmlns:p14="http://schemas.microsoft.com/office/powerpoint/2010/main" val="1784668972"/>
+              </p:ext>
+            </p:extLst>
+          </p:nvPr>
+        </p:nvGraphicFramePr>
+        <p:xfrm>
+          <a:off x="2184082" y="2318211"/>
+          <a:ext cx="4775835" cy="1463040"/>
+        </p:xfrm>
+        <a:graphic>
+          <a:graphicData uri="http://schemas.openxmlformats.org/drawingml/2006/table">
+            <a:tbl>
+              <a:tblPr firstRow="1" firstCol="1" bandRow="1">
+                <a:tableStyleId>{C31E5A13-EAE7-4951-874D-4D2D9AD1DF29}</a:tableStyleId>
+              </a:tblPr>
+              <a:tblGrid>
+                <a:gridCol w="2211705">
+                  <a:extLst>
+                    <a:ext uri="{9D8B030D-6E8A-4147-A177-3AD203B41FA5}">
+                      <a16:colId xmlns:a16="http://schemas.microsoft.com/office/drawing/2014/main" val="3162641759"/>
+                    </a:ext>
+                  </a:extLst>
+                </a:gridCol>
+                <a:gridCol w="2564130">
+                  <a:extLst>
+                    <a:ext uri="{9D8B030D-6E8A-4147-A177-3AD203B41FA5}">
+                      <a16:colId xmlns:a16="http://schemas.microsoft.com/office/drawing/2014/main" val="3234944009"/>
+                    </a:ext>
+                  </a:extLst>
+                </a:gridCol>
+              </a:tblGrid>
+              <a:tr h="243840">
+                <a:tc>
+                  <a:txBody>
+                    <a:bodyPr/>
+                    <a:lstStyle/>
+                    <a:p>
+                      <a:pPr algn="ctr">
+                        <a:lnSpc>
+                          <a:spcPct val="150000"/>
+                        </a:lnSpc>
+                      </a:pPr>
+                      <a:r>
+                        <a:rPr lang="pt-BR" sz="1200">
+                          <a:solidFill>
+                            <a:schemeClr val="tx1"/>
+                          </a:solidFill>
+                          <a:effectLst/>
+                        </a:rPr>
+                        <a:t>Quantidade de Tensors</a:t>
+                      </a:r>
+                      <a:endParaRPr lang="pt-BR" sz="1200">
+                        <a:solidFill>
+                          <a:schemeClr val="tx1"/>
+                        </a:solidFill>
+                        <a:effectLst/>
+                        <a:latin typeface="Arial" panose="020B0604020202020204" pitchFamily="34" charset="0"/>
+                        <a:ea typeface="Arial" panose="020B0604020202020204" pitchFamily="34" charset="0"/>
+                      </a:endParaRPr>
+                    </a:p>
+                  </a:txBody>
+                  <a:tcPr marL="68580" marR="68580" marT="0" marB="0"/>
+                </a:tc>
+                <a:tc>
+                  <a:txBody>
+                    <a:bodyPr/>
+                    <a:lstStyle/>
+                    <a:p>
+                      <a:pPr algn="ctr">
+                        <a:lnSpc>
+                          <a:spcPct val="150000"/>
+                        </a:lnSpc>
+                      </a:pPr>
+                      <a:r>
+                        <a:rPr lang="pt-BR" sz="1200" dirty="0">
+                          <a:solidFill>
+                            <a:schemeClr val="tx1"/>
+                          </a:solidFill>
+                          <a:effectLst/>
+                        </a:rPr>
+                        <a:t>Tipo Ativação</a:t>
+                      </a:r>
+                      <a:endParaRPr lang="pt-BR" sz="1200" dirty="0">
+                        <a:solidFill>
+                          <a:schemeClr val="tx1"/>
+                        </a:solidFill>
+                        <a:effectLst/>
+                        <a:latin typeface="Arial" panose="020B0604020202020204" pitchFamily="34" charset="0"/>
+                        <a:ea typeface="Arial" panose="020B0604020202020204" pitchFamily="34" charset="0"/>
+                      </a:endParaRPr>
+                    </a:p>
+                  </a:txBody>
+                  <a:tcPr marL="68580" marR="68580" marT="0" marB="0"/>
+                </a:tc>
+                <a:extLst>
+                  <a:ext uri="{0D108BD9-81ED-4DB2-BD59-A6C34878D82A}">
+                    <a16:rowId xmlns:a16="http://schemas.microsoft.com/office/drawing/2014/main" val="790090606"/>
+                  </a:ext>
+                </a:extLst>
+              </a:tr>
+              <a:tr h="243840">
+                <a:tc>
+                  <a:txBody>
+                    <a:bodyPr/>
+                    <a:lstStyle/>
+                    <a:p>
+                      <a:pPr algn="ctr">
+                        <a:lnSpc>
+                          <a:spcPct val="150000"/>
+                        </a:lnSpc>
+                      </a:pPr>
+                      <a:r>
+                        <a:rPr lang="pt-BR" sz="1200">
+                          <a:solidFill>
+                            <a:schemeClr val="tx1"/>
+                          </a:solidFill>
+                          <a:effectLst/>
+                        </a:rPr>
+                        <a:t>12</a:t>
+                      </a:r>
+                      <a:endParaRPr lang="pt-BR" sz="1200">
+                        <a:solidFill>
+                          <a:schemeClr val="tx1"/>
+                        </a:solidFill>
+                        <a:effectLst/>
+                        <a:latin typeface="Arial" panose="020B0604020202020204" pitchFamily="34" charset="0"/>
+                        <a:ea typeface="Arial" panose="020B0604020202020204" pitchFamily="34" charset="0"/>
+                      </a:endParaRPr>
+                    </a:p>
+                  </a:txBody>
+                  <a:tcPr marL="68580" marR="68580" marT="0" marB="0"/>
+                </a:tc>
+                <a:tc>
+                  <a:txBody>
+                    <a:bodyPr/>
+                    <a:lstStyle/>
+                    <a:p>
+                      <a:pPr algn="ctr">
+                        <a:lnSpc>
+                          <a:spcPct val="150000"/>
+                        </a:lnSpc>
+                      </a:pPr>
+                      <a:r>
+                        <a:rPr lang="pt-BR" sz="1200">
+                          <a:solidFill>
+                            <a:schemeClr val="tx1"/>
+                          </a:solidFill>
+                          <a:effectLst/>
+                        </a:rPr>
+                        <a:t>ReLU</a:t>
+                      </a:r>
+                      <a:endParaRPr lang="pt-BR" sz="1200">
+                        <a:solidFill>
+                          <a:schemeClr val="tx1"/>
+                        </a:solidFill>
+                        <a:effectLst/>
+                        <a:latin typeface="Arial" panose="020B0604020202020204" pitchFamily="34" charset="0"/>
+                        <a:ea typeface="Arial" panose="020B0604020202020204" pitchFamily="34" charset="0"/>
+                      </a:endParaRPr>
+                    </a:p>
+                  </a:txBody>
+                  <a:tcPr marL="68580" marR="68580" marT="0" marB="0"/>
+                </a:tc>
+                <a:extLst>
+                  <a:ext uri="{0D108BD9-81ED-4DB2-BD59-A6C34878D82A}">
+                    <a16:rowId xmlns:a16="http://schemas.microsoft.com/office/drawing/2014/main" val="3405764556"/>
+                  </a:ext>
+                </a:extLst>
+              </a:tr>
+              <a:tr h="243840">
+                <a:tc>
+                  <a:txBody>
+                    <a:bodyPr/>
+                    <a:lstStyle/>
+                    <a:p>
+                      <a:pPr algn="ctr">
+                        <a:lnSpc>
+                          <a:spcPct val="150000"/>
+                        </a:lnSpc>
+                      </a:pPr>
+                      <a:r>
+                        <a:rPr lang="pt-BR" sz="1200">
+                          <a:solidFill>
+                            <a:schemeClr val="tx1"/>
+                          </a:solidFill>
+                          <a:effectLst/>
+                        </a:rPr>
+                        <a:t>8</a:t>
+                      </a:r>
+                      <a:endParaRPr lang="pt-BR" sz="1200">
+                        <a:solidFill>
+                          <a:schemeClr val="tx1"/>
+                        </a:solidFill>
+                        <a:effectLst/>
+                        <a:latin typeface="Arial" panose="020B0604020202020204" pitchFamily="34" charset="0"/>
+                        <a:ea typeface="Arial" panose="020B0604020202020204" pitchFamily="34" charset="0"/>
+                      </a:endParaRPr>
+                    </a:p>
+                  </a:txBody>
+                  <a:tcPr marL="68580" marR="68580" marT="0" marB="0"/>
+                </a:tc>
+                <a:tc>
+                  <a:txBody>
+                    <a:bodyPr/>
+                    <a:lstStyle/>
+                    <a:p>
+                      <a:pPr algn="ctr">
+                        <a:lnSpc>
+                          <a:spcPct val="150000"/>
+                        </a:lnSpc>
+                      </a:pPr>
+                      <a:r>
+                        <a:rPr lang="pt-BR" sz="1200">
+                          <a:solidFill>
+                            <a:schemeClr val="tx1"/>
+                          </a:solidFill>
+                          <a:effectLst/>
+                        </a:rPr>
+                        <a:t>Hard Sigmoid</a:t>
+                      </a:r>
+                      <a:endParaRPr lang="pt-BR" sz="1200">
+                        <a:solidFill>
+                          <a:schemeClr val="tx1"/>
+                        </a:solidFill>
+                        <a:effectLst/>
+                        <a:latin typeface="Arial" panose="020B0604020202020204" pitchFamily="34" charset="0"/>
+                        <a:ea typeface="Arial" panose="020B0604020202020204" pitchFamily="34" charset="0"/>
+                      </a:endParaRPr>
+                    </a:p>
+                  </a:txBody>
+                  <a:tcPr marL="68580" marR="68580" marT="0" marB="0"/>
+                </a:tc>
+                <a:extLst>
+                  <a:ext uri="{0D108BD9-81ED-4DB2-BD59-A6C34878D82A}">
+                    <a16:rowId xmlns:a16="http://schemas.microsoft.com/office/drawing/2014/main" val="2599156610"/>
+                  </a:ext>
+                </a:extLst>
+              </a:tr>
+              <a:tr h="243840">
+                <a:tc>
+                  <a:txBody>
+                    <a:bodyPr/>
+                    <a:lstStyle/>
+                    <a:p>
+                      <a:pPr algn="ctr">
+                        <a:lnSpc>
+                          <a:spcPct val="150000"/>
+                        </a:lnSpc>
+                      </a:pPr>
+                      <a:r>
+                        <a:rPr lang="pt-BR" sz="1200">
+                          <a:solidFill>
+                            <a:schemeClr val="tx1"/>
+                          </a:solidFill>
+                          <a:effectLst/>
+                        </a:rPr>
+                        <a:t>8</a:t>
+                      </a:r>
+                      <a:endParaRPr lang="pt-BR" sz="1200">
+                        <a:solidFill>
+                          <a:schemeClr val="tx1"/>
+                        </a:solidFill>
+                        <a:effectLst/>
+                        <a:latin typeface="Arial" panose="020B0604020202020204" pitchFamily="34" charset="0"/>
+                        <a:ea typeface="Arial" panose="020B0604020202020204" pitchFamily="34" charset="0"/>
+                      </a:endParaRPr>
+                    </a:p>
+                  </a:txBody>
+                  <a:tcPr marL="68580" marR="68580" marT="0" marB="0"/>
+                </a:tc>
+                <a:tc>
+                  <a:txBody>
+                    <a:bodyPr/>
+                    <a:lstStyle/>
+                    <a:p>
+                      <a:pPr algn="ctr">
+                        <a:lnSpc>
+                          <a:spcPct val="150000"/>
+                        </a:lnSpc>
+                      </a:pPr>
+                      <a:r>
+                        <a:rPr lang="pt-BR" sz="1200">
+                          <a:solidFill>
+                            <a:schemeClr val="tx1"/>
+                          </a:solidFill>
+                          <a:effectLst/>
+                        </a:rPr>
+                        <a:t>Hard Sigmoid</a:t>
+                      </a:r>
+                      <a:endParaRPr lang="pt-BR" sz="1200">
+                        <a:solidFill>
+                          <a:schemeClr val="tx1"/>
+                        </a:solidFill>
+                        <a:effectLst/>
+                        <a:latin typeface="Arial" panose="020B0604020202020204" pitchFamily="34" charset="0"/>
+                        <a:ea typeface="Arial" panose="020B0604020202020204" pitchFamily="34" charset="0"/>
+                      </a:endParaRPr>
+                    </a:p>
+                  </a:txBody>
+                  <a:tcPr marL="68580" marR="68580" marT="0" marB="0"/>
+                </a:tc>
+                <a:extLst>
+                  <a:ext uri="{0D108BD9-81ED-4DB2-BD59-A6C34878D82A}">
+                    <a16:rowId xmlns:a16="http://schemas.microsoft.com/office/drawing/2014/main" val="485627158"/>
+                  </a:ext>
+                </a:extLst>
+              </a:tr>
+              <a:tr h="243840">
+                <a:tc>
+                  <a:txBody>
+                    <a:bodyPr/>
+                    <a:lstStyle/>
+                    <a:p>
+                      <a:pPr algn="ctr">
+                        <a:lnSpc>
+                          <a:spcPct val="150000"/>
+                        </a:lnSpc>
+                      </a:pPr>
+                      <a:r>
+                        <a:rPr lang="pt-BR" sz="1200">
+                          <a:solidFill>
+                            <a:schemeClr val="tx1"/>
+                          </a:solidFill>
+                          <a:effectLst/>
+                        </a:rPr>
+                        <a:t>8</a:t>
+                      </a:r>
+                      <a:endParaRPr lang="pt-BR" sz="1200">
+                        <a:solidFill>
+                          <a:schemeClr val="tx1"/>
+                        </a:solidFill>
+                        <a:effectLst/>
+                        <a:latin typeface="Arial" panose="020B0604020202020204" pitchFamily="34" charset="0"/>
+                        <a:ea typeface="Arial" panose="020B0604020202020204" pitchFamily="34" charset="0"/>
+                      </a:endParaRPr>
+                    </a:p>
+                  </a:txBody>
+                  <a:tcPr marL="68580" marR="68580" marT="0" marB="0"/>
+                </a:tc>
+                <a:tc>
+                  <a:txBody>
+                    <a:bodyPr/>
+                    <a:lstStyle/>
+                    <a:p>
+                      <a:pPr algn="ctr">
+                        <a:lnSpc>
+                          <a:spcPct val="150000"/>
+                        </a:lnSpc>
+                      </a:pPr>
+                      <a:r>
+                        <a:rPr lang="pt-BR" sz="1200">
+                          <a:solidFill>
+                            <a:schemeClr val="tx1"/>
+                          </a:solidFill>
+                          <a:effectLst/>
+                        </a:rPr>
+                        <a:t>Hard Sigmoid</a:t>
+                      </a:r>
+                      <a:endParaRPr lang="pt-BR" sz="1200">
+                        <a:solidFill>
+                          <a:schemeClr val="tx1"/>
+                        </a:solidFill>
+                        <a:effectLst/>
+                        <a:latin typeface="Arial" panose="020B0604020202020204" pitchFamily="34" charset="0"/>
+                        <a:ea typeface="Arial" panose="020B0604020202020204" pitchFamily="34" charset="0"/>
+                      </a:endParaRPr>
+                    </a:p>
+                  </a:txBody>
+                  <a:tcPr marL="68580" marR="68580" marT="0" marB="0"/>
+                </a:tc>
+                <a:extLst>
+                  <a:ext uri="{0D108BD9-81ED-4DB2-BD59-A6C34878D82A}">
+                    <a16:rowId xmlns:a16="http://schemas.microsoft.com/office/drawing/2014/main" val="3153151812"/>
+                  </a:ext>
+                </a:extLst>
+              </a:tr>
+              <a:tr h="243840">
+                <a:tc>
+                  <a:txBody>
+                    <a:bodyPr/>
+                    <a:lstStyle/>
+                    <a:p>
+                      <a:pPr algn="ctr">
+                        <a:lnSpc>
+                          <a:spcPct val="150000"/>
+                        </a:lnSpc>
+                      </a:pPr>
+                      <a:r>
+                        <a:rPr lang="pt-BR" sz="1200">
+                          <a:solidFill>
+                            <a:schemeClr val="tx1"/>
+                          </a:solidFill>
+                          <a:effectLst/>
+                        </a:rPr>
+                        <a:t>1</a:t>
+                      </a:r>
+                      <a:endParaRPr lang="pt-BR" sz="1200">
+                        <a:solidFill>
+                          <a:schemeClr val="tx1"/>
+                        </a:solidFill>
+                        <a:effectLst/>
+                        <a:latin typeface="Arial" panose="020B0604020202020204" pitchFamily="34" charset="0"/>
+                        <a:ea typeface="Arial" panose="020B0604020202020204" pitchFamily="34" charset="0"/>
+                      </a:endParaRPr>
+                    </a:p>
+                  </a:txBody>
+                  <a:tcPr marL="68580" marR="68580" marT="0" marB="0"/>
+                </a:tc>
+                <a:tc>
+                  <a:txBody>
+                    <a:bodyPr/>
+                    <a:lstStyle/>
+                    <a:p>
+                      <a:pPr algn="ctr">
+                        <a:lnSpc>
+                          <a:spcPct val="150000"/>
+                        </a:lnSpc>
+                      </a:pPr>
+                      <a:r>
+                        <a:rPr lang="pt-BR" sz="1200" dirty="0">
+                          <a:solidFill>
+                            <a:schemeClr val="tx1"/>
+                          </a:solidFill>
+                          <a:effectLst/>
+                        </a:rPr>
+                        <a:t>Hard </a:t>
+                      </a:r>
+                      <a:r>
+                        <a:rPr lang="pt-BR" sz="1200" dirty="0" err="1">
+                          <a:solidFill>
+                            <a:schemeClr val="tx1"/>
+                          </a:solidFill>
+                          <a:effectLst/>
+                        </a:rPr>
+                        <a:t>Sigmoid</a:t>
+                      </a:r>
+                      <a:endParaRPr lang="pt-BR" sz="1200" dirty="0">
+                        <a:solidFill>
+                          <a:schemeClr val="tx1"/>
+                        </a:solidFill>
+                        <a:effectLst/>
+                        <a:latin typeface="Arial" panose="020B0604020202020204" pitchFamily="34" charset="0"/>
+                        <a:ea typeface="Arial" panose="020B0604020202020204" pitchFamily="34" charset="0"/>
+                      </a:endParaRPr>
+                    </a:p>
+                  </a:txBody>
+                  <a:tcPr marL="68580" marR="68580" marT="0" marB="0"/>
+                </a:tc>
+                <a:extLst>
+                  <a:ext uri="{0D108BD9-81ED-4DB2-BD59-A6C34878D82A}">
+                    <a16:rowId xmlns:a16="http://schemas.microsoft.com/office/drawing/2014/main" val="470959602"/>
+                  </a:ext>
+                </a:extLst>
+              </a:tr>
+            </a:tbl>
+          </a:graphicData>
+        </a:graphic>
+      </p:graphicFrame>
+      <p:graphicFrame>
+        <p:nvGraphicFramePr>
+          <p:cNvPr id="9" name="Tabela 8">
+            <a:extLst>
+              <a:ext uri="{FF2B5EF4-FFF2-40B4-BE49-F238E27FC236}">
+                <a16:creationId xmlns:a16="http://schemas.microsoft.com/office/drawing/2014/main" id="{4A086FC4-C980-26D7-5F63-E7B9CBA1EAAD}"/>
+              </a:ext>
+            </a:extLst>
+          </p:cNvPr>
+          <p:cNvGraphicFramePr>
+            <a:graphicFrameLocks noGrp="1"/>
+          </p:cNvGraphicFramePr>
+          <p:nvPr>
+            <p:extLst>
+              <p:ext uri="{D42A27DB-BD31-4B8C-83A1-F6EECF244321}">
+                <p14:modId xmlns:p14="http://schemas.microsoft.com/office/powerpoint/2010/main" val="883048967"/>
+              </p:ext>
+            </p:extLst>
+          </p:nvPr>
+        </p:nvGraphicFramePr>
+        <p:xfrm>
+          <a:off x="2184082" y="3781251"/>
+          <a:ext cx="4775835" cy="731520"/>
+        </p:xfrm>
+        <a:graphic>
+          <a:graphicData uri="http://schemas.openxmlformats.org/drawingml/2006/table">
+            <a:tbl>
+              <a:tblPr firstRow="1" firstCol="1" bandRow="1">
+                <a:tableStyleId>{C31E5A13-EAE7-4951-874D-4D2D9AD1DF29}</a:tableStyleId>
+              </a:tblPr>
+              <a:tblGrid>
+                <a:gridCol w="1105535">
+                  <a:extLst>
+                    <a:ext uri="{9D8B030D-6E8A-4147-A177-3AD203B41FA5}">
+                      <a16:colId xmlns:a16="http://schemas.microsoft.com/office/drawing/2014/main" val="3250518866"/>
+                    </a:ext>
+                  </a:extLst>
+                </a:gridCol>
+                <a:gridCol w="1106170">
+                  <a:extLst>
+                    <a:ext uri="{9D8B030D-6E8A-4147-A177-3AD203B41FA5}">
+                      <a16:colId xmlns:a16="http://schemas.microsoft.com/office/drawing/2014/main" val="4043623455"/>
+                    </a:ext>
+                  </a:extLst>
+                </a:gridCol>
+                <a:gridCol w="1282065">
+                  <a:extLst>
+                    <a:ext uri="{9D8B030D-6E8A-4147-A177-3AD203B41FA5}">
+                      <a16:colId xmlns:a16="http://schemas.microsoft.com/office/drawing/2014/main" val="4149853164"/>
+                    </a:ext>
+                  </a:extLst>
+                </a:gridCol>
+                <a:gridCol w="1282065">
+                  <a:extLst>
+                    <a:ext uri="{9D8B030D-6E8A-4147-A177-3AD203B41FA5}">
+                      <a16:colId xmlns:a16="http://schemas.microsoft.com/office/drawing/2014/main" val="386941864"/>
+                    </a:ext>
+                  </a:extLst>
+                </a:gridCol>
+              </a:tblGrid>
+              <a:tr h="243840">
+                <a:tc gridSpan="4">
+                  <a:txBody>
+                    <a:bodyPr/>
+                    <a:lstStyle/>
+                    <a:p>
+                      <a:pPr algn="ctr">
+                        <a:lnSpc>
+                          <a:spcPct val="150000"/>
+                        </a:lnSpc>
+                      </a:pPr>
+                      <a:r>
+                        <a:rPr lang="pt-BR" sz="1200">
+                          <a:solidFill>
+                            <a:schemeClr val="tx1"/>
+                          </a:solidFill>
+                          <a:effectLst/>
+                        </a:rPr>
+                        <a:t>Modelo 1: Hard Sigmoid.</a:t>
+                      </a:r>
+                      <a:endParaRPr lang="pt-BR" sz="1200">
+                        <a:solidFill>
+                          <a:schemeClr val="tx1"/>
+                        </a:solidFill>
+                        <a:effectLst/>
+                        <a:latin typeface="Arial" panose="020B0604020202020204" pitchFamily="34" charset="0"/>
+                        <a:ea typeface="Arial" panose="020B0604020202020204" pitchFamily="34" charset="0"/>
+                      </a:endParaRPr>
+                    </a:p>
+                  </a:txBody>
+                  <a:tcPr marL="68580" marR="68580" marT="0" marB="0"/>
+                </a:tc>
+                <a:tc hMerge="1">
+                  <a:txBody>
+                    <a:bodyPr/>
+                    <a:lstStyle/>
+                    <a:p>
+                      <a:endParaRPr lang="pt-BR"/>
+                    </a:p>
+                  </a:txBody>
+                  <a:tcPr/>
+                </a:tc>
+                <a:tc hMerge="1">
+                  <a:txBody>
+                    <a:bodyPr/>
+                    <a:lstStyle/>
+                    <a:p>
+                      <a:endParaRPr lang="pt-BR"/>
+                    </a:p>
+                  </a:txBody>
+                  <a:tcPr/>
+                </a:tc>
+                <a:tc hMerge="1">
+                  <a:txBody>
+                    <a:bodyPr/>
+                    <a:lstStyle/>
+                    <a:p>
+                      <a:endParaRPr lang="pt-BR"/>
+                    </a:p>
+                  </a:txBody>
+                  <a:tcPr/>
+                </a:tc>
+                <a:extLst>
+                  <a:ext uri="{0D108BD9-81ED-4DB2-BD59-A6C34878D82A}">
+                    <a16:rowId xmlns:a16="http://schemas.microsoft.com/office/drawing/2014/main" val="3359414553"/>
+                  </a:ext>
+                </a:extLst>
+              </a:tr>
+              <a:tr h="243840">
+                <a:tc>
+                  <a:txBody>
+                    <a:bodyPr/>
+                    <a:lstStyle/>
+                    <a:p>
+                      <a:pPr algn="ctr">
+                        <a:lnSpc>
+                          <a:spcPct val="150000"/>
+                        </a:lnSpc>
+                      </a:pPr>
+                      <a:r>
+                        <a:rPr lang="pt-BR" sz="1200">
+                          <a:solidFill>
+                            <a:schemeClr val="tx1"/>
+                          </a:solidFill>
+                          <a:effectLst/>
+                        </a:rPr>
+                        <a:t>TP</a:t>
+                      </a:r>
+                      <a:endParaRPr lang="pt-BR" sz="1200">
+                        <a:solidFill>
+                          <a:schemeClr val="tx1"/>
+                        </a:solidFill>
+                        <a:effectLst/>
+                        <a:latin typeface="Arial" panose="020B0604020202020204" pitchFamily="34" charset="0"/>
+                        <a:ea typeface="Arial" panose="020B0604020202020204" pitchFamily="34" charset="0"/>
+                      </a:endParaRPr>
+                    </a:p>
+                  </a:txBody>
+                  <a:tcPr marL="68580" marR="68580" marT="0" marB="0"/>
+                </a:tc>
+                <a:tc>
+                  <a:txBody>
+                    <a:bodyPr/>
+                    <a:lstStyle/>
+                    <a:p>
+                      <a:pPr algn="ctr">
+                        <a:lnSpc>
+                          <a:spcPct val="150000"/>
+                        </a:lnSpc>
+                      </a:pPr>
+                      <a:r>
+                        <a:rPr lang="pt-BR" sz="1200">
+                          <a:solidFill>
+                            <a:schemeClr val="tx1"/>
+                          </a:solidFill>
+                          <a:effectLst/>
+                        </a:rPr>
+                        <a:t>FP</a:t>
+                      </a:r>
+                      <a:endParaRPr lang="pt-BR" sz="1200">
+                        <a:solidFill>
+                          <a:schemeClr val="tx1"/>
+                        </a:solidFill>
+                        <a:effectLst/>
+                        <a:latin typeface="Arial" panose="020B0604020202020204" pitchFamily="34" charset="0"/>
+                        <a:ea typeface="Arial" panose="020B0604020202020204" pitchFamily="34" charset="0"/>
+                      </a:endParaRPr>
+                    </a:p>
+                  </a:txBody>
+                  <a:tcPr marL="68580" marR="68580" marT="0" marB="0"/>
+                </a:tc>
+                <a:tc>
+                  <a:txBody>
+                    <a:bodyPr/>
+                    <a:lstStyle/>
+                    <a:p>
+                      <a:pPr algn="ctr">
+                        <a:lnSpc>
+                          <a:spcPct val="150000"/>
+                        </a:lnSpc>
+                      </a:pPr>
+                      <a:r>
+                        <a:rPr lang="pt-BR" sz="1200">
+                          <a:solidFill>
+                            <a:schemeClr val="tx1"/>
+                          </a:solidFill>
+                          <a:effectLst/>
+                        </a:rPr>
+                        <a:t>TN</a:t>
+                      </a:r>
+                      <a:endParaRPr lang="pt-BR" sz="1200">
+                        <a:solidFill>
+                          <a:schemeClr val="tx1"/>
+                        </a:solidFill>
+                        <a:effectLst/>
+                        <a:latin typeface="Arial" panose="020B0604020202020204" pitchFamily="34" charset="0"/>
+                        <a:ea typeface="Arial" panose="020B0604020202020204" pitchFamily="34" charset="0"/>
+                      </a:endParaRPr>
+                    </a:p>
+                  </a:txBody>
+                  <a:tcPr marL="68580" marR="68580" marT="0" marB="0"/>
+                </a:tc>
+                <a:tc>
+                  <a:txBody>
+                    <a:bodyPr/>
+                    <a:lstStyle/>
+                    <a:p>
+                      <a:pPr algn="ctr">
+                        <a:lnSpc>
+                          <a:spcPct val="150000"/>
+                        </a:lnSpc>
+                      </a:pPr>
+                      <a:r>
+                        <a:rPr lang="pt-BR" sz="1200">
+                          <a:solidFill>
+                            <a:schemeClr val="tx1"/>
+                          </a:solidFill>
+                          <a:effectLst/>
+                        </a:rPr>
+                        <a:t>FN</a:t>
+                      </a:r>
+                      <a:endParaRPr lang="pt-BR" sz="1200">
+                        <a:solidFill>
+                          <a:schemeClr val="tx1"/>
+                        </a:solidFill>
+                        <a:effectLst/>
+                        <a:latin typeface="Arial" panose="020B0604020202020204" pitchFamily="34" charset="0"/>
+                        <a:ea typeface="Arial" panose="020B0604020202020204" pitchFamily="34" charset="0"/>
+                      </a:endParaRPr>
+                    </a:p>
+                  </a:txBody>
+                  <a:tcPr marL="68580" marR="68580" marT="0" marB="0"/>
+                </a:tc>
+                <a:extLst>
+                  <a:ext uri="{0D108BD9-81ED-4DB2-BD59-A6C34878D82A}">
+                    <a16:rowId xmlns:a16="http://schemas.microsoft.com/office/drawing/2014/main" val="4294697294"/>
+                  </a:ext>
+                </a:extLst>
+              </a:tr>
+              <a:tr h="243840">
+                <a:tc>
+                  <a:txBody>
+                    <a:bodyPr/>
+                    <a:lstStyle/>
+                    <a:p>
+                      <a:pPr algn="ctr">
+                        <a:lnSpc>
+                          <a:spcPct val="150000"/>
+                        </a:lnSpc>
+                      </a:pPr>
+                      <a:r>
+                        <a:rPr lang="pt-BR" sz="1200">
+                          <a:solidFill>
+                            <a:schemeClr val="tx1"/>
+                          </a:solidFill>
+                          <a:effectLst/>
+                        </a:rPr>
+                        <a:t>484</a:t>
+                      </a:r>
+                      <a:endParaRPr lang="pt-BR" sz="1200">
+                        <a:solidFill>
+                          <a:schemeClr val="tx1"/>
+                        </a:solidFill>
+                        <a:effectLst/>
+                        <a:latin typeface="Arial" panose="020B0604020202020204" pitchFamily="34" charset="0"/>
+                        <a:ea typeface="Arial" panose="020B0604020202020204" pitchFamily="34" charset="0"/>
+                      </a:endParaRPr>
+                    </a:p>
+                  </a:txBody>
+                  <a:tcPr marL="68580" marR="68580" marT="0" marB="0"/>
+                </a:tc>
+                <a:tc>
+                  <a:txBody>
+                    <a:bodyPr/>
+                    <a:lstStyle/>
+                    <a:p>
+                      <a:pPr algn="ctr">
+                        <a:lnSpc>
+                          <a:spcPct val="150000"/>
+                        </a:lnSpc>
+                      </a:pPr>
+                      <a:r>
+                        <a:rPr lang="pt-BR" sz="1200" dirty="0">
+                          <a:solidFill>
+                            <a:schemeClr val="tx1"/>
+                          </a:solidFill>
+                          <a:effectLst/>
+                        </a:rPr>
+                        <a:t>66</a:t>
+                      </a:r>
+                      <a:endParaRPr lang="pt-BR" sz="1200" dirty="0">
+                        <a:solidFill>
+                          <a:schemeClr val="tx1"/>
+                        </a:solidFill>
+                        <a:effectLst/>
+                        <a:latin typeface="Arial" panose="020B0604020202020204" pitchFamily="34" charset="0"/>
+                        <a:ea typeface="Arial" panose="020B0604020202020204" pitchFamily="34" charset="0"/>
+                      </a:endParaRPr>
+                    </a:p>
+                  </a:txBody>
+                  <a:tcPr marL="68580" marR="68580" marT="0" marB="0"/>
+                </a:tc>
+                <a:tc>
+                  <a:txBody>
+                    <a:bodyPr/>
+                    <a:lstStyle/>
+                    <a:p>
+                      <a:pPr algn="ctr">
+                        <a:lnSpc>
+                          <a:spcPct val="150000"/>
+                        </a:lnSpc>
+                      </a:pPr>
+                      <a:r>
+                        <a:rPr lang="pt-BR" sz="1200">
+                          <a:solidFill>
+                            <a:schemeClr val="tx1"/>
+                          </a:solidFill>
+                          <a:effectLst/>
+                        </a:rPr>
+                        <a:t>431</a:t>
+                      </a:r>
+                      <a:endParaRPr lang="pt-BR" sz="1200">
+                        <a:solidFill>
+                          <a:schemeClr val="tx1"/>
+                        </a:solidFill>
+                        <a:effectLst/>
+                        <a:latin typeface="Arial" panose="020B0604020202020204" pitchFamily="34" charset="0"/>
+                        <a:ea typeface="Arial" panose="020B0604020202020204" pitchFamily="34" charset="0"/>
+                      </a:endParaRPr>
+                    </a:p>
+                  </a:txBody>
+                  <a:tcPr marL="68580" marR="68580" marT="0" marB="0"/>
+                </a:tc>
+                <a:tc>
+                  <a:txBody>
+                    <a:bodyPr/>
+                    <a:lstStyle/>
+                    <a:p>
+                      <a:pPr algn="ctr">
+                        <a:lnSpc>
+                          <a:spcPct val="150000"/>
+                        </a:lnSpc>
+                      </a:pPr>
+                      <a:r>
+                        <a:rPr lang="pt-BR" sz="1200" dirty="0">
+                          <a:solidFill>
+                            <a:schemeClr val="tx1"/>
+                          </a:solidFill>
+                          <a:effectLst/>
+                        </a:rPr>
+                        <a:t>16</a:t>
+                      </a:r>
+                      <a:endParaRPr lang="pt-BR" sz="1200" dirty="0">
+                        <a:solidFill>
+                          <a:schemeClr val="tx1"/>
+                        </a:solidFill>
+                        <a:effectLst/>
+                        <a:latin typeface="Arial" panose="020B0604020202020204" pitchFamily="34" charset="0"/>
+                        <a:ea typeface="Arial" panose="020B0604020202020204" pitchFamily="34" charset="0"/>
+                      </a:endParaRPr>
+                    </a:p>
+                  </a:txBody>
+                  <a:tcPr marL="68580" marR="68580" marT="0" marB="0"/>
+                </a:tc>
+                <a:extLst>
+                  <a:ext uri="{0D108BD9-81ED-4DB2-BD59-A6C34878D82A}">
+                    <a16:rowId xmlns:a16="http://schemas.microsoft.com/office/drawing/2014/main" val="938517662"/>
+                  </a:ext>
+                </a:extLst>
+              </a:tr>
+            </a:tbl>
+          </a:graphicData>
+        </a:graphic>
+      </p:graphicFrame>
       <p:sp>
         <p:nvSpPr>
-          <p:cNvPr id="5" name="CaixaDeTexto 4">
+          <p:cNvPr id="10" name="CaixaDeTexto 9">
             <a:extLst>
               <a:ext uri="{FF2B5EF4-FFF2-40B4-BE49-F238E27FC236}">
-                <a16:creationId xmlns:a16="http://schemas.microsoft.com/office/drawing/2014/main" id="{4B3C66EE-E8BD-C5E6-A990-F02A574BF9CD}"/>
+                <a16:creationId xmlns:a16="http://schemas.microsoft.com/office/drawing/2014/main" id="{FB9AD625-684C-9516-26DC-9897DD76AE15}"/>
               </a:ext>
             </a:extLst>
           </p:cNvPr>
@@ -6055,7 +7064,7 @@
         </p:nvSpPr>
         <p:spPr>
           <a:xfrm>
-            <a:off x="313413" y="1324869"/>
+            <a:off x="470119" y="1539614"/>
             <a:ext cx="8387242" cy="461665"/>
           </a:xfrm>
           <a:prstGeom prst="rect">
@@ -6082,7 +7091,7 @@
                   <a:schemeClr val="tx1"/>
                 </a:solidFill>
               </a:rPr>
-              <a:t>a</a:t>
+              <a:t>Modelo 1</a:t>
             </a:r>
           </a:p>
         </p:txBody>
@@ -6090,7 +7099,7 @@
     </p:spTree>
     <p:extLst>
       <p:ext uri="{BB962C8B-B14F-4D97-AF65-F5344CB8AC3E}">
-        <p14:creationId xmlns:p14="http://schemas.microsoft.com/office/powerpoint/2010/main" val="1326302099"/>
+        <p14:creationId xmlns:p14="http://schemas.microsoft.com/office/powerpoint/2010/main" val="185082973"/>
       </p:ext>
     </p:extLst>
   </p:cSld>
@@ -6100,7 +7109,3926 @@
 </p:sld>
 </file>
 
-<file path=ppt/slides/slide11.xml><?xml version="1.0" encoding="utf-8"?>
+<file path=ppt/slides/slide12.xml><?xml version="1.0" encoding="utf-8"?>
+<p:sld xmlns:a="http://schemas.openxmlformats.org/drawingml/2006/main" xmlns:r="http://schemas.openxmlformats.org/officeDocument/2006/relationships" xmlns:p="http://schemas.openxmlformats.org/presentationml/2006/main">
+  <p:cSld>
+    <p:spTree>
+      <p:nvGrpSpPr>
+        <p:cNvPr id="1" name=""/>
+        <p:cNvGrpSpPr/>
+        <p:nvPr/>
+      </p:nvGrpSpPr>
+      <p:grpSpPr>
+        <a:xfrm>
+          <a:off x="0" y="0"/>
+          <a:ext cx="0" cy="0"/>
+          <a:chOff x="0" y="0"/>
+          <a:chExt cx="0" cy="0"/>
+        </a:xfrm>
+      </p:grpSpPr>
+      <p:sp>
+        <p:nvSpPr>
+          <p:cNvPr id="5" name="Título 1">
+            <a:extLst>
+              <a:ext uri="{FF2B5EF4-FFF2-40B4-BE49-F238E27FC236}">
+                <a16:creationId xmlns:a16="http://schemas.microsoft.com/office/drawing/2014/main" id="{A09B8DE9-55FA-0344-A8C5-8281A7E1E44F}"/>
+              </a:ext>
+            </a:extLst>
+          </p:cNvPr>
+          <p:cNvSpPr>
+            <a:spLocks noGrp="1"/>
+          </p:cNvSpPr>
+          <p:nvPr>
+            <p:ph type="title"/>
+          </p:nvPr>
+        </p:nvSpPr>
+        <p:spPr>
+          <a:xfrm>
+            <a:off x="156695" y="339784"/>
+            <a:ext cx="8830610" cy="861000"/>
+          </a:xfrm>
+        </p:spPr>
+        <p:txBody>
+          <a:bodyPr>
+            <a:normAutofit fontScale="90000"/>
+          </a:bodyPr>
+          <a:lstStyle/>
+          <a:p>
+            <a:pPr marL="742950" indent="-742950" algn="l">
+              <a:lnSpc>
+                <a:spcPct val="150000"/>
+              </a:lnSpc>
+              <a:buClr>
+                <a:schemeClr val="tx1"/>
+              </a:buClr>
+              <a:buFont typeface="+mj-lt"/>
+              <a:buAutoNum type="arabicPeriod" startAt="5"/>
+            </a:pPr>
+            <a:r>
+              <a:rPr lang="pt-BR" sz="3600" dirty="0">
+                <a:solidFill>
+                  <a:schemeClr val="tx1"/>
+                </a:solidFill>
+                <a:latin typeface="+mn-lt"/>
+                <a:cs typeface="Arial" panose="020B0604020202020204" pitchFamily="34" charset="0"/>
+              </a:rPr>
+              <a:t>Apresentação e Desempenho dos Modelos</a:t>
+            </a:r>
+          </a:p>
+        </p:txBody>
+      </p:sp>
+      <p:graphicFrame>
+        <p:nvGraphicFramePr>
+          <p:cNvPr id="7" name="Tabela 6">
+            <a:extLst>
+              <a:ext uri="{FF2B5EF4-FFF2-40B4-BE49-F238E27FC236}">
+                <a16:creationId xmlns:a16="http://schemas.microsoft.com/office/drawing/2014/main" id="{46D9D928-CC22-7B74-8978-C79C790ADF5D}"/>
+              </a:ext>
+            </a:extLst>
+          </p:cNvPr>
+          <p:cNvGraphicFramePr>
+            <a:graphicFrameLocks noGrp="1"/>
+          </p:cNvGraphicFramePr>
+          <p:nvPr>
+            <p:extLst>
+              <p:ext uri="{D42A27DB-BD31-4B8C-83A1-F6EECF244321}">
+                <p14:modId xmlns:p14="http://schemas.microsoft.com/office/powerpoint/2010/main" val="1614496244"/>
+              </p:ext>
+            </p:extLst>
+          </p:nvPr>
+        </p:nvGraphicFramePr>
+        <p:xfrm>
+          <a:off x="2184082" y="3781251"/>
+          <a:ext cx="4775835" cy="731520"/>
+        </p:xfrm>
+        <a:graphic>
+          <a:graphicData uri="http://schemas.openxmlformats.org/drawingml/2006/table">
+            <a:tbl>
+              <a:tblPr firstRow="1" firstCol="1" bandRow="1">
+                <a:tableStyleId>{C31E5A13-EAE7-4951-874D-4D2D9AD1DF29}</a:tableStyleId>
+              </a:tblPr>
+              <a:tblGrid>
+                <a:gridCol w="1105535">
+                  <a:extLst>
+                    <a:ext uri="{9D8B030D-6E8A-4147-A177-3AD203B41FA5}">
+                      <a16:colId xmlns:a16="http://schemas.microsoft.com/office/drawing/2014/main" val="710985856"/>
+                    </a:ext>
+                  </a:extLst>
+                </a:gridCol>
+                <a:gridCol w="1106170">
+                  <a:extLst>
+                    <a:ext uri="{9D8B030D-6E8A-4147-A177-3AD203B41FA5}">
+                      <a16:colId xmlns:a16="http://schemas.microsoft.com/office/drawing/2014/main" val="240784573"/>
+                    </a:ext>
+                  </a:extLst>
+                </a:gridCol>
+                <a:gridCol w="1282065">
+                  <a:extLst>
+                    <a:ext uri="{9D8B030D-6E8A-4147-A177-3AD203B41FA5}">
+                      <a16:colId xmlns:a16="http://schemas.microsoft.com/office/drawing/2014/main" val="1184269099"/>
+                    </a:ext>
+                  </a:extLst>
+                </a:gridCol>
+                <a:gridCol w="1282065">
+                  <a:extLst>
+                    <a:ext uri="{9D8B030D-6E8A-4147-A177-3AD203B41FA5}">
+                      <a16:colId xmlns:a16="http://schemas.microsoft.com/office/drawing/2014/main" val="1559436786"/>
+                    </a:ext>
+                  </a:extLst>
+                </a:gridCol>
+              </a:tblGrid>
+              <a:tr h="243840">
+                <a:tc gridSpan="4">
+                  <a:txBody>
+                    <a:bodyPr/>
+                    <a:lstStyle/>
+                    <a:p>
+                      <a:pPr algn="ctr">
+                        <a:lnSpc>
+                          <a:spcPct val="150000"/>
+                        </a:lnSpc>
+                      </a:pPr>
+                      <a:r>
+                        <a:rPr lang="en-US" sz="1200">
+                          <a:solidFill>
+                            <a:schemeClr val="tx1"/>
+                          </a:solidFill>
+                          <a:effectLst/>
+                        </a:rPr>
+                        <a:t>Modelo 2: Hard Rectified Linear Unit (ReLU).</a:t>
+                      </a:r>
+                      <a:endParaRPr lang="pt-BR" sz="1200">
+                        <a:solidFill>
+                          <a:schemeClr val="tx1"/>
+                        </a:solidFill>
+                        <a:effectLst/>
+                        <a:latin typeface="Arial" panose="020B0604020202020204" pitchFamily="34" charset="0"/>
+                        <a:ea typeface="Arial" panose="020B0604020202020204" pitchFamily="34" charset="0"/>
+                      </a:endParaRPr>
+                    </a:p>
+                  </a:txBody>
+                  <a:tcPr marL="68580" marR="68580" marT="0" marB="0"/>
+                </a:tc>
+                <a:tc hMerge="1">
+                  <a:txBody>
+                    <a:bodyPr/>
+                    <a:lstStyle/>
+                    <a:p>
+                      <a:endParaRPr lang="pt-BR"/>
+                    </a:p>
+                  </a:txBody>
+                  <a:tcPr/>
+                </a:tc>
+                <a:tc hMerge="1">
+                  <a:txBody>
+                    <a:bodyPr/>
+                    <a:lstStyle/>
+                    <a:p>
+                      <a:endParaRPr lang="pt-BR"/>
+                    </a:p>
+                  </a:txBody>
+                  <a:tcPr/>
+                </a:tc>
+                <a:tc hMerge="1">
+                  <a:txBody>
+                    <a:bodyPr/>
+                    <a:lstStyle/>
+                    <a:p>
+                      <a:endParaRPr lang="pt-BR"/>
+                    </a:p>
+                  </a:txBody>
+                  <a:tcPr/>
+                </a:tc>
+                <a:extLst>
+                  <a:ext uri="{0D108BD9-81ED-4DB2-BD59-A6C34878D82A}">
+                    <a16:rowId xmlns:a16="http://schemas.microsoft.com/office/drawing/2014/main" val="3140057691"/>
+                  </a:ext>
+                </a:extLst>
+              </a:tr>
+              <a:tr h="243840">
+                <a:tc>
+                  <a:txBody>
+                    <a:bodyPr/>
+                    <a:lstStyle/>
+                    <a:p>
+                      <a:pPr algn="ctr">
+                        <a:lnSpc>
+                          <a:spcPct val="150000"/>
+                        </a:lnSpc>
+                      </a:pPr>
+                      <a:r>
+                        <a:rPr lang="pt-BR" sz="1200">
+                          <a:solidFill>
+                            <a:schemeClr val="tx1"/>
+                          </a:solidFill>
+                          <a:effectLst/>
+                        </a:rPr>
+                        <a:t>TP</a:t>
+                      </a:r>
+                      <a:endParaRPr lang="pt-BR" sz="1200">
+                        <a:solidFill>
+                          <a:schemeClr val="tx1"/>
+                        </a:solidFill>
+                        <a:effectLst/>
+                        <a:latin typeface="Arial" panose="020B0604020202020204" pitchFamily="34" charset="0"/>
+                        <a:ea typeface="Arial" panose="020B0604020202020204" pitchFamily="34" charset="0"/>
+                      </a:endParaRPr>
+                    </a:p>
+                  </a:txBody>
+                  <a:tcPr marL="68580" marR="68580" marT="0" marB="0"/>
+                </a:tc>
+                <a:tc>
+                  <a:txBody>
+                    <a:bodyPr/>
+                    <a:lstStyle/>
+                    <a:p>
+                      <a:pPr algn="ctr">
+                        <a:lnSpc>
+                          <a:spcPct val="150000"/>
+                        </a:lnSpc>
+                      </a:pPr>
+                      <a:r>
+                        <a:rPr lang="pt-BR" sz="1200">
+                          <a:solidFill>
+                            <a:schemeClr val="tx1"/>
+                          </a:solidFill>
+                          <a:effectLst/>
+                        </a:rPr>
+                        <a:t>FP</a:t>
+                      </a:r>
+                      <a:endParaRPr lang="pt-BR" sz="1200">
+                        <a:solidFill>
+                          <a:schemeClr val="tx1"/>
+                        </a:solidFill>
+                        <a:effectLst/>
+                        <a:latin typeface="Arial" panose="020B0604020202020204" pitchFamily="34" charset="0"/>
+                        <a:ea typeface="Arial" panose="020B0604020202020204" pitchFamily="34" charset="0"/>
+                      </a:endParaRPr>
+                    </a:p>
+                  </a:txBody>
+                  <a:tcPr marL="68580" marR="68580" marT="0" marB="0"/>
+                </a:tc>
+                <a:tc>
+                  <a:txBody>
+                    <a:bodyPr/>
+                    <a:lstStyle/>
+                    <a:p>
+                      <a:pPr algn="ctr">
+                        <a:lnSpc>
+                          <a:spcPct val="150000"/>
+                        </a:lnSpc>
+                      </a:pPr>
+                      <a:r>
+                        <a:rPr lang="pt-BR" sz="1200">
+                          <a:solidFill>
+                            <a:schemeClr val="tx1"/>
+                          </a:solidFill>
+                          <a:effectLst/>
+                        </a:rPr>
+                        <a:t>TN</a:t>
+                      </a:r>
+                      <a:endParaRPr lang="pt-BR" sz="1200">
+                        <a:solidFill>
+                          <a:schemeClr val="tx1"/>
+                        </a:solidFill>
+                        <a:effectLst/>
+                        <a:latin typeface="Arial" panose="020B0604020202020204" pitchFamily="34" charset="0"/>
+                        <a:ea typeface="Arial" panose="020B0604020202020204" pitchFamily="34" charset="0"/>
+                      </a:endParaRPr>
+                    </a:p>
+                  </a:txBody>
+                  <a:tcPr marL="68580" marR="68580" marT="0" marB="0"/>
+                </a:tc>
+                <a:tc>
+                  <a:txBody>
+                    <a:bodyPr/>
+                    <a:lstStyle/>
+                    <a:p>
+                      <a:pPr algn="ctr">
+                        <a:lnSpc>
+                          <a:spcPct val="150000"/>
+                        </a:lnSpc>
+                      </a:pPr>
+                      <a:r>
+                        <a:rPr lang="pt-BR" sz="1200">
+                          <a:solidFill>
+                            <a:schemeClr val="tx1"/>
+                          </a:solidFill>
+                          <a:effectLst/>
+                        </a:rPr>
+                        <a:t>FN</a:t>
+                      </a:r>
+                      <a:endParaRPr lang="pt-BR" sz="1200">
+                        <a:solidFill>
+                          <a:schemeClr val="tx1"/>
+                        </a:solidFill>
+                        <a:effectLst/>
+                        <a:latin typeface="Arial" panose="020B0604020202020204" pitchFamily="34" charset="0"/>
+                        <a:ea typeface="Arial" panose="020B0604020202020204" pitchFamily="34" charset="0"/>
+                      </a:endParaRPr>
+                    </a:p>
+                  </a:txBody>
+                  <a:tcPr marL="68580" marR="68580" marT="0" marB="0"/>
+                </a:tc>
+                <a:extLst>
+                  <a:ext uri="{0D108BD9-81ED-4DB2-BD59-A6C34878D82A}">
+                    <a16:rowId xmlns:a16="http://schemas.microsoft.com/office/drawing/2014/main" val="3869096890"/>
+                  </a:ext>
+                </a:extLst>
+              </a:tr>
+              <a:tr h="243840">
+                <a:tc>
+                  <a:txBody>
+                    <a:bodyPr/>
+                    <a:lstStyle/>
+                    <a:p>
+                      <a:pPr algn="ctr">
+                        <a:lnSpc>
+                          <a:spcPct val="150000"/>
+                        </a:lnSpc>
+                      </a:pPr>
+                      <a:r>
+                        <a:rPr lang="pt-BR" sz="1200">
+                          <a:solidFill>
+                            <a:schemeClr val="tx1"/>
+                          </a:solidFill>
+                          <a:effectLst/>
+                        </a:rPr>
+                        <a:t>521</a:t>
+                      </a:r>
+                      <a:endParaRPr lang="pt-BR" sz="1200">
+                        <a:solidFill>
+                          <a:schemeClr val="tx1"/>
+                        </a:solidFill>
+                        <a:effectLst/>
+                        <a:latin typeface="Arial" panose="020B0604020202020204" pitchFamily="34" charset="0"/>
+                        <a:ea typeface="Arial" panose="020B0604020202020204" pitchFamily="34" charset="0"/>
+                      </a:endParaRPr>
+                    </a:p>
+                  </a:txBody>
+                  <a:tcPr marL="68580" marR="68580" marT="0" marB="0"/>
+                </a:tc>
+                <a:tc>
+                  <a:txBody>
+                    <a:bodyPr/>
+                    <a:lstStyle/>
+                    <a:p>
+                      <a:pPr algn="ctr">
+                        <a:lnSpc>
+                          <a:spcPct val="150000"/>
+                        </a:lnSpc>
+                      </a:pPr>
+                      <a:r>
+                        <a:rPr lang="pt-BR" sz="1200" dirty="0">
+                          <a:solidFill>
+                            <a:schemeClr val="tx1"/>
+                          </a:solidFill>
+                          <a:effectLst/>
+                        </a:rPr>
+                        <a:t>73</a:t>
+                      </a:r>
+                      <a:endParaRPr lang="pt-BR" sz="1200" dirty="0">
+                        <a:solidFill>
+                          <a:schemeClr val="tx1"/>
+                        </a:solidFill>
+                        <a:effectLst/>
+                        <a:latin typeface="Arial" panose="020B0604020202020204" pitchFamily="34" charset="0"/>
+                        <a:ea typeface="Arial" panose="020B0604020202020204" pitchFamily="34" charset="0"/>
+                      </a:endParaRPr>
+                    </a:p>
+                  </a:txBody>
+                  <a:tcPr marL="68580" marR="68580" marT="0" marB="0"/>
+                </a:tc>
+                <a:tc>
+                  <a:txBody>
+                    <a:bodyPr/>
+                    <a:lstStyle/>
+                    <a:p>
+                      <a:pPr algn="ctr">
+                        <a:lnSpc>
+                          <a:spcPct val="150000"/>
+                        </a:lnSpc>
+                      </a:pPr>
+                      <a:r>
+                        <a:rPr lang="pt-BR" sz="1200">
+                          <a:solidFill>
+                            <a:schemeClr val="tx1"/>
+                          </a:solidFill>
+                          <a:effectLst/>
+                        </a:rPr>
+                        <a:t>402</a:t>
+                      </a:r>
+                      <a:endParaRPr lang="pt-BR" sz="1200">
+                        <a:solidFill>
+                          <a:schemeClr val="tx1"/>
+                        </a:solidFill>
+                        <a:effectLst/>
+                        <a:latin typeface="Arial" panose="020B0604020202020204" pitchFamily="34" charset="0"/>
+                        <a:ea typeface="Arial" panose="020B0604020202020204" pitchFamily="34" charset="0"/>
+                      </a:endParaRPr>
+                    </a:p>
+                  </a:txBody>
+                  <a:tcPr marL="68580" marR="68580" marT="0" marB="0"/>
+                </a:tc>
+                <a:tc>
+                  <a:txBody>
+                    <a:bodyPr/>
+                    <a:lstStyle/>
+                    <a:p>
+                      <a:pPr algn="ctr">
+                        <a:lnSpc>
+                          <a:spcPct val="150000"/>
+                        </a:lnSpc>
+                      </a:pPr>
+                      <a:r>
+                        <a:rPr lang="pt-BR" sz="1200" dirty="0">
+                          <a:solidFill>
+                            <a:schemeClr val="tx1"/>
+                          </a:solidFill>
+                          <a:effectLst/>
+                        </a:rPr>
+                        <a:t>0</a:t>
+                      </a:r>
+                      <a:endParaRPr lang="pt-BR" sz="1200" dirty="0">
+                        <a:solidFill>
+                          <a:schemeClr val="tx1"/>
+                        </a:solidFill>
+                        <a:effectLst/>
+                        <a:latin typeface="Arial" panose="020B0604020202020204" pitchFamily="34" charset="0"/>
+                        <a:ea typeface="Arial" panose="020B0604020202020204" pitchFamily="34" charset="0"/>
+                      </a:endParaRPr>
+                    </a:p>
+                  </a:txBody>
+                  <a:tcPr marL="68580" marR="68580" marT="0" marB="0"/>
+                </a:tc>
+                <a:extLst>
+                  <a:ext uri="{0D108BD9-81ED-4DB2-BD59-A6C34878D82A}">
+                    <a16:rowId xmlns:a16="http://schemas.microsoft.com/office/drawing/2014/main" val="2551425321"/>
+                  </a:ext>
+                </a:extLst>
+              </a:tr>
+            </a:tbl>
+          </a:graphicData>
+        </a:graphic>
+      </p:graphicFrame>
+      <p:graphicFrame>
+        <p:nvGraphicFramePr>
+          <p:cNvPr id="8" name="Tabela 7">
+            <a:extLst>
+              <a:ext uri="{FF2B5EF4-FFF2-40B4-BE49-F238E27FC236}">
+                <a16:creationId xmlns:a16="http://schemas.microsoft.com/office/drawing/2014/main" id="{C3FE0ABF-DB52-F45B-CCA5-A3A20DCEDDC4}"/>
+              </a:ext>
+            </a:extLst>
+          </p:cNvPr>
+          <p:cNvGraphicFramePr>
+            <a:graphicFrameLocks noGrp="1"/>
+          </p:cNvGraphicFramePr>
+          <p:nvPr>
+            <p:extLst>
+              <p:ext uri="{D42A27DB-BD31-4B8C-83A1-F6EECF244321}">
+                <p14:modId xmlns:p14="http://schemas.microsoft.com/office/powerpoint/2010/main" val="4086213434"/>
+              </p:ext>
+            </p:extLst>
+          </p:nvPr>
+        </p:nvGraphicFramePr>
+        <p:xfrm>
+          <a:off x="2184082" y="2318211"/>
+          <a:ext cx="4775835" cy="1463040"/>
+        </p:xfrm>
+        <a:graphic>
+          <a:graphicData uri="http://schemas.openxmlformats.org/drawingml/2006/table">
+            <a:tbl>
+              <a:tblPr firstRow="1" firstCol="1" bandRow="1">
+                <a:tableStyleId>{C31E5A13-EAE7-4951-874D-4D2D9AD1DF29}</a:tableStyleId>
+              </a:tblPr>
+              <a:tblGrid>
+                <a:gridCol w="2211705">
+                  <a:extLst>
+                    <a:ext uri="{9D8B030D-6E8A-4147-A177-3AD203B41FA5}">
+                      <a16:colId xmlns:a16="http://schemas.microsoft.com/office/drawing/2014/main" val="2925232747"/>
+                    </a:ext>
+                  </a:extLst>
+                </a:gridCol>
+                <a:gridCol w="2564130">
+                  <a:extLst>
+                    <a:ext uri="{9D8B030D-6E8A-4147-A177-3AD203B41FA5}">
+                      <a16:colId xmlns:a16="http://schemas.microsoft.com/office/drawing/2014/main" val="2931866165"/>
+                    </a:ext>
+                  </a:extLst>
+                </a:gridCol>
+              </a:tblGrid>
+              <a:tr h="243840">
+                <a:tc>
+                  <a:txBody>
+                    <a:bodyPr/>
+                    <a:lstStyle/>
+                    <a:p>
+                      <a:pPr algn="ctr">
+                        <a:lnSpc>
+                          <a:spcPct val="150000"/>
+                        </a:lnSpc>
+                      </a:pPr>
+                      <a:r>
+                        <a:rPr lang="pt-BR" sz="1200" dirty="0">
+                          <a:solidFill>
+                            <a:schemeClr val="tx1"/>
+                          </a:solidFill>
+                          <a:effectLst/>
+                        </a:rPr>
+                        <a:t>Quantidade de </a:t>
+                      </a:r>
+                      <a:r>
+                        <a:rPr lang="pt-BR" sz="1200" dirty="0" err="1">
+                          <a:solidFill>
+                            <a:schemeClr val="tx1"/>
+                          </a:solidFill>
+                          <a:effectLst/>
+                        </a:rPr>
+                        <a:t>Tensors</a:t>
+                      </a:r>
+                      <a:endParaRPr lang="pt-BR" sz="1200" dirty="0">
+                        <a:solidFill>
+                          <a:schemeClr val="tx1"/>
+                        </a:solidFill>
+                        <a:effectLst/>
+                        <a:latin typeface="Arial" panose="020B0604020202020204" pitchFamily="34" charset="0"/>
+                        <a:ea typeface="Arial" panose="020B0604020202020204" pitchFamily="34" charset="0"/>
+                      </a:endParaRPr>
+                    </a:p>
+                  </a:txBody>
+                  <a:tcPr marL="68580" marR="68580" marT="0" marB="0"/>
+                </a:tc>
+                <a:tc>
+                  <a:txBody>
+                    <a:bodyPr/>
+                    <a:lstStyle/>
+                    <a:p>
+                      <a:pPr algn="ctr">
+                        <a:lnSpc>
+                          <a:spcPct val="150000"/>
+                        </a:lnSpc>
+                      </a:pPr>
+                      <a:r>
+                        <a:rPr lang="pt-BR" sz="1200">
+                          <a:solidFill>
+                            <a:schemeClr val="tx1"/>
+                          </a:solidFill>
+                          <a:effectLst/>
+                        </a:rPr>
+                        <a:t>Tipo Ativação</a:t>
+                      </a:r>
+                      <a:endParaRPr lang="pt-BR" sz="1200">
+                        <a:solidFill>
+                          <a:schemeClr val="tx1"/>
+                        </a:solidFill>
+                        <a:effectLst/>
+                        <a:latin typeface="Arial" panose="020B0604020202020204" pitchFamily="34" charset="0"/>
+                        <a:ea typeface="Arial" panose="020B0604020202020204" pitchFamily="34" charset="0"/>
+                      </a:endParaRPr>
+                    </a:p>
+                  </a:txBody>
+                  <a:tcPr marL="68580" marR="68580" marT="0" marB="0"/>
+                </a:tc>
+                <a:extLst>
+                  <a:ext uri="{0D108BD9-81ED-4DB2-BD59-A6C34878D82A}">
+                    <a16:rowId xmlns:a16="http://schemas.microsoft.com/office/drawing/2014/main" val="166146393"/>
+                  </a:ext>
+                </a:extLst>
+              </a:tr>
+              <a:tr h="243840">
+                <a:tc>
+                  <a:txBody>
+                    <a:bodyPr/>
+                    <a:lstStyle/>
+                    <a:p>
+                      <a:pPr algn="ctr">
+                        <a:lnSpc>
+                          <a:spcPct val="150000"/>
+                        </a:lnSpc>
+                      </a:pPr>
+                      <a:r>
+                        <a:rPr lang="pt-BR" sz="1200">
+                          <a:solidFill>
+                            <a:schemeClr val="tx1"/>
+                          </a:solidFill>
+                          <a:effectLst/>
+                        </a:rPr>
+                        <a:t>12</a:t>
+                      </a:r>
+                      <a:endParaRPr lang="pt-BR" sz="1200">
+                        <a:solidFill>
+                          <a:schemeClr val="tx1"/>
+                        </a:solidFill>
+                        <a:effectLst/>
+                        <a:latin typeface="Arial" panose="020B0604020202020204" pitchFamily="34" charset="0"/>
+                        <a:ea typeface="Arial" panose="020B0604020202020204" pitchFamily="34" charset="0"/>
+                      </a:endParaRPr>
+                    </a:p>
+                  </a:txBody>
+                  <a:tcPr marL="68580" marR="68580" marT="0" marB="0"/>
+                </a:tc>
+                <a:tc>
+                  <a:txBody>
+                    <a:bodyPr/>
+                    <a:lstStyle/>
+                    <a:p>
+                      <a:pPr algn="ctr">
+                        <a:lnSpc>
+                          <a:spcPct val="150000"/>
+                        </a:lnSpc>
+                      </a:pPr>
+                      <a:r>
+                        <a:rPr lang="pt-BR" sz="1200">
+                          <a:solidFill>
+                            <a:schemeClr val="tx1"/>
+                          </a:solidFill>
+                          <a:effectLst/>
+                        </a:rPr>
+                        <a:t>ReLU</a:t>
+                      </a:r>
+                      <a:endParaRPr lang="pt-BR" sz="1200">
+                        <a:solidFill>
+                          <a:schemeClr val="tx1"/>
+                        </a:solidFill>
+                        <a:effectLst/>
+                        <a:latin typeface="Arial" panose="020B0604020202020204" pitchFamily="34" charset="0"/>
+                        <a:ea typeface="Arial" panose="020B0604020202020204" pitchFamily="34" charset="0"/>
+                      </a:endParaRPr>
+                    </a:p>
+                  </a:txBody>
+                  <a:tcPr marL="68580" marR="68580" marT="0" marB="0"/>
+                </a:tc>
+                <a:extLst>
+                  <a:ext uri="{0D108BD9-81ED-4DB2-BD59-A6C34878D82A}">
+                    <a16:rowId xmlns:a16="http://schemas.microsoft.com/office/drawing/2014/main" val="3371051147"/>
+                  </a:ext>
+                </a:extLst>
+              </a:tr>
+              <a:tr h="243840">
+                <a:tc>
+                  <a:txBody>
+                    <a:bodyPr/>
+                    <a:lstStyle/>
+                    <a:p>
+                      <a:pPr algn="ctr">
+                        <a:lnSpc>
+                          <a:spcPct val="150000"/>
+                        </a:lnSpc>
+                      </a:pPr>
+                      <a:r>
+                        <a:rPr lang="pt-BR" sz="1200">
+                          <a:solidFill>
+                            <a:schemeClr val="tx1"/>
+                          </a:solidFill>
+                          <a:effectLst/>
+                        </a:rPr>
+                        <a:t>12</a:t>
+                      </a:r>
+                      <a:endParaRPr lang="pt-BR" sz="1200">
+                        <a:solidFill>
+                          <a:schemeClr val="tx1"/>
+                        </a:solidFill>
+                        <a:effectLst/>
+                        <a:latin typeface="Arial" panose="020B0604020202020204" pitchFamily="34" charset="0"/>
+                        <a:ea typeface="Arial" panose="020B0604020202020204" pitchFamily="34" charset="0"/>
+                      </a:endParaRPr>
+                    </a:p>
+                  </a:txBody>
+                  <a:tcPr marL="68580" marR="68580" marT="0" marB="0"/>
+                </a:tc>
+                <a:tc>
+                  <a:txBody>
+                    <a:bodyPr/>
+                    <a:lstStyle/>
+                    <a:p>
+                      <a:pPr algn="ctr">
+                        <a:lnSpc>
+                          <a:spcPct val="150000"/>
+                        </a:lnSpc>
+                      </a:pPr>
+                      <a:r>
+                        <a:rPr lang="pt-BR" sz="1200">
+                          <a:solidFill>
+                            <a:schemeClr val="tx1"/>
+                          </a:solidFill>
+                          <a:effectLst/>
+                        </a:rPr>
+                        <a:t>ReLU</a:t>
+                      </a:r>
+                      <a:endParaRPr lang="pt-BR" sz="1200">
+                        <a:solidFill>
+                          <a:schemeClr val="tx1"/>
+                        </a:solidFill>
+                        <a:effectLst/>
+                        <a:latin typeface="Arial" panose="020B0604020202020204" pitchFamily="34" charset="0"/>
+                        <a:ea typeface="Arial" panose="020B0604020202020204" pitchFamily="34" charset="0"/>
+                      </a:endParaRPr>
+                    </a:p>
+                  </a:txBody>
+                  <a:tcPr marL="68580" marR="68580" marT="0" marB="0"/>
+                </a:tc>
+                <a:extLst>
+                  <a:ext uri="{0D108BD9-81ED-4DB2-BD59-A6C34878D82A}">
+                    <a16:rowId xmlns:a16="http://schemas.microsoft.com/office/drawing/2014/main" val="3869529940"/>
+                  </a:ext>
+                </a:extLst>
+              </a:tr>
+              <a:tr h="243840">
+                <a:tc>
+                  <a:txBody>
+                    <a:bodyPr/>
+                    <a:lstStyle/>
+                    <a:p>
+                      <a:pPr algn="ctr">
+                        <a:lnSpc>
+                          <a:spcPct val="150000"/>
+                        </a:lnSpc>
+                      </a:pPr>
+                      <a:r>
+                        <a:rPr lang="pt-BR" sz="1200">
+                          <a:solidFill>
+                            <a:schemeClr val="tx1"/>
+                          </a:solidFill>
+                          <a:effectLst/>
+                        </a:rPr>
+                        <a:t>8</a:t>
+                      </a:r>
+                      <a:endParaRPr lang="pt-BR" sz="1200">
+                        <a:solidFill>
+                          <a:schemeClr val="tx1"/>
+                        </a:solidFill>
+                        <a:effectLst/>
+                        <a:latin typeface="Arial" panose="020B0604020202020204" pitchFamily="34" charset="0"/>
+                        <a:ea typeface="Arial" panose="020B0604020202020204" pitchFamily="34" charset="0"/>
+                      </a:endParaRPr>
+                    </a:p>
+                  </a:txBody>
+                  <a:tcPr marL="68580" marR="68580" marT="0" marB="0"/>
+                </a:tc>
+                <a:tc>
+                  <a:txBody>
+                    <a:bodyPr/>
+                    <a:lstStyle/>
+                    <a:p>
+                      <a:pPr algn="ctr">
+                        <a:lnSpc>
+                          <a:spcPct val="150000"/>
+                        </a:lnSpc>
+                      </a:pPr>
+                      <a:r>
+                        <a:rPr lang="pt-BR" sz="1200">
+                          <a:solidFill>
+                            <a:schemeClr val="tx1"/>
+                          </a:solidFill>
+                          <a:effectLst/>
+                        </a:rPr>
+                        <a:t>ReLU</a:t>
+                      </a:r>
+                      <a:endParaRPr lang="pt-BR" sz="1200">
+                        <a:solidFill>
+                          <a:schemeClr val="tx1"/>
+                        </a:solidFill>
+                        <a:effectLst/>
+                        <a:latin typeface="Arial" panose="020B0604020202020204" pitchFamily="34" charset="0"/>
+                        <a:ea typeface="Arial" panose="020B0604020202020204" pitchFamily="34" charset="0"/>
+                      </a:endParaRPr>
+                    </a:p>
+                  </a:txBody>
+                  <a:tcPr marL="68580" marR="68580" marT="0" marB="0"/>
+                </a:tc>
+                <a:extLst>
+                  <a:ext uri="{0D108BD9-81ED-4DB2-BD59-A6C34878D82A}">
+                    <a16:rowId xmlns:a16="http://schemas.microsoft.com/office/drawing/2014/main" val="735432015"/>
+                  </a:ext>
+                </a:extLst>
+              </a:tr>
+              <a:tr h="243840">
+                <a:tc>
+                  <a:txBody>
+                    <a:bodyPr/>
+                    <a:lstStyle/>
+                    <a:p>
+                      <a:pPr algn="ctr">
+                        <a:lnSpc>
+                          <a:spcPct val="150000"/>
+                        </a:lnSpc>
+                      </a:pPr>
+                      <a:r>
+                        <a:rPr lang="pt-BR" sz="1200">
+                          <a:solidFill>
+                            <a:schemeClr val="tx1"/>
+                          </a:solidFill>
+                          <a:effectLst/>
+                        </a:rPr>
+                        <a:t>4</a:t>
+                      </a:r>
+                      <a:endParaRPr lang="pt-BR" sz="1200">
+                        <a:solidFill>
+                          <a:schemeClr val="tx1"/>
+                        </a:solidFill>
+                        <a:effectLst/>
+                        <a:latin typeface="Arial" panose="020B0604020202020204" pitchFamily="34" charset="0"/>
+                        <a:ea typeface="Arial" panose="020B0604020202020204" pitchFamily="34" charset="0"/>
+                      </a:endParaRPr>
+                    </a:p>
+                  </a:txBody>
+                  <a:tcPr marL="68580" marR="68580" marT="0" marB="0"/>
+                </a:tc>
+                <a:tc>
+                  <a:txBody>
+                    <a:bodyPr/>
+                    <a:lstStyle/>
+                    <a:p>
+                      <a:pPr algn="ctr">
+                        <a:lnSpc>
+                          <a:spcPct val="150000"/>
+                        </a:lnSpc>
+                      </a:pPr>
+                      <a:r>
+                        <a:rPr lang="pt-BR" sz="1200" dirty="0" err="1">
+                          <a:solidFill>
+                            <a:schemeClr val="tx1"/>
+                          </a:solidFill>
+                          <a:effectLst/>
+                        </a:rPr>
+                        <a:t>ReLU</a:t>
+                      </a:r>
+                      <a:endParaRPr lang="pt-BR" sz="1200" dirty="0">
+                        <a:solidFill>
+                          <a:schemeClr val="tx1"/>
+                        </a:solidFill>
+                        <a:effectLst/>
+                        <a:latin typeface="Arial" panose="020B0604020202020204" pitchFamily="34" charset="0"/>
+                        <a:ea typeface="Arial" panose="020B0604020202020204" pitchFamily="34" charset="0"/>
+                      </a:endParaRPr>
+                    </a:p>
+                  </a:txBody>
+                  <a:tcPr marL="68580" marR="68580" marT="0" marB="0"/>
+                </a:tc>
+                <a:extLst>
+                  <a:ext uri="{0D108BD9-81ED-4DB2-BD59-A6C34878D82A}">
+                    <a16:rowId xmlns:a16="http://schemas.microsoft.com/office/drawing/2014/main" val="1965055025"/>
+                  </a:ext>
+                </a:extLst>
+              </a:tr>
+              <a:tr h="243840">
+                <a:tc>
+                  <a:txBody>
+                    <a:bodyPr/>
+                    <a:lstStyle/>
+                    <a:p>
+                      <a:pPr algn="ctr">
+                        <a:lnSpc>
+                          <a:spcPct val="150000"/>
+                        </a:lnSpc>
+                      </a:pPr>
+                      <a:r>
+                        <a:rPr lang="pt-BR" sz="1200" dirty="0">
+                          <a:solidFill>
+                            <a:schemeClr val="tx1"/>
+                          </a:solidFill>
+                          <a:effectLst/>
+                        </a:rPr>
+                        <a:t>1</a:t>
+                      </a:r>
+                      <a:endParaRPr lang="pt-BR" sz="1200" dirty="0">
+                        <a:solidFill>
+                          <a:schemeClr val="tx1"/>
+                        </a:solidFill>
+                        <a:effectLst/>
+                        <a:latin typeface="Arial" panose="020B0604020202020204" pitchFamily="34" charset="0"/>
+                        <a:ea typeface="Arial" panose="020B0604020202020204" pitchFamily="34" charset="0"/>
+                      </a:endParaRPr>
+                    </a:p>
+                  </a:txBody>
+                  <a:tcPr marL="68580" marR="68580" marT="0" marB="0"/>
+                </a:tc>
+                <a:tc>
+                  <a:txBody>
+                    <a:bodyPr/>
+                    <a:lstStyle/>
+                    <a:p>
+                      <a:pPr algn="ctr">
+                        <a:lnSpc>
+                          <a:spcPct val="150000"/>
+                        </a:lnSpc>
+                      </a:pPr>
+                      <a:r>
+                        <a:rPr lang="pt-BR" sz="1200" dirty="0">
+                          <a:solidFill>
+                            <a:schemeClr val="tx1"/>
+                          </a:solidFill>
+                          <a:effectLst/>
+                        </a:rPr>
+                        <a:t>Hard </a:t>
+                      </a:r>
+                      <a:r>
+                        <a:rPr lang="pt-BR" sz="1200" dirty="0" err="1">
+                          <a:solidFill>
+                            <a:schemeClr val="tx1"/>
+                          </a:solidFill>
+                          <a:effectLst/>
+                        </a:rPr>
+                        <a:t>Sigmoid</a:t>
+                      </a:r>
+                      <a:endParaRPr lang="pt-BR" sz="1200" dirty="0">
+                        <a:solidFill>
+                          <a:schemeClr val="tx1"/>
+                        </a:solidFill>
+                        <a:effectLst/>
+                        <a:latin typeface="Arial" panose="020B0604020202020204" pitchFamily="34" charset="0"/>
+                        <a:ea typeface="Arial" panose="020B0604020202020204" pitchFamily="34" charset="0"/>
+                      </a:endParaRPr>
+                    </a:p>
+                  </a:txBody>
+                  <a:tcPr marL="68580" marR="68580" marT="0" marB="0"/>
+                </a:tc>
+                <a:extLst>
+                  <a:ext uri="{0D108BD9-81ED-4DB2-BD59-A6C34878D82A}">
+                    <a16:rowId xmlns:a16="http://schemas.microsoft.com/office/drawing/2014/main" val="314576445"/>
+                  </a:ext>
+                </a:extLst>
+              </a:tr>
+            </a:tbl>
+          </a:graphicData>
+        </a:graphic>
+      </p:graphicFrame>
+      <p:sp>
+        <p:nvSpPr>
+          <p:cNvPr id="9" name="CaixaDeTexto 8">
+            <a:extLst>
+              <a:ext uri="{FF2B5EF4-FFF2-40B4-BE49-F238E27FC236}">
+                <a16:creationId xmlns:a16="http://schemas.microsoft.com/office/drawing/2014/main" id="{8552EB9E-918E-E83C-7658-BCE50BC151F3}"/>
+              </a:ext>
+            </a:extLst>
+          </p:cNvPr>
+          <p:cNvSpPr txBox="1"/>
+          <p:nvPr/>
+        </p:nvSpPr>
+        <p:spPr>
+          <a:xfrm>
+            <a:off x="470119" y="1539614"/>
+            <a:ext cx="8387242" cy="461665"/>
+          </a:xfrm>
+          <a:prstGeom prst="rect">
+            <a:avLst/>
+          </a:prstGeom>
+          <a:noFill/>
+        </p:spPr>
+        <p:txBody>
+          <a:bodyPr wrap="square" rtlCol="0">
+            <a:spAutoFit/>
+          </a:bodyPr>
+          <a:lstStyle/>
+          <a:p>
+            <a:pPr marL="285750" indent="-285750" algn="just">
+              <a:buClr>
+                <a:schemeClr val="tx1"/>
+              </a:buClr>
+              <a:buFont typeface="Arial" panose="020B0604020202020204" pitchFamily="34" charset="0"/>
+              <a:buChar char="•"/>
+            </a:pPr>
+            <a:r>
+              <a:rPr lang="pt-BR" sz="2400" dirty="0">
+                <a:solidFill>
+                  <a:schemeClr val="tx1"/>
+                </a:solidFill>
+              </a:rPr>
+              <a:t>Modelo 2</a:t>
+            </a:r>
+          </a:p>
+        </p:txBody>
+      </p:sp>
+    </p:spTree>
+    <p:extLst>
+      <p:ext uri="{BB962C8B-B14F-4D97-AF65-F5344CB8AC3E}">
+        <p14:creationId xmlns:p14="http://schemas.microsoft.com/office/powerpoint/2010/main" val="1687523434"/>
+      </p:ext>
+    </p:extLst>
+  </p:cSld>
+  <p:clrMapOvr>
+    <a:masterClrMapping/>
+  </p:clrMapOvr>
+</p:sld>
+</file>
+
+<file path=ppt/slides/slide13.xml><?xml version="1.0" encoding="utf-8"?>
+<p:sld xmlns:a="http://schemas.openxmlformats.org/drawingml/2006/main" xmlns:r="http://schemas.openxmlformats.org/officeDocument/2006/relationships" xmlns:p="http://schemas.openxmlformats.org/presentationml/2006/main">
+  <p:cSld>
+    <p:spTree>
+      <p:nvGrpSpPr>
+        <p:cNvPr id="1" name=""/>
+        <p:cNvGrpSpPr/>
+        <p:nvPr/>
+      </p:nvGrpSpPr>
+      <p:grpSpPr>
+        <a:xfrm>
+          <a:off x="0" y="0"/>
+          <a:ext cx="0" cy="0"/>
+          <a:chOff x="0" y="0"/>
+          <a:chExt cx="0" cy="0"/>
+        </a:xfrm>
+      </p:grpSpPr>
+      <p:sp>
+        <p:nvSpPr>
+          <p:cNvPr id="5" name="Título 1">
+            <a:extLst>
+              <a:ext uri="{FF2B5EF4-FFF2-40B4-BE49-F238E27FC236}">
+                <a16:creationId xmlns:a16="http://schemas.microsoft.com/office/drawing/2014/main" id="{A09B8DE9-55FA-0344-A8C5-8281A7E1E44F}"/>
+              </a:ext>
+            </a:extLst>
+          </p:cNvPr>
+          <p:cNvSpPr>
+            <a:spLocks noGrp="1"/>
+          </p:cNvSpPr>
+          <p:nvPr>
+            <p:ph type="title"/>
+          </p:nvPr>
+        </p:nvSpPr>
+        <p:spPr>
+          <a:xfrm>
+            <a:off x="156695" y="339784"/>
+            <a:ext cx="8830610" cy="861000"/>
+          </a:xfrm>
+        </p:spPr>
+        <p:txBody>
+          <a:bodyPr>
+            <a:normAutofit fontScale="90000"/>
+          </a:bodyPr>
+          <a:lstStyle/>
+          <a:p>
+            <a:pPr marL="742950" indent="-742950" algn="l">
+              <a:lnSpc>
+                <a:spcPct val="150000"/>
+              </a:lnSpc>
+              <a:buClr>
+                <a:schemeClr val="tx1"/>
+              </a:buClr>
+              <a:buFont typeface="+mj-lt"/>
+              <a:buAutoNum type="arabicPeriod" startAt="5"/>
+            </a:pPr>
+            <a:r>
+              <a:rPr lang="pt-BR" sz="3600" dirty="0">
+                <a:solidFill>
+                  <a:schemeClr val="tx1"/>
+                </a:solidFill>
+                <a:latin typeface="+mn-lt"/>
+                <a:cs typeface="Arial" panose="020B0604020202020204" pitchFamily="34" charset="0"/>
+              </a:rPr>
+              <a:t>Apresentação e Desempenho dos Modelos</a:t>
+            </a:r>
+          </a:p>
+        </p:txBody>
+      </p:sp>
+      <p:graphicFrame>
+        <p:nvGraphicFramePr>
+          <p:cNvPr id="2" name="Tabela 1">
+            <a:extLst>
+              <a:ext uri="{FF2B5EF4-FFF2-40B4-BE49-F238E27FC236}">
+                <a16:creationId xmlns:a16="http://schemas.microsoft.com/office/drawing/2014/main" id="{102BF32C-E092-B5AA-1245-10DCDC67CDF7}"/>
+              </a:ext>
+            </a:extLst>
+          </p:cNvPr>
+          <p:cNvGraphicFramePr>
+            <a:graphicFrameLocks noGrp="1"/>
+          </p:cNvGraphicFramePr>
+          <p:nvPr>
+            <p:extLst>
+              <p:ext uri="{D42A27DB-BD31-4B8C-83A1-F6EECF244321}">
+                <p14:modId xmlns:p14="http://schemas.microsoft.com/office/powerpoint/2010/main" val="1215572760"/>
+              </p:ext>
+            </p:extLst>
+          </p:nvPr>
+        </p:nvGraphicFramePr>
+        <p:xfrm>
+          <a:off x="2184081" y="2318211"/>
+          <a:ext cx="4775835" cy="1463040"/>
+        </p:xfrm>
+        <a:graphic>
+          <a:graphicData uri="http://schemas.openxmlformats.org/drawingml/2006/table">
+            <a:tbl>
+              <a:tblPr firstRow="1" firstCol="1" bandRow="1">
+                <a:tableStyleId>{C31E5A13-EAE7-4951-874D-4D2D9AD1DF29}</a:tableStyleId>
+              </a:tblPr>
+              <a:tblGrid>
+                <a:gridCol w="2211705">
+                  <a:extLst>
+                    <a:ext uri="{9D8B030D-6E8A-4147-A177-3AD203B41FA5}">
+                      <a16:colId xmlns:a16="http://schemas.microsoft.com/office/drawing/2014/main" val="229633185"/>
+                    </a:ext>
+                  </a:extLst>
+                </a:gridCol>
+                <a:gridCol w="2564130">
+                  <a:extLst>
+                    <a:ext uri="{9D8B030D-6E8A-4147-A177-3AD203B41FA5}">
+                      <a16:colId xmlns:a16="http://schemas.microsoft.com/office/drawing/2014/main" val="2003005449"/>
+                    </a:ext>
+                  </a:extLst>
+                </a:gridCol>
+              </a:tblGrid>
+              <a:tr h="243840">
+                <a:tc>
+                  <a:txBody>
+                    <a:bodyPr/>
+                    <a:lstStyle/>
+                    <a:p>
+                      <a:pPr algn="ctr">
+                        <a:lnSpc>
+                          <a:spcPct val="150000"/>
+                        </a:lnSpc>
+                      </a:pPr>
+                      <a:r>
+                        <a:rPr lang="pt-BR" sz="1200">
+                          <a:solidFill>
+                            <a:schemeClr val="tx1"/>
+                          </a:solidFill>
+                          <a:effectLst/>
+                        </a:rPr>
+                        <a:t>Quantidade de Tensors</a:t>
+                      </a:r>
+                      <a:endParaRPr lang="pt-BR" sz="1200">
+                        <a:solidFill>
+                          <a:schemeClr val="tx1"/>
+                        </a:solidFill>
+                        <a:effectLst/>
+                        <a:latin typeface="Arial" panose="020B0604020202020204" pitchFamily="34" charset="0"/>
+                        <a:ea typeface="Arial" panose="020B0604020202020204" pitchFamily="34" charset="0"/>
+                      </a:endParaRPr>
+                    </a:p>
+                  </a:txBody>
+                  <a:tcPr marL="68580" marR="68580" marT="0" marB="0"/>
+                </a:tc>
+                <a:tc>
+                  <a:txBody>
+                    <a:bodyPr/>
+                    <a:lstStyle/>
+                    <a:p>
+                      <a:pPr algn="ctr">
+                        <a:lnSpc>
+                          <a:spcPct val="150000"/>
+                        </a:lnSpc>
+                      </a:pPr>
+                      <a:r>
+                        <a:rPr lang="pt-BR" sz="1200">
+                          <a:solidFill>
+                            <a:schemeClr val="tx1"/>
+                          </a:solidFill>
+                          <a:effectLst/>
+                        </a:rPr>
+                        <a:t>Tipo Ativação</a:t>
+                      </a:r>
+                      <a:endParaRPr lang="pt-BR" sz="1200">
+                        <a:solidFill>
+                          <a:schemeClr val="tx1"/>
+                        </a:solidFill>
+                        <a:effectLst/>
+                        <a:latin typeface="Arial" panose="020B0604020202020204" pitchFamily="34" charset="0"/>
+                        <a:ea typeface="Arial" panose="020B0604020202020204" pitchFamily="34" charset="0"/>
+                      </a:endParaRPr>
+                    </a:p>
+                  </a:txBody>
+                  <a:tcPr marL="68580" marR="68580" marT="0" marB="0"/>
+                </a:tc>
+                <a:extLst>
+                  <a:ext uri="{0D108BD9-81ED-4DB2-BD59-A6C34878D82A}">
+                    <a16:rowId xmlns:a16="http://schemas.microsoft.com/office/drawing/2014/main" val="521275562"/>
+                  </a:ext>
+                </a:extLst>
+              </a:tr>
+              <a:tr h="243840">
+                <a:tc>
+                  <a:txBody>
+                    <a:bodyPr/>
+                    <a:lstStyle/>
+                    <a:p>
+                      <a:pPr algn="ctr">
+                        <a:lnSpc>
+                          <a:spcPct val="150000"/>
+                        </a:lnSpc>
+                      </a:pPr>
+                      <a:r>
+                        <a:rPr lang="pt-BR" sz="1200">
+                          <a:solidFill>
+                            <a:schemeClr val="tx1"/>
+                          </a:solidFill>
+                          <a:effectLst/>
+                        </a:rPr>
+                        <a:t>12</a:t>
+                      </a:r>
+                      <a:endParaRPr lang="pt-BR" sz="1200">
+                        <a:solidFill>
+                          <a:schemeClr val="tx1"/>
+                        </a:solidFill>
+                        <a:effectLst/>
+                        <a:latin typeface="Arial" panose="020B0604020202020204" pitchFamily="34" charset="0"/>
+                        <a:ea typeface="Arial" panose="020B0604020202020204" pitchFamily="34" charset="0"/>
+                      </a:endParaRPr>
+                    </a:p>
+                  </a:txBody>
+                  <a:tcPr marL="68580" marR="68580" marT="0" marB="0"/>
+                </a:tc>
+                <a:tc>
+                  <a:txBody>
+                    <a:bodyPr/>
+                    <a:lstStyle/>
+                    <a:p>
+                      <a:pPr algn="ctr">
+                        <a:lnSpc>
+                          <a:spcPct val="150000"/>
+                        </a:lnSpc>
+                      </a:pPr>
+                      <a:r>
+                        <a:rPr lang="pt-BR" sz="1200">
+                          <a:solidFill>
+                            <a:schemeClr val="tx1"/>
+                          </a:solidFill>
+                          <a:effectLst/>
+                        </a:rPr>
+                        <a:t>Sigmoid</a:t>
+                      </a:r>
+                      <a:endParaRPr lang="pt-BR" sz="1200">
+                        <a:solidFill>
+                          <a:schemeClr val="tx1"/>
+                        </a:solidFill>
+                        <a:effectLst/>
+                        <a:latin typeface="Arial" panose="020B0604020202020204" pitchFamily="34" charset="0"/>
+                        <a:ea typeface="Arial" panose="020B0604020202020204" pitchFamily="34" charset="0"/>
+                      </a:endParaRPr>
+                    </a:p>
+                  </a:txBody>
+                  <a:tcPr marL="68580" marR="68580" marT="0" marB="0"/>
+                </a:tc>
+                <a:extLst>
+                  <a:ext uri="{0D108BD9-81ED-4DB2-BD59-A6C34878D82A}">
+                    <a16:rowId xmlns:a16="http://schemas.microsoft.com/office/drawing/2014/main" val="677749919"/>
+                  </a:ext>
+                </a:extLst>
+              </a:tr>
+              <a:tr h="243840">
+                <a:tc>
+                  <a:txBody>
+                    <a:bodyPr/>
+                    <a:lstStyle/>
+                    <a:p>
+                      <a:pPr algn="ctr">
+                        <a:lnSpc>
+                          <a:spcPct val="150000"/>
+                        </a:lnSpc>
+                      </a:pPr>
+                      <a:r>
+                        <a:rPr lang="pt-BR" sz="1200">
+                          <a:solidFill>
+                            <a:schemeClr val="tx1"/>
+                          </a:solidFill>
+                          <a:effectLst/>
+                        </a:rPr>
+                        <a:t>8</a:t>
+                      </a:r>
+                      <a:endParaRPr lang="pt-BR" sz="1200">
+                        <a:solidFill>
+                          <a:schemeClr val="tx1"/>
+                        </a:solidFill>
+                        <a:effectLst/>
+                        <a:latin typeface="Arial" panose="020B0604020202020204" pitchFamily="34" charset="0"/>
+                        <a:ea typeface="Arial" panose="020B0604020202020204" pitchFamily="34" charset="0"/>
+                      </a:endParaRPr>
+                    </a:p>
+                  </a:txBody>
+                  <a:tcPr marL="68580" marR="68580" marT="0" marB="0"/>
+                </a:tc>
+                <a:tc>
+                  <a:txBody>
+                    <a:bodyPr/>
+                    <a:lstStyle/>
+                    <a:p>
+                      <a:pPr algn="ctr">
+                        <a:lnSpc>
+                          <a:spcPct val="150000"/>
+                        </a:lnSpc>
+                      </a:pPr>
+                      <a:r>
+                        <a:rPr lang="pt-BR" sz="1200">
+                          <a:solidFill>
+                            <a:schemeClr val="tx1"/>
+                          </a:solidFill>
+                          <a:effectLst/>
+                        </a:rPr>
+                        <a:t>Sigmoid</a:t>
+                      </a:r>
+                      <a:endParaRPr lang="pt-BR" sz="1200">
+                        <a:solidFill>
+                          <a:schemeClr val="tx1"/>
+                        </a:solidFill>
+                        <a:effectLst/>
+                        <a:latin typeface="Arial" panose="020B0604020202020204" pitchFamily="34" charset="0"/>
+                        <a:ea typeface="Arial" panose="020B0604020202020204" pitchFamily="34" charset="0"/>
+                      </a:endParaRPr>
+                    </a:p>
+                  </a:txBody>
+                  <a:tcPr marL="68580" marR="68580" marT="0" marB="0"/>
+                </a:tc>
+                <a:extLst>
+                  <a:ext uri="{0D108BD9-81ED-4DB2-BD59-A6C34878D82A}">
+                    <a16:rowId xmlns:a16="http://schemas.microsoft.com/office/drawing/2014/main" val="3294232857"/>
+                  </a:ext>
+                </a:extLst>
+              </a:tr>
+              <a:tr h="243840">
+                <a:tc>
+                  <a:txBody>
+                    <a:bodyPr/>
+                    <a:lstStyle/>
+                    <a:p>
+                      <a:pPr algn="ctr">
+                        <a:lnSpc>
+                          <a:spcPct val="150000"/>
+                        </a:lnSpc>
+                      </a:pPr>
+                      <a:r>
+                        <a:rPr lang="pt-BR" sz="1200">
+                          <a:solidFill>
+                            <a:schemeClr val="tx1"/>
+                          </a:solidFill>
+                          <a:effectLst/>
+                        </a:rPr>
+                        <a:t>8</a:t>
+                      </a:r>
+                      <a:endParaRPr lang="pt-BR" sz="1200">
+                        <a:solidFill>
+                          <a:schemeClr val="tx1"/>
+                        </a:solidFill>
+                        <a:effectLst/>
+                        <a:latin typeface="Arial" panose="020B0604020202020204" pitchFamily="34" charset="0"/>
+                        <a:ea typeface="Arial" panose="020B0604020202020204" pitchFamily="34" charset="0"/>
+                      </a:endParaRPr>
+                    </a:p>
+                  </a:txBody>
+                  <a:tcPr marL="68580" marR="68580" marT="0" marB="0"/>
+                </a:tc>
+                <a:tc>
+                  <a:txBody>
+                    <a:bodyPr/>
+                    <a:lstStyle/>
+                    <a:p>
+                      <a:pPr algn="ctr">
+                        <a:lnSpc>
+                          <a:spcPct val="150000"/>
+                        </a:lnSpc>
+                      </a:pPr>
+                      <a:r>
+                        <a:rPr lang="pt-BR" sz="1200">
+                          <a:solidFill>
+                            <a:schemeClr val="tx1"/>
+                          </a:solidFill>
+                          <a:effectLst/>
+                        </a:rPr>
+                        <a:t>Sigmoid</a:t>
+                      </a:r>
+                      <a:endParaRPr lang="pt-BR" sz="1200">
+                        <a:solidFill>
+                          <a:schemeClr val="tx1"/>
+                        </a:solidFill>
+                        <a:effectLst/>
+                        <a:latin typeface="Arial" panose="020B0604020202020204" pitchFamily="34" charset="0"/>
+                        <a:ea typeface="Arial" panose="020B0604020202020204" pitchFamily="34" charset="0"/>
+                      </a:endParaRPr>
+                    </a:p>
+                  </a:txBody>
+                  <a:tcPr marL="68580" marR="68580" marT="0" marB="0"/>
+                </a:tc>
+                <a:extLst>
+                  <a:ext uri="{0D108BD9-81ED-4DB2-BD59-A6C34878D82A}">
+                    <a16:rowId xmlns:a16="http://schemas.microsoft.com/office/drawing/2014/main" val="1639863351"/>
+                  </a:ext>
+                </a:extLst>
+              </a:tr>
+              <a:tr h="243840">
+                <a:tc>
+                  <a:txBody>
+                    <a:bodyPr/>
+                    <a:lstStyle/>
+                    <a:p>
+                      <a:pPr algn="ctr">
+                        <a:lnSpc>
+                          <a:spcPct val="150000"/>
+                        </a:lnSpc>
+                      </a:pPr>
+                      <a:r>
+                        <a:rPr lang="pt-BR" sz="1200">
+                          <a:solidFill>
+                            <a:schemeClr val="tx1"/>
+                          </a:solidFill>
+                          <a:effectLst/>
+                        </a:rPr>
+                        <a:t>8</a:t>
+                      </a:r>
+                      <a:endParaRPr lang="pt-BR" sz="1200">
+                        <a:solidFill>
+                          <a:schemeClr val="tx1"/>
+                        </a:solidFill>
+                        <a:effectLst/>
+                        <a:latin typeface="Arial" panose="020B0604020202020204" pitchFamily="34" charset="0"/>
+                        <a:ea typeface="Arial" panose="020B0604020202020204" pitchFamily="34" charset="0"/>
+                      </a:endParaRPr>
+                    </a:p>
+                  </a:txBody>
+                  <a:tcPr marL="68580" marR="68580" marT="0" marB="0"/>
+                </a:tc>
+                <a:tc>
+                  <a:txBody>
+                    <a:bodyPr/>
+                    <a:lstStyle/>
+                    <a:p>
+                      <a:pPr algn="ctr">
+                        <a:lnSpc>
+                          <a:spcPct val="150000"/>
+                        </a:lnSpc>
+                      </a:pPr>
+                      <a:r>
+                        <a:rPr lang="pt-BR" sz="1200">
+                          <a:solidFill>
+                            <a:schemeClr val="tx1"/>
+                          </a:solidFill>
+                          <a:effectLst/>
+                        </a:rPr>
+                        <a:t>Sigmoid</a:t>
+                      </a:r>
+                      <a:endParaRPr lang="pt-BR" sz="1200">
+                        <a:solidFill>
+                          <a:schemeClr val="tx1"/>
+                        </a:solidFill>
+                        <a:effectLst/>
+                        <a:latin typeface="Arial" panose="020B0604020202020204" pitchFamily="34" charset="0"/>
+                        <a:ea typeface="Arial" panose="020B0604020202020204" pitchFamily="34" charset="0"/>
+                      </a:endParaRPr>
+                    </a:p>
+                  </a:txBody>
+                  <a:tcPr marL="68580" marR="68580" marT="0" marB="0"/>
+                </a:tc>
+                <a:extLst>
+                  <a:ext uri="{0D108BD9-81ED-4DB2-BD59-A6C34878D82A}">
+                    <a16:rowId xmlns:a16="http://schemas.microsoft.com/office/drawing/2014/main" val="2677412977"/>
+                  </a:ext>
+                </a:extLst>
+              </a:tr>
+              <a:tr h="243840">
+                <a:tc>
+                  <a:txBody>
+                    <a:bodyPr/>
+                    <a:lstStyle/>
+                    <a:p>
+                      <a:pPr algn="ctr">
+                        <a:lnSpc>
+                          <a:spcPct val="150000"/>
+                        </a:lnSpc>
+                      </a:pPr>
+                      <a:r>
+                        <a:rPr lang="pt-BR" sz="1200">
+                          <a:solidFill>
+                            <a:schemeClr val="tx1"/>
+                          </a:solidFill>
+                          <a:effectLst/>
+                        </a:rPr>
+                        <a:t>1</a:t>
+                      </a:r>
+                      <a:endParaRPr lang="pt-BR" sz="1200">
+                        <a:solidFill>
+                          <a:schemeClr val="tx1"/>
+                        </a:solidFill>
+                        <a:effectLst/>
+                        <a:latin typeface="Arial" panose="020B0604020202020204" pitchFamily="34" charset="0"/>
+                        <a:ea typeface="Arial" panose="020B0604020202020204" pitchFamily="34" charset="0"/>
+                      </a:endParaRPr>
+                    </a:p>
+                  </a:txBody>
+                  <a:tcPr marL="68580" marR="68580" marT="0" marB="0"/>
+                </a:tc>
+                <a:tc>
+                  <a:txBody>
+                    <a:bodyPr/>
+                    <a:lstStyle/>
+                    <a:p>
+                      <a:pPr algn="ctr">
+                        <a:lnSpc>
+                          <a:spcPct val="150000"/>
+                        </a:lnSpc>
+                      </a:pPr>
+                      <a:r>
+                        <a:rPr lang="pt-BR" sz="1200" dirty="0" err="1">
+                          <a:solidFill>
+                            <a:schemeClr val="tx1"/>
+                          </a:solidFill>
+                          <a:effectLst/>
+                        </a:rPr>
+                        <a:t>Sigmoid</a:t>
+                      </a:r>
+                      <a:endParaRPr lang="pt-BR" sz="1200" dirty="0">
+                        <a:solidFill>
+                          <a:schemeClr val="tx1"/>
+                        </a:solidFill>
+                        <a:effectLst/>
+                        <a:latin typeface="Arial" panose="020B0604020202020204" pitchFamily="34" charset="0"/>
+                        <a:ea typeface="Arial" panose="020B0604020202020204" pitchFamily="34" charset="0"/>
+                      </a:endParaRPr>
+                    </a:p>
+                  </a:txBody>
+                  <a:tcPr marL="68580" marR="68580" marT="0" marB="0"/>
+                </a:tc>
+                <a:extLst>
+                  <a:ext uri="{0D108BD9-81ED-4DB2-BD59-A6C34878D82A}">
+                    <a16:rowId xmlns:a16="http://schemas.microsoft.com/office/drawing/2014/main" val="4029908933"/>
+                  </a:ext>
+                </a:extLst>
+              </a:tr>
+            </a:tbl>
+          </a:graphicData>
+        </a:graphic>
+      </p:graphicFrame>
+      <p:graphicFrame>
+        <p:nvGraphicFramePr>
+          <p:cNvPr id="6" name="Tabela 5">
+            <a:extLst>
+              <a:ext uri="{FF2B5EF4-FFF2-40B4-BE49-F238E27FC236}">
+                <a16:creationId xmlns:a16="http://schemas.microsoft.com/office/drawing/2014/main" id="{99FDE03C-A40F-9C09-8F12-C5CD14375F2F}"/>
+              </a:ext>
+            </a:extLst>
+          </p:cNvPr>
+          <p:cNvGraphicFramePr>
+            <a:graphicFrameLocks noGrp="1"/>
+          </p:cNvGraphicFramePr>
+          <p:nvPr>
+            <p:extLst>
+              <p:ext uri="{D42A27DB-BD31-4B8C-83A1-F6EECF244321}">
+                <p14:modId xmlns:p14="http://schemas.microsoft.com/office/powerpoint/2010/main" val="3192625475"/>
+              </p:ext>
+            </p:extLst>
+          </p:nvPr>
+        </p:nvGraphicFramePr>
+        <p:xfrm>
+          <a:off x="2184080" y="3781251"/>
+          <a:ext cx="4775835" cy="731520"/>
+        </p:xfrm>
+        <a:graphic>
+          <a:graphicData uri="http://schemas.openxmlformats.org/drawingml/2006/table">
+            <a:tbl>
+              <a:tblPr firstRow="1" firstCol="1" bandRow="1">
+                <a:tableStyleId>{C31E5A13-EAE7-4951-874D-4D2D9AD1DF29}</a:tableStyleId>
+              </a:tblPr>
+              <a:tblGrid>
+                <a:gridCol w="1105535">
+                  <a:extLst>
+                    <a:ext uri="{9D8B030D-6E8A-4147-A177-3AD203B41FA5}">
+                      <a16:colId xmlns:a16="http://schemas.microsoft.com/office/drawing/2014/main" val="594380356"/>
+                    </a:ext>
+                  </a:extLst>
+                </a:gridCol>
+                <a:gridCol w="1106170">
+                  <a:extLst>
+                    <a:ext uri="{9D8B030D-6E8A-4147-A177-3AD203B41FA5}">
+                      <a16:colId xmlns:a16="http://schemas.microsoft.com/office/drawing/2014/main" val="3255399749"/>
+                    </a:ext>
+                  </a:extLst>
+                </a:gridCol>
+                <a:gridCol w="1282065">
+                  <a:extLst>
+                    <a:ext uri="{9D8B030D-6E8A-4147-A177-3AD203B41FA5}">
+                      <a16:colId xmlns:a16="http://schemas.microsoft.com/office/drawing/2014/main" val="2553819415"/>
+                    </a:ext>
+                  </a:extLst>
+                </a:gridCol>
+                <a:gridCol w="1282065">
+                  <a:extLst>
+                    <a:ext uri="{9D8B030D-6E8A-4147-A177-3AD203B41FA5}">
+                      <a16:colId xmlns:a16="http://schemas.microsoft.com/office/drawing/2014/main" val="3890367252"/>
+                    </a:ext>
+                  </a:extLst>
+                </a:gridCol>
+              </a:tblGrid>
+              <a:tr h="243840">
+                <a:tc gridSpan="4">
+                  <a:txBody>
+                    <a:bodyPr/>
+                    <a:lstStyle/>
+                    <a:p>
+                      <a:pPr algn="ctr">
+                        <a:lnSpc>
+                          <a:spcPct val="150000"/>
+                        </a:lnSpc>
+                      </a:pPr>
+                      <a:r>
+                        <a:rPr lang="pt-BR" sz="1200">
+                          <a:solidFill>
+                            <a:schemeClr val="tx1"/>
+                          </a:solidFill>
+                          <a:effectLst/>
+                        </a:rPr>
+                        <a:t>Modelo 3: Pure Sigmoid</a:t>
+                      </a:r>
+                      <a:endParaRPr lang="pt-BR" sz="1200">
+                        <a:solidFill>
+                          <a:schemeClr val="tx1"/>
+                        </a:solidFill>
+                        <a:effectLst/>
+                        <a:latin typeface="Arial" panose="020B0604020202020204" pitchFamily="34" charset="0"/>
+                        <a:ea typeface="Arial" panose="020B0604020202020204" pitchFamily="34" charset="0"/>
+                      </a:endParaRPr>
+                    </a:p>
+                  </a:txBody>
+                  <a:tcPr marL="68580" marR="68580" marT="0" marB="0"/>
+                </a:tc>
+                <a:tc hMerge="1">
+                  <a:txBody>
+                    <a:bodyPr/>
+                    <a:lstStyle/>
+                    <a:p>
+                      <a:endParaRPr lang="pt-BR"/>
+                    </a:p>
+                  </a:txBody>
+                  <a:tcPr/>
+                </a:tc>
+                <a:tc hMerge="1">
+                  <a:txBody>
+                    <a:bodyPr/>
+                    <a:lstStyle/>
+                    <a:p>
+                      <a:endParaRPr lang="pt-BR"/>
+                    </a:p>
+                  </a:txBody>
+                  <a:tcPr/>
+                </a:tc>
+                <a:tc hMerge="1">
+                  <a:txBody>
+                    <a:bodyPr/>
+                    <a:lstStyle/>
+                    <a:p>
+                      <a:endParaRPr lang="pt-BR"/>
+                    </a:p>
+                  </a:txBody>
+                  <a:tcPr/>
+                </a:tc>
+                <a:extLst>
+                  <a:ext uri="{0D108BD9-81ED-4DB2-BD59-A6C34878D82A}">
+                    <a16:rowId xmlns:a16="http://schemas.microsoft.com/office/drawing/2014/main" val="2081802169"/>
+                  </a:ext>
+                </a:extLst>
+              </a:tr>
+              <a:tr h="243840">
+                <a:tc>
+                  <a:txBody>
+                    <a:bodyPr/>
+                    <a:lstStyle/>
+                    <a:p>
+                      <a:pPr algn="ctr">
+                        <a:lnSpc>
+                          <a:spcPct val="150000"/>
+                        </a:lnSpc>
+                      </a:pPr>
+                      <a:r>
+                        <a:rPr lang="pt-BR" sz="1200">
+                          <a:solidFill>
+                            <a:schemeClr val="tx1"/>
+                          </a:solidFill>
+                          <a:effectLst/>
+                        </a:rPr>
+                        <a:t>TP</a:t>
+                      </a:r>
+                      <a:endParaRPr lang="pt-BR" sz="1200">
+                        <a:solidFill>
+                          <a:schemeClr val="tx1"/>
+                        </a:solidFill>
+                        <a:effectLst/>
+                        <a:latin typeface="Arial" panose="020B0604020202020204" pitchFamily="34" charset="0"/>
+                        <a:ea typeface="Arial" panose="020B0604020202020204" pitchFamily="34" charset="0"/>
+                      </a:endParaRPr>
+                    </a:p>
+                  </a:txBody>
+                  <a:tcPr marL="68580" marR="68580" marT="0" marB="0"/>
+                </a:tc>
+                <a:tc>
+                  <a:txBody>
+                    <a:bodyPr/>
+                    <a:lstStyle/>
+                    <a:p>
+                      <a:pPr algn="ctr">
+                        <a:lnSpc>
+                          <a:spcPct val="150000"/>
+                        </a:lnSpc>
+                      </a:pPr>
+                      <a:r>
+                        <a:rPr lang="pt-BR" sz="1200">
+                          <a:solidFill>
+                            <a:schemeClr val="tx1"/>
+                          </a:solidFill>
+                          <a:effectLst/>
+                        </a:rPr>
+                        <a:t>FP</a:t>
+                      </a:r>
+                      <a:endParaRPr lang="pt-BR" sz="1200">
+                        <a:solidFill>
+                          <a:schemeClr val="tx1"/>
+                        </a:solidFill>
+                        <a:effectLst/>
+                        <a:latin typeface="Arial" panose="020B0604020202020204" pitchFamily="34" charset="0"/>
+                        <a:ea typeface="Arial" panose="020B0604020202020204" pitchFamily="34" charset="0"/>
+                      </a:endParaRPr>
+                    </a:p>
+                  </a:txBody>
+                  <a:tcPr marL="68580" marR="68580" marT="0" marB="0"/>
+                </a:tc>
+                <a:tc>
+                  <a:txBody>
+                    <a:bodyPr/>
+                    <a:lstStyle/>
+                    <a:p>
+                      <a:pPr algn="ctr">
+                        <a:lnSpc>
+                          <a:spcPct val="150000"/>
+                        </a:lnSpc>
+                      </a:pPr>
+                      <a:r>
+                        <a:rPr lang="pt-BR" sz="1200">
+                          <a:solidFill>
+                            <a:schemeClr val="tx1"/>
+                          </a:solidFill>
+                          <a:effectLst/>
+                        </a:rPr>
+                        <a:t>TN</a:t>
+                      </a:r>
+                      <a:endParaRPr lang="pt-BR" sz="1200">
+                        <a:solidFill>
+                          <a:schemeClr val="tx1"/>
+                        </a:solidFill>
+                        <a:effectLst/>
+                        <a:latin typeface="Arial" panose="020B0604020202020204" pitchFamily="34" charset="0"/>
+                        <a:ea typeface="Arial" panose="020B0604020202020204" pitchFamily="34" charset="0"/>
+                      </a:endParaRPr>
+                    </a:p>
+                  </a:txBody>
+                  <a:tcPr marL="68580" marR="68580" marT="0" marB="0"/>
+                </a:tc>
+                <a:tc>
+                  <a:txBody>
+                    <a:bodyPr/>
+                    <a:lstStyle/>
+                    <a:p>
+                      <a:pPr algn="ctr">
+                        <a:lnSpc>
+                          <a:spcPct val="150000"/>
+                        </a:lnSpc>
+                      </a:pPr>
+                      <a:r>
+                        <a:rPr lang="pt-BR" sz="1200">
+                          <a:solidFill>
+                            <a:schemeClr val="tx1"/>
+                          </a:solidFill>
+                          <a:effectLst/>
+                        </a:rPr>
+                        <a:t>FN</a:t>
+                      </a:r>
+                      <a:endParaRPr lang="pt-BR" sz="1200">
+                        <a:solidFill>
+                          <a:schemeClr val="tx1"/>
+                        </a:solidFill>
+                        <a:effectLst/>
+                        <a:latin typeface="Arial" panose="020B0604020202020204" pitchFamily="34" charset="0"/>
+                        <a:ea typeface="Arial" panose="020B0604020202020204" pitchFamily="34" charset="0"/>
+                      </a:endParaRPr>
+                    </a:p>
+                  </a:txBody>
+                  <a:tcPr marL="68580" marR="68580" marT="0" marB="0"/>
+                </a:tc>
+                <a:extLst>
+                  <a:ext uri="{0D108BD9-81ED-4DB2-BD59-A6C34878D82A}">
+                    <a16:rowId xmlns:a16="http://schemas.microsoft.com/office/drawing/2014/main" val="3435077052"/>
+                  </a:ext>
+                </a:extLst>
+              </a:tr>
+              <a:tr h="243840">
+                <a:tc>
+                  <a:txBody>
+                    <a:bodyPr/>
+                    <a:lstStyle/>
+                    <a:p>
+                      <a:pPr algn="ctr">
+                        <a:lnSpc>
+                          <a:spcPct val="150000"/>
+                        </a:lnSpc>
+                      </a:pPr>
+                      <a:r>
+                        <a:rPr lang="pt-BR" sz="1200">
+                          <a:solidFill>
+                            <a:schemeClr val="tx1"/>
+                          </a:solidFill>
+                          <a:effectLst/>
+                        </a:rPr>
+                        <a:t>517</a:t>
+                      </a:r>
+                      <a:endParaRPr lang="pt-BR" sz="1200">
+                        <a:solidFill>
+                          <a:schemeClr val="tx1"/>
+                        </a:solidFill>
+                        <a:effectLst/>
+                        <a:latin typeface="Arial" panose="020B0604020202020204" pitchFamily="34" charset="0"/>
+                        <a:ea typeface="Arial" panose="020B0604020202020204" pitchFamily="34" charset="0"/>
+                      </a:endParaRPr>
+                    </a:p>
+                  </a:txBody>
+                  <a:tcPr marL="68580" marR="68580" marT="0" marB="0"/>
+                </a:tc>
+                <a:tc>
+                  <a:txBody>
+                    <a:bodyPr/>
+                    <a:lstStyle/>
+                    <a:p>
+                      <a:pPr algn="ctr">
+                        <a:lnSpc>
+                          <a:spcPct val="150000"/>
+                        </a:lnSpc>
+                      </a:pPr>
+                      <a:r>
+                        <a:rPr lang="pt-BR" sz="1200">
+                          <a:solidFill>
+                            <a:schemeClr val="tx1"/>
+                          </a:solidFill>
+                          <a:effectLst/>
+                        </a:rPr>
+                        <a:t>4</a:t>
+                      </a:r>
+                      <a:endParaRPr lang="pt-BR" sz="1200">
+                        <a:solidFill>
+                          <a:schemeClr val="tx1"/>
+                        </a:solidFill>
+                        <a:effectLst/>
+                        <a:latin typeface="Arial" panose="020B0604020202020204" pitchFamily="34" charset="0"/>
+                        <a:ea typeface="Arial" panose="020B0604020202020204" pitchFamily="34" charset="0"/>
+                      </a:endParaRPr>
+                    </a:p>
+                  </a:txBody>
+                  <a:tcPr marL="68580" marR="68580" marT="0" marB="0"/>
+                </a:tc>
+                <a:tc>
+                  <a:txBody>
+                    <a:bodyPr/>
+                    <a:lstStyle/>
+                    <a:p>
+                      <a:pPr algn="ctr">
+                        <a:lnSpc>
+                          <a:spcPct val="150000"/>
+                        </a:lnSpc>
+                      </a:pPr>
+                      <a:r>
+                        <a:rPr lang="pt-BR" sz="1200" dirty="0">
+                          <a:solidFill>
+                            <a:schemeClr val="tx1"/>
+                          </a:solidFill>
+                          <a:effectLst/>
+                        </a:rPr>
+                        <a:t>399</a:t>
+                      </a:r>
+                      <a:endParaRPr lang="pt-BR" sz="1200" dirty="0">
+                        <a:solidFill>
+                          <a:schemeClr val="tx1"/>
+                        </a:solidFill>
+                        <a:effectLst/>
+                        <a:latin typeface="Arial" panose="020B0604020202020204" pitchFamily="34" charset="0"/>
+                        <a:ea typeface="Arial" panose="020B0604020202020204" pitchFamily="34" charset="0"/>
+                      </a:endParaRPr>
+                    </a:p>
+                  </a:txBody>
+                  <a:tcPr marL="68580" marR="68580" marT="0" marB="0"/>
+                </a:tc>
+                <a:tc>
+                  <a:txBody>
+                    <a:bodyPr/>
+                    <a:lstStyle/>
+                    <a:p>
+                      <a:pPr algn="ctr">
+                        <a:lnSpc>
+                          <a:spcPct val="150000"/>
+                        </a:lnSpc>
+                      </a:pPr>
+                      <a:r>
+                        <a:rPr lang="pt-BR" sz="1200" dirty="0">
+                          <a:solidFill>
+                            <a:schemeClr val="tx1"/>
+                          </a:solidFill>
+                          <a:effectLst/>
+                        </a:rPr>
+                        <a:t>75</a:t>
+                      </a:r>
+                      <a:endParaRPr lang="pt-BR" sz="1200" dirty="0">
+                        <a:solidFill>
+                          <a:schemeClr val="tx1"/>
+                        </a:solidFill>
+                        <a:effectLst/>
+                        <a:latin typeface="Arial" panose="020B0604020202020204" pitchFamily="34" charset="0"/>
+                        <a:ea typeface="Arial" panose="020B0604020202020204" pitchFamily="34" charset="0"/>
+                      </a:endParaRPr>
+                    </a:p>
+                  </a:txBody>
+                  <a:tcPr marL="68580" marR="68580" marT="0" marB="0"/>
+                </a:tc>
+                <a:extLst>
+                  <a:ext uri="{0D108BD9-81ED-4DB2-BD59-A6C34878D82A}">
+                    <a16:rowId xmlns:a16="http://schemas.microsoft.com/office/drawing/2014/main" val="3302828931"/>
+                  </a:ext>
+                </a:extLst>
+              </a:tr>
+            </a:tbl>
+          </a:graphicData>
+        </a:graphic>
+      </p:graphicFrame>
+      <p:sp>
+        <p:nvSpPr>
+          <p:cNvPr id="7" name="CaixaDeTexto 6">
+            <a:extLst>
+              <a:ext uri="{FF2B5EF4-FFF2-40B4-BE49-F238E27FC236}">
+                <a16:creationId xmlns:a16="http://schemas.microsoft.com/office/drawing/2014/main" id="{D5B72B31-8877-070D-1556-54B11AB90FF3}"/>
+              </a:ext>
+            </a:extLst>
+          </p:cNvPr>
+          <p:cNvSpPr txBox="1"/>
+          <p:nvPr/>
+        </p:nvSpPr>
+        <p:spPr>
+          <a:xfrm>
+            <a:off x="470119" y="1539614"/>
+            <a:ext cx="8387242" cy="461665"/>
+          </a:xfrm>
+          <a:prstGeom prst="rect">
+            <a:avLst/>
+          </a:prstGeom>
+          <a:noFill/>
+        </p:spPr>
+        <p:txBody>
+          <a:bodyPr wrap="square" rtlCol="0">
+            <a:spAutoFit/>
+          </a:bodyPr>
+          <a:lstStyle/>
+          <a:p>
+            <a:pPr marL="285750" indent="-285750" algn="just">
+              <a:buClr>
+                <a:schemeClr val="tx1"/>
+              </a:buClr>
+              <a:buFont typeface="Arial" panose="020B0604020202020204" pitchFamily="34" charset="0"/>
+              <a:buChar char="•"/>
+            </a:pPr>
+            <a:r>
+              <a:rPr lang="pt-BR" sz="2400" dirty="0">
+                <a:solidFill>
+                  <a:schemeClr val="tx1"/>
+                </a:solidFill>
+              </a:rPr>
+              <a:t>Modelo 3</a:t>
+            </a:r>
+          </a:p>
+        </p:txBody>
+      </p:sp>
+    </p:spTree>
+    <p:extLst>
+      <p:ext uri="{BB962C8B-B14F-4D97-AF65-F5344CB8AC3E}">
+        <p14:creationId xmlns:p14="http://schemas.microsoft.com/office/powerpoint/2010/main" val="2344187523"/>
+      </p:ext>
+    </p:extLst>
+  </p:cSld>
+  <p:clrMapOvr>
+    <a:masterClrMapping/>
+  </p:clrMapOvr>
+</p:sld>
+</file>
+
+<file path=ppt/slides/slide14.xml><?xml version="1.0" encoding="utf-8"?>
+<p:sld xmlns:a="http://schemas.openxmlformats.org/drawingml/2006/main" xmlns:r="http://schemas.openxmlformats.org/officeDocument/2006/relationships" xmlns:p="http://schemas.openxmlformats.org/presentationml/2006/main">
+  <p:cSld>
+    <p:spTree>
+      <p:nvGrpSpPr>
+        <p:cNvPr id="1" name=""/>
+        <p:cNvGrpSpPr/>
+        <p:nvPr/>
+      </p:nvGrpSpPr>
+      <p:grpSpPr>
+        <a:xfrm>
+          <a:off x="0" y="0"/>
+          <a:ext cx="0" cy="0"/>
+          <a:chOff x="0" y="0"/>
+          <a:chExt cx="0" cy="0"/>
+        </a:xfrm>
+      </p:grpSpPr>
+      <p:sp>
+        <p:nvSpPr>
+          <p:cNvPr id="5" name="Título 1">
+            <a:extLst>
+              <a:ext uri="{FF2B5EF4-FFF2-40B4-BE49-F238E27FC236}">
+                <a16:creationId xmlns:a16="http://schemas.microsoft.com/office/drawing/2014/main" id="{A09B8DE9-55FA-0344-A8C5-8281A7E1E44F}"/>
+              </a:ext>
+            </a:extLst>
+          </p:cNvPr>
+          <p:cNvSpPr>
+            <a:spLocks noGrp="1"/>
+          </p:cNvSpPr>
+          <p:nvPr>
+            <p:ph type="title"/>
+          </p:nvPr>
+        </p:nvSpPr>
+        <p:spPr>
+          <a:xfrm>
+            <a:off x="156695" y="339784"/>
+            <a:ext cx="8830610" cy="861000"/>
+          </a:xfrm>
+        </p:spPr>
+        <p:txBody>
+          <a:bodyPr>
+            <a:normAutofit fontScale="90000"/>
+          </a:bodyPr>
+          <a:lstStyle/>
+          <a:p>
+            <a:pPr marL="742950" indent="-742950" algn="l">
+              <a:lnSpc>
+                <a:spcPct val="150000"/>
+              </a:lnSpc>
+              <a:buClr>
+                <a:schemeClr val="tx1"/>
+              </a:buClr>
+              <a:buFont typeface="+mj-lt"/>
+              <a:buAutoNum type="arabicPeriod" startAt="5"/>
+            </a:pPr>
+            <a:r>
+              <a:rPr lang="pt-BR" sz="3600" dirty="0">
+                <a:solidFill>
+                  <a:schemeClr val="tx1"/>
+                </a:solidFill>
+                <a:latin typeface="+mn-lt"/>
+                <a:cs typeface="Arial" panose="020B0604020202020204" pitchFamily="34" charset="0"/>
+              </a:rPr>
+              <a:t>Apresentação e Desempenho dos Modelos</a:t>
+            </a:r>
+          </a:p>
+        </p:txBody>
+      </p:sp>
+      <p:graphicFrame>
+        <p:nvGraphicFramePr>
+          <p:cNvPr id="2" name="Tabela 1">
+            <a:extLst>
+              <a:ext uri="{FF2B5EF4-FFF2-40B4-BE49-F238E27FC236}">
+                <a16:creationId xmlns:a16="http://schemas.microsoft.com/office/drawing/2014/main" id="{A0C3F97D-CFC2-9CA2-F475-2824456B9075}"/>
+              </a:ext>
+            </a:extLst>
+          </p:cNvPr>
+          <p:cNvGraphicFramePr>
+            <a:graphicFrameLocks noGrp="1"/>
+          </p:cNvGraphicFramePr>
+          <p:nvPr>
+            <p:extLst>
+              <p:ext uri="{D42A27DB-BD31-4B8C-83A1-F6EECF244321}">
+                <p14:modId xmlns:p14="http://schemas.microsoft.com/office/powerpoint/2010/main" val="1906967862"/>
+              </p:ext>
+            </p:extLst>
+          </p:nvPr>
+        </p:nvGraphicFramePr>
+        <p:xfrm>
+          <a:off x="2184081" y="2318211"/>
+          <a:ext cx="4775835" cy="1463040"/>
+        </p:xfrm>
+        <a:graphic>
+          <a:graphicData uri="http://schemas.openxmlformats.org/drawingml/2006/table">
+            <a:tbl>
+              <a:tblPr firstRow="1" firstCol="1" bandRow="1">
+                <a:tableStyleId>{C31E5A13-EAE7-4951-874D-4D2D9AD1DF29}</a:tableStyleId>
+              </a:tblPr>
+              <a:tblGrid>
+                <a:gridCol w="2211705">
+                  <a:extLst>
+                    <a:ext uri="{9D8B030D-6E8A-4147-A177-3AD203B41FA5}">
+                      <a16:colId xmlns:a16="http://schemas.microsoft.com/office/drawing/2014/main" val="3271042153"/>
+                    </a:ext>
+                  </a:extLst>
+                </a:gridCol>
+                <a:gridCol w="2564130">
+                  <a:extLst>
+                    <a:ext uri="{9D8B030D-6E8A-4147-A177-3AD203B41FA5}">
+                      <a16:colId xmlns:a16="http://schemas.microsoft.com/office/drawing/2014/main" val="619921228"/>
+                    </a:ext>
+                  </a:extLst>
+                </a:gridCol>
+              </a:tblGrid>
+              <a:tr h="243840">
+                <a:tc>
+                  <a:txBody>
+                    <a:bodyPr/>
+                    <a:lstStyle/>
+                    <a:p>
+                      <a:pPr algn="ctr">
+                        <a:lnSpc>
+                          <a:spcPct val="150000"/>
+                        </a:lnSpc>
+                      </a:pPr>
+                      <a:r>
+                        <a:rPr lang="pt-BR" sz="1200">
+                          <a:solidFill>
+                            <a:schemeClr val="tx1"/>
+                          </a:solidFill>
+                          <a:effectLst/>
+                        </a:rPr>
+                        <a:t>Quantidade de Tensors</a:t>
+                      </a:r>
+                      <a:endParaRPr lang="pt-BR" sz="1200">
+                        <a:solidFill>
+                          <a:schemeClr val="tx1"/>
+                        </a:solidFill>
+                        <a:effectLst/>
+                        <a:latin typeface="Arial" panose="020B0604020202020204" pitchFamily="34" charset="0"/>
+                        <a:ea typeface="Arial" panose="020B0604020202020204" pitchFamily="34" charset="0"/>
+                      </a:endParaRPr>
+                    </a:p>
+                  </a:txBody>
+                  <a:tcPr marL="68580" marR="68580" marT="0" marB="0"/>
+                </a:tc>
+                <a:tc>
+                  <a:txBody>
+                    <a:bodyPr/>
+                    <a:lstStyle/>
+                    <a:p>
+                      <a:pPr algn="ctr">
+                        <a:lnSpc>
+                          <a:spcPct val="150000"/>
+                        </a:lnSpc>
+                      </a:pPr>
+                      <a:r>
+                        <a:rPr lang="pt-BR" sz="1200">
+                          <a:solidFill>
+                            <a:schemeClr val="tx1"/>
+                          </a:solidFill>
+                          <a:effectLst/>
+                        </a:rPr>
+                        <a:t>Tipo Ativação</a:t>
+                      </a:r>
+                      <a:endParaRPr lang="pt-BR" sz="1200">
+                        <a:solidFill>
+                          <a:schemeClr val="tx1"/>
+                        </a:solidFill>
+                        <a:effectLst/>
+                        <a:latin typeface="Arial" panose="020B0604020202020204" pitchFamily="34" charset="0"/>
+                        <a:ea typeface="Arial" panose="020B0604020202020204" pitchFamily="34" charset="0"/>
+                      </a:endParaRPr>
+                    </a:p>
+                  </a:txBody>
+                  <a:tcPr marL="68580" marR="68580" marT="0" marB="0"/>
+                </a:tc>
+                <a:extLst>
+                  <a:ext uri="{0D108BD9-81ED-4DB2-BD59-A6C34878D82A}">
+                    <a16:rowId xmlns:a16="http://schemas.microsoft.com/office/drawing/2014/main" val="2062510476"/>
+                  </a:ext>
+                </a:extLst>
+              </a:tr>
+              <a:tr h="243840">
+                <a:tc>
+                  <a:txBody>
+                    <a:bodyPr/>
+                    <a:lstStyle/>
+                    <a:p>
+                      <a:pPr algn="ctr">
+                        <a:lnSpc>
+                          <a:spcPct val="150000"/>
+                        </a:lnSpc>
+                      </a:pPr>
+                      <a:r>
+                        <a:rPr lang="pt-BR" sz="1200">
+                          <a:solidFill>
+                            <a:schemeClr val="tx1"/>
+                          </a:solidFill>
+                          <a:effectLst/>
+                        </a:rPr>
+                        <a:t>12</a:t>
+                      </a:r>
+                      <a:endParaRPr lang="pt-BR" sz="1200">
+                        <a:solidFill>
+                          <a:schemeClr val="tx1"/>
+                        </a:solidFill>
+                        <a:effectLst/>
+                        <a:latin typeface="Arial" panose="020B0604020202020204" pitchFamily="34" charset="0"/>
+                        <a:ea typeface="Arial" panose="020B0604020202020204" pitchFamily="34" charset="0"/>
+                      </a:endParaRPr>
+                    </a:p>
+                  </a:txBody>
+                  <a:tcPr marL="68580" marR="68580" marT="0" marB="0"/>
+                </a:tc>
+                <a:tc>
+                  <a:txBody>
+                    <a:bodyPr/>
+                    <a:lstStyle/>
+                    <a:p>
+                      <a:pPr algn="ctr">
+                        <a:lnSpc>
+                          <a:spcPct val="150000"/>
+                        </a:lnSpc>
+                      </a:pPr>
+                      <a:r>
+                        <a:rPr lang="pt-BR" sz="1200">
+                          <a:solidFill>
+                            <a:schemeClr val="tx1"/>
+                          </a:solidFill>
+                          <a:effectLst/>
+                        </a:rPr>
+                        <a:t>ReLU</a:t>
+                      </a:r>
+                      <a:endParaRPr lang="pt-BR" sz="1200">
+                        <a:solidFill>
+                          <a:schemeClr val="tx1"/>
+                        </a:solidFill>
+                        <a:effectLst/>
+                        <a:latin typeface="Arial" panose="020B0604020202020204" pitchFamily="34" charset="0"/>
+                        <a:ea typeface="Arial" panose="020B0604020202020204" pitchFamily="34" charset="0"/>
+                      </a:endParaRPr>
+                    </a:p>
+                  </a:txBody>
+                  <a:tcPr marL="68580" marR="68580" marT="0" marB="0"/>
+                </a:tc>
+                <a:extLst>
+                  <a:ext uri="{0D108BD9-81ED-4DB2-BD59-A6C34878D82A}">
+                    <a16:rowId xmlns:a16="http://schemas.microsoft.com/office/drawing/2014/main" val="1333901974"/>
+                  </a:ext>
+                </a:extLst>
+              </a:tr>
+              <a:tr h="243840">
+                <a:tc>
+                  <a:txBody>
+                    <a:bodyPr/>
+                    <a:lstStyle/>
+                    <a:p>
+                      <a:pPr algn="ctr">
+                        <a:lnSpc>
+                          <a:spcPct val="150000"/>
+                        </a:lnSpc>
+                      </a:pPr>
+                      <a:r>
+                        <a:rPr lang="pt-BR" sz="1200">
+                          <a:solidFill>
+                            <a:schemeClr val="tx1"/>
+                          </a:solidFill>
+                          <a:effectLst/>
+                        </a:rPr>
+                        <a:t>8</a:t>
+                      </a:r>
+                      <a:endParaRPr lang="pt-BR" sz="1200">
+                        <a:solidFill>
+                          <a:schemeClr val="tx1"/>
+                        </a:solidFill>
+                        <a:effectLst/>
+                        <a:latin typeface="Arial" panose="020B0604020202020204" pitchFamily="34" charset="0"/>
+                        <a:ea typeface="Arial" panose="020B0604020202020204" pitchFamily="34" charset="0"/>
+                      </a:endParaRPr>
+                    </a:p>
+                  </a:txBody>
+                  <a:tcPr marL="68580" marR="68580" marT="0" marB="0"/>
+                </a:tc>
+                <a:tc>
+                  <a:txBody>
+                    <a:bodyPr/>
+                    <a:lstStyle/>
+                    <a:p>
+                      <a:pPr algn="ctr">
+                        <a:lnSpc>
+                          <a:spcPct val="150000"/>
+                        </a:lnSpc>
+                      </a:pPr>
+                      <a:r>
+                        <a:rPr lang="pt-BR" sz="1200">
+                          <a:solidFill>
+                            <a:schemeClr val="tx1"/>
+                          </a:solidFill>
+                          <a:effectLst/>
+                        </a:rPr>
+                        <a:t>Tangente</a:t>
+                      </a:r>
+                      <a:endParaRPr lang="pt-BR" sz="1200">
+                        <a:solidFill>
+                          <a:schemeClr val="tx1"/>
+                        </a:solidFill>
+                        <a:effectLst/>
+                        <a:latin typeface="Arial" panose="020B0604020202020204" pitchFamily="34" charset="0"/>
+                        <a:ea typeface="Arial" panose="020B0604020202020204" pitchFamily="34" charset="0"/>
+                      </a:endParaRPr>
+                    </a:p>
+                  </a:txBody>
+                  <a:tcPr marL="68580" marR="68580" marT="0" marB="0"/>
+                </a:tc>
+                <a:extLst>
+                  <a:ext uri="{0D108BD9-81ED-4DB2-BD59-A6C34878D82A}">
+                    <a16:rowId xmlns:a16="http://schemas.microsoft.com/office/drawing/2014/main" val="4020002620"/>
+                  </a:ext>
+                </a:extLst>
+              </a:tr>
+              <a:tr h="243840">
+                <a:tc>
+                  <a:txBody>
+                    <a:bodyPr/>
+                    <a:lstStyle/>
+                    <a:p>
+                      <a:pPr algn="ctr">
+                        <a:lnSpc>
+                          <a:spcPct val="150000"/>
+                        </a:lnSpc>
+                      </a:pPr>
+                      <a:r>
+                        <a:rPr lang="pt-BR" sz="1200">
+                          <a:solidFill>
+                            <a:schemeClr val="tx1"/>
+                          </a:solidFill>
+                          <a:effectLst/>
+                        </a:rPr>
+                        <a:t>8</a:t>
+                      </a:r>
+                      <a:endParaRPr lang="pt-BR" sz="1200">
+                        <a:solidFill>
+                          <a:schemeClr val="tx1"/>
+                        </a:solidFill>
+                        <a:effectLst/>
+                        <a:latin typeface="Arial" panose="020B0604020202020204" pitchFamily="34" charset="0"/>
+                        <a:ea typeface="Arial" panose="020B0604020202020204" pitchFamily="34" charset="0"/>
+                      </a:endParaRPr>
+                    </a:p>
+                  </a:txBody>
+                  <a:tcPr marL="68580" marR="68580" marT="0" marB="0"/>
+                </a:tc>
+                <a:tc>
+                  <a:txBody>
+                    <a:bodyPr/>
+                    <a:lstStyle/>
+                    <a:p>
+                      <a:pPr algn="ctr">
+                        <a:lnSpc>
+                          <a:spcPct val="150000"/>
+                        </a:lnSpc>
+                      </a:pPr>
+                      <a:r>
+                        <a:rPr lang="pt-BR" sz="1200">
+                          <a:solidFill>
+                            <a:schemeClr val="tx1"/>
+                          </a:solidFill>
+                          <a:effectLst/>
+                        </a:rPr>
+                        <a:t>Tangente</a:t>
+                      </a:r>
+                      <a:endParaRPr lang="pt-BR" sz="1200">
+                        <a:solidFill>
+                          <a:schemeClr val="tx1"/>
+                        </a:solidFill>
+                        <a:effectLst/>
+                        <a:latin typeface="Arial" panose="020B0604020202020204" pitchFamily="34" charset="0"/>
+                        <a:ea typeface="Arial" panose="020B0604020202020204" pitchFamily="34" charset="0"/>
+                      </a:endParaRPr>
+                    </a:p>
+                  </a:txBody>
+                  <a:tcPr marL="68580" marR="68580" marT="0" marB="0"/>
+                </a:tc>
+                <a:extLst>
+                  <a:ext uri="{0D108BD9-81ED-4DB2-BD59-A6C34878D82A}">
+                    <a16:rowId xmlns:a16="http://schemas.microsoft.com/office/drawing/2014/main" val="393336213"/>
+                  </a:ext>
+                </a:extLst>
+              </a:tr>
+              <a:tr h="243840">
+                <a:tc>
+                  <a:txBody>
+                    <a:bodyPr/>
+                    <a:lstStyle/>
+                    <a:p>
+                      <a:pPr algn="ctr">
+                        <a:lnSpc>
+                          <a:spcPct val="150000"/>
+                        </a:lnSpc>
+                      </a:pPr>
+                      <a:r>
+                        <a:rPr lang="pt-BR" sz="1200">
+                          <a:solidFill>
+                            <a:schemeClr val="tx1"/>
+                          </a:solidFill>
+                          <a:effectLst/>
+                        </a:rPr>
+                        <a:t>4</a:t>
+                      </a:r>
+                      <a:endParaRPr lang="pt-BR" sz="1200">
+                        <a:solidFill>
+                          <a:schemeClr val="tx1"/>
+                        </a:solidFill>
+                        <a:effectLst/>
+                        <a:latin typeface="Arial" panose="020B0604020202020204" pitchFamily="34" charset="0"/>
+                        <a:ea typeface="Arial" panose="020B0604020202020204" pitchFamily="34" charset="0"/>
+                      </a:endParaRPr>
+                    </a:p>
+                  </a:txBody>
+                  <a:tcPr marL="68580" marR="68580" marT="0" marB="0"/>
+                </a:tc>
+                <a:tc>
+                  <a:txBody>
+                    <a:bodyPr/>
+                    <a:lstStyle/>
+                    <a:p>
+                      <a:pPr algn="ctr">
+                        <a:lnSpc>
+                          <a:spcPct val="150000"/>
+                        </a:lnSpc>
+                      </a:pPr>
+                      <a:r>
+                        <a:rPr lang="pt-BR" sz="1200">
+                          <a:solidFill>
+                            <a:schemeClr val="tx1"/>
+                          </a:solidFill>
+                          <a:effectLst/>
+                        </a:rPr>
+                        <a:t>Tangente</a:t>
+                      </a:r>
+                      <a:endParaRPr lang="pt-BR" sz="1200">
+                        <a:solidFill>
+                          <a:schemeClr val="tx1"/>
+                        </a:solidFill>
+                        <a:effectLst/>
+                        <a:latin typeface="Arial" panose="020B0604020202020204" pitchFamily="34" charset="0"/>
+                        <a:ea typeface="Arial" panose="020B0604020202020204" pitchFamily="34" charset="0"/>
+                      </a:endParaRPr>
+                    </a:p>
+                  </a:txBody>
+                  <a:tcPr marL="68580" marR="68580" marT="0" marB="0"/>
+                </a:tc>
+                <a:extLst>
+                  <a:ext uri="{0D108BD9-81ED-4DB2-BD59-A6C34878D82A}">
+                    <a16:rowId xmlns:a16="http://schemas.microsoft.com/office/drawing/2014/main" val="2609978757"/>
+                  </a:ext>
+                </a:extLst>
+              </a:tr>
+              <a:tr h="243840">
+                <a:tc>
+                  <a:txBody>
+                    <a:bodyPr/>
+                    <a:lstStyle/>
+                    <a:p>
+                      <a:pPr algn="ctr">
+                        <a:lnSpc>
+                          <a:spcPct val="150000"/>
+                        </a:lnSpc>
+                      </a:pPr>
+                      <a:r>
+                        <a:rPr lang="pt-BR" sz="1200">
+                          <a:solidFill>
+                            <a:schemeClr val="tx1"/>
+                          </a:solidFill>
+                          <a:effectLst/>
+                        </a:rPr>
+                        <a:t>1</a:t>
+                      </a:r>
+                      <a:endParaRPr lang="pt-BR" sz="1200">
+                        <a:solidFill>
+                          <a:schemeClr val="tx1"/>
+                        </a:solidFill>
+                        <a:effectLst/>
+                        <a:latin typeface="Arial" panose="020B0604020202020204" pitchFamily="34" charset="0"/>
+                        <a:ea typeface="Arial" panose="020B0604020202020204" pitchFamily="34" charset="0"/>
+                      </a:endParaRPr>
+                    </a:p>
+                  </a:txBody>
+                  <a:tcPr marL="68580" marR="68580" marT="0" marB="0"/>
+                </a:tc>
+                <a:tc>
+                  <a:txBody>
+                    <a:bodyPr/>
+                    <a:lstStyle/>
+                    <a:p>
+                      <a:pPr algn="ctr">
+                        <a:lnSpc>
+                          <a:spcPct val="150000"/>
+                        </a:lnSpc>
+                      </a:pPr>
+                      <a:r>
+                        <a:rPr lang="pt-BR" sz="1200" dirty="0">
+                          <a:solidFill>
+                            <a:schemeClr val="tx1"/>
+                          </a:solidFill>
+                          <a:effectLst/>
+                        </a:rPr>
+                        <a:t>Hard </a:t>
+                      </a:r>
+                      <a:r>
+                        <a:rPr lang="pt-BR" sz="1200" dirty="0" err="1">
+                          <a:solidFill>
+                            <a:schemeClr val="tx1"/>
+                          </a:solidFill>
+                          <a:effectLst/>
+                        </a:rPr>
+                        <a:t>Sigmoid</a:t>
+                      </a:r>
+                      <a:endParaRPr lang="pt-BR" sz="1200" dirty="0">
+                        <a:solidFill>
+                          <a:schemeClr val="tx1"/>
+                        </a:solidFill>
+                        <a:effectLst/>
+                        <a:latin typeface="Arial" panose="020B0604020202020204" pitchFamily="34" charset="0"/>
+                        <a:ea typeface="Arial" panose="020B0604020202020204" pitchFamily="34" charset="0"/>
+                      </a:endParaRPr>
+                    </a:p>
+                  </a:txBody>
+                  <a:tcPr marL="68580" marR="68580" marT="0" marB="0"/>
+                </a:tc>
+                <a:extLst>
+                  <a:ext uri="{0D108BD9-81ED-4DB2-BD59-A6C34878D82A}">
+                    <a16:rowId xmlns:a16="http://schemas.microsoft.com/office/drawing/2014/main" val="2969659987"/>
+                  </a:ext>
+                </a:extLst>
+              </a:tr>
+            </a:tbl>
+          </a:graphicData>
+        </a:graphic>
+      </p:graphicFrame>
+      <p:graphicFrame>
+        <p:nvGraphicFramePr>
+          <p:cNvPr id="6" name="Tabela 5">
+            <a:extLst>
+              <a:ext uri="{FF2B5EF4-FFF2-40B4-BE49-F238E27FC236}">
+                <a16:creationId xmlns:a16="http://schemas.microsoft.com/office/drawing/2014/main" id="{F626814E-CDDA-E83C-B6FF-380D843957DA}"/>
+              </a:ext>
+            </a:extLst>
+          </p:cNvPr>
+          <p:cNvGraphicFramePr>
+            <a:graphicFrameLocks noGrp="1"/>
+          </p:cNvGraphicFramePr>
+          <p:nvPr>
+            <p:extLst>
+              <p:ext uri="{D42A27DB-BD31-4B8C-83A1-F6EECF244321}">
+                <p14:modId xmlns:p14="http://schemas.microsoft.com/office/powerpoint/2010/main" val="964245526"/>
+              </p:ext>
+            </p:extLst>
+          </p:nvPr>
+        </p:nvGraphicFramePr>
+        <p:xfrm>
+          <a:off x="2184080" y="3781251"/>
+          <a:ext cx="4775835" cy="731520"/>
+        </p:xfrm>
+        <a:graphic>
+          <a:graphicData uri="http://schemas.openxmlformats.org/drawingml/2006/table">
+            <a:tbl>
+              <a:tblPr firstRow="1" firstCol="1" bandRow="1">
+                <a:tableStyleId>{C31E5A13-EAE7-4951-874D-4D2D9AD1DF29}</a:tableStyleId>
+              </a:tblPr>
+              <a:tblGrid>
+                <a:gridCol w="1105535">
+                  <a:extLst>
+                    <a:ext uri="{9D8B030D-6E8A-4147-A177-3AD203B41FA5}">
+                      <a16:colId xmlns:a16="http://schemas.microsoft.com/office/drawing/2014/main" val="1240979129"/>
+                    </a:ext>
+                  </a:extLst>
+                </a:gridCol>
+                <a:gridCol w="1106170">
+                  <a:extLst>
+                    <a:ext uri="{9D8B030D-6E8A-4147-A177-3AD203B41FA5}">
+                      <a16:colId xmlns:a16="http://schemas.microsoft.com/office/drawing/2014/main" val="1690019927"/>
+                    </a:ext>
+                  </a:extLst>
+                </a:gridCol>
+                <a:gridCol w="1282065">
+                  <a:extLst>
+                    <a:ext uri="{9D8B030D-6E8A-4147-A177-3AD203B41FA5}">
+                      <a16:colId xmlns:a16="http://schemas.microsoft.com/office/drawing/2014/main" val="1809739413"/>
+                    </a:ext>
+                  </a:extLst>
+                </a:gridCol>
+                <a:gridCol w="1282065">
+                  <a:extLst>
+                    <a:ext uri="{9D8B030D-6E8A-4147-A177-3AD203B41FA5}">
+                      <a16:colId xmlns:a16="http://schemas.microsoft.com/office/drawing/2014/main" val="3942353712"/>
+                    </a:ext>
+                  </a:extLst>
+                </a:gridCol>
+              </a:tblGrid>
+              <a:tr h="243840">
+                <a:tc gridSpan="4">
+                  <a:txBody>
+                    <a:bodyPr/>
+                    <a:lstStyle/>
+                    <a:p>
+                      <a:pPr algn="ctr">
+                        <a:lnSpc>
+                          <a:spcPct val="150000"/>
+                        </a:lnSpc>
+                      </a:pPr>
+                      <a:r>
+                        <a:rPr lang="pt-BR" sz="1200">
+                          <a:solidFill>
+                            <a:schemeClr val="tx1"/>
+                          </a:solidFill>
+                          <a:effectLst/>
+                        </a:rPr>
+                        <a:t>Modelo 4: Tangente.</a:t>
+                      </a:r>
+                      <a:endParaRPr lang="pt-BR" sz="1200">
+                        <a:solidFill>
+                          <a:schemeClr val="tx1"/>
+                        </a:solidFill>
+                        <a:effectLst/>
+                        <a:latin typeface="Arial" panose="020B0604020202020204" pitchFamily="34" charset="0"/>
+                        <a:ea typeface="Arial" panose="020B0604020202020204" pitchFamily="34" charset="0"/>
+                      </a:endParaRPr>
+                    </a:p>
+                  </a:txBody>
+                  <a:tcPr marL="68580" marR="68580" marT="0" marB="0"/>
+                </a:tc>
+                <a:tc hMerge="1">
+                  <a:txBody>
+                    <a:bodyPr/>
+                    <a:lstStyle/>
+                    <a:p>
+                      <a:endParaRPr lang="pt-BR"/>
+                    </a:p>
+                  </a:txBody>
+                  <a:tcPr/>
+                </a:tc>
+                <a:tc hMerge="1">
+                  <a:txBody>
+                    <a:bodyPr/>
+                    <a:lstStyle/>
+                    <a:p>
+                      <a:endParaRPr lang="pt-BR"/>
+                    </a:p>
+                  </a:txBody>
+                  <a:tcPr/>
+                </a:tc>
+                <a:tc hMerge="1">
+                  <a:txBody>
+                    <a:bodyPr/>
+                    <a:lstStyle/>
+                    <a:p>
+                      <a:endParaRPr lang="pt-BR"/>
+                    </a:p>
+                  </a:txBody>
+                  <a:tcPr/>
+                </a:tc>
+                <a:extLst>
+                  <a:ext uri="{0D108BD9-81ED-4DB2-BD59-A6C34878D82A}">
+                    <a16:rowId xmlns:a16="http://schemas.microsoft.com/office/drawing/2014/main" val="1866029544"/>
+                  </a:ext>
+                </a:extLst>
+              </a:tr>
+              <a:tr h="243840">
+                <a:tc>
+                  <a:txBody>
+                    <a:bodyPr/>
+                    <a:lstStyle/>
+                    <a:p>
+                      <a:pPr algn="ctr">
+                        <a:lnSpc>
+                          <a:spcPct val="150000"/>
+                        </a:lnSpc>
+                      </a:pPr>
+                      <a:r>
+                        <a:rPr lang="pt-BR" sz="1200">
+                          <a:solidFill>
+                            <a:schemeClr val="tx1"/>
+                          </a:solidFill>
+                          <a:effectLst/>
+                        </a:rPr>
+                        <a:t>TP</a:t>
+                      </a:r>
+                      <a:endParaRPr lang="pt-BR" sz="1200">
+                        <a:solidFill>
+                          <a:schemeClr val="tx1"/>
+                        </a:solidFill>
+                        <a:effectLst/>
+                        <a:latin typeface="Arial" panose="020B0604020202020204" pitchFamily="34" charset="0"/>
+                        <a:ea typeface="Arial" panose="020B0604020202020204" pitchFamily="34" charset="0"/>
+                      </a:endParaRPr>
+                    </a:p>
+                  </a:txBody>
+                  <a:tcPr marL="68580" marR="68580" marT="0" marB="0"/>
+                </a:tc>
+                <a:tc>
+                  <a:txBody>
+                    <a:bodyPr/>
+                    <a:lstStyle/>
+                    <a:p>
+                      <a:pPr algn="ctr">
+                        <a:lnSpc>
+                          <a:spcPct val="150000"/>
+                        </a:lnSpc>
+                      </a:pPr>
+                      <a:r>
+                        <a:rPr lang="pt-BR" sz="1200">
+                          <a:solidFill>
+                            <a:schemeClr val="tx1"/>
+                          </a:solidFill>
+                          <a:effectLst/>
+                        </a:rPr>
+                        <a:t>FP</a:t>
+                      </a:r>
+                      <a:endParaRPr lang="pt-BR" sz="1200">
+                        <a:solidFill>
+                          <a:schemeClr val="tx1"/>
+                        </a:solidFill>
+                        <a:effectLst/>
+                        <a:latin typeface="Arial" panose="020B0604020202020204" pitchFamily="34" charset="0"/>
+                        <a:ea typeface="Arial" panose="020B0604020202020204" pitchFamily="34" charset="0"/>
+                      </a:endParaRPr>
+                    </a:p>
+                  </a:txBody>
+                  <a:tcPr marL="68580" marR="68580" marT="0" marB="0"/>
+                </a:tc>
+                <a:tc>
+                  <a:txBody>
+                    <a:bodyPr/>
+                    <a:lstStyle/>
+                    <a:p>
+                      <a:pPr algn="ctr">
+                        <a:lnSpc>
+                          <a:spcPct val="150000"/>
+                        </a:lnSpc>
+                      </a:pPr>
+                      <a:r>
+                        <a:rPr lang="pt-BR" sz="1200">
+                          <a:solidFill>
+                            <a:schemeClr val="tx1"/>
+                          </a:solidFill>
+                          <a:effectLst/>
+                        </a:rPr>
+                        <a:t>TN</a:t>
+                      </a:r>
+                      <a:endParaRPr lang="pt-BR" sz="1200">
+                        <a:solidFill>
+                          <a:schemeClr val="tx1"/>
+                        </a:solidFill>
+                        <a:effectLst/>
+                        <a:latin typeface="Arial" panose="020B0604020202020204" pitchFamily="34" charset="0"/>
+                        <a:ea typeface="Arial" panose="020B0604020202020204" pitchFamily="34" charset="0"/>
+                      </a:endParaRPr>
+                    </a:p>
+                  </a:txBody>
+                  <a:tcPr marL="68580" marR="68580" marT="0" marB="0"/>
+                </a:tc>
+                <a:tc>
+                  <a:txBody>
+                    <a:bodyPr/>
+                    <a:lstStyle/>
+                    <a:p>
+                      <a:pPr algn="ctr">
+                        <a:lnSpc>
+                          <a:spcPct val="150000"/>
+                        </a:lnSpc>
+                      </a:pPr>
+                      <a:r>
+                        <a:rPr lang="pt-BR" sz="1200">
+                          <a:solidFill>
+                            <a:schemeClr val="tx1"/>
+                          </a:solidFill>
+                          <a:effectLst/>
+                        </a:rPr>
+                        <a:t>FN</a:t>
+                      </a:r>
+                      <a:endParaRPr lang="pt-BR" sz="1200">
+                        <a:solidFill>
+                          <a:schemeClr val="tx1"/>
+                        </a:solidFill>
+                        <a:effectLst/>
+                        <a:latin typeface="Arial" panose="020B0604020202020204" pitchFamily="34" charset="0"/>
+                        <a:ea typeface="Arial" panose="020B0604020202020204" pitchFamily="34" charset="0"/>
+                      </a:endParaRPr>
+                    </a:p>
+                  </a:txBody>
+                  <a:tcPr marL="68580" marR="68580" marT="0" marB="0"/>
+                </a:tc>
+                <a:extLst>
+                  <a:ext uri="{0D108BD9-81ED-4DB2-BD59-A6C34878D82A}">
+                    <a16:rowId xmlns:a16="http://schemas.microsoft.com/office/drawing/2014/main" val="523792807"/>
+                  </a:ext>
+                </a:extLst>
+              </a:tr>
+              <a:tr h="243840">
+                <a:tc>
+                  <a:txBody>
+                    <a:bodyPr/>
+                    <a:lstStyle/>
+                    <a:p>
+                      <a:pPr algn="ctr">
+                        <a:lnSpc>
+                          <a:spcPct val="150000"/>
+                        </a:lnSpc>
+                      </a:pPr>
+                      <a:r>
+                        <a:rPr lang="pt-BR" sz="1200">
+                          <a:solidFill>
+                            <a:schemeClr val="tx1"/>
+                          </a:solidFill>
+                          <a:effectLst/>
+                        </a:rPr>
+                        <a:t>521</a:t>
+                      </a:r>
+                      <a:endParaRPr lang="pt-BR" sz="1200">
+                        <a:solidFill>
+                          <a:schemeClr val="tx1"/>
+                        </a:solidFill>
+                        <a:effectLst/>
+                        <a:latin typeface="Arial" panose="020B0604020202020204" pitchFamily="34" charset="0"/>
+                        <a:ea typeface="Arial" panose="020B0604020202020204" pitchFamily="34" charset="0"/>
+                      </a:endParaRPr>
+                    </a:p>
+                  </a:txBody>
+                  <a:tcPr marL="68580" marR="68580" marT="0" marB="0"/>
+                </a:tc>
+                <a:tc>
+                  <a:txBody>
+                    <a:bodyPr/>
+                    <a:lstStyle/>
+                    <a:p>
+                      <a:pPr algn="ctr">
+                        <a:lnSpc>
+                          <a:spcPct val="150000"/>
+                        </a:lnSpc>
+                      </a:pPr>
+                      <a:r>
+                        <a:rPr lang="pt-BR" sz="1200">
+                          <a:solidFill>
+                            <a:schemeClr val="tx1"/>
+                          </a:solidFill>
+                          <a:effectLst/>
+                        </a:rPr>
+                        <a:t>83</a:t>
+                      </a:r>
+                      <a:endParaRPr lang="pt-BR" sz="1200">
+                        <a:solidFill>
+                          <a:schemeClr val="tx1"/>
+                        </a:solidFill>
+                        <a:effectLst/>
+                        <a:latin typeface="Arial" panose="020B0604020202020204" pitchFamily="34" charset="0"/>
+                        <a:ea typeface="Arial" panose="020B0604020202020204" pitchFamily="34" charset="0"/>
+                      </a:endParaRPr>
+                    </a:p>
+                  </a:txBody>
+                  <a:tcPr marL="68580" marR="68580" marT="0" marB="0"/>
+                </a:tc>
+                <a:tc>
+                  <a:txBody>
+                    <a:bodyPr/>
+                    <a:lstStyle/>
+                    <a:p>
+                      <a:pPr algn="ctr">
+                        <a:lnSpc>
+                          <a:spcPct val="150000"/>
+                        </a:lnSpc>
+                      </a:pPr>
+                      <a:r>
+                        <a:rPr lang="pt-BR" sz="1200">
+                          <a:solidFill>
+                            <a:schemeClr val="tx1"/>
+                          </a:solidFill>
+                          <a:effectLst/>
+                        </a:rPr>
+                        <a:t>393</a:t>
+                      </a:r>
+                      <a:endParaRPr lang="pt-BR" sz="1200">
+                        <a:solidFill>
+                          <a:schemeClr val="tx1"/>
+                        </a:solidFill>
+                        <a:effectLst/>
+                        <a:latin typeface="Arial" panose="020B0604020202020204" pitchFamily="34" charset="0"/>
+                        <a:ea typeface="Arial" panose="020B0604020202020204" pitchFamily="34" charset="0"/>
+                      </a:endParaRPr>
+                    </a:p>
+                  </a:txBody>
+                  <a:tcPr marL="68580" marR="68580" marT="0" marB="0"/>
+                </a:tc>
+                <a:tc>
+                  <a:txBody>
+                    <a:bodyPr/>
+                    <a:lstStyle/>
+                    <a:p>
+                      <a:pPr algn="ctr">
+                        <a:lnSpc>
+                          <a:spcPct val="150000"/>
+                        </a:lnSpc>
+                      </a:pPr>
+                      <a:r>
+                        <a:rPr lang="pt-BR" sz="1200" dirty="0">
+                          <a:solidFill>
+                            <a:schemeClr val="tx1"/>
+                          </a:solidFill>
+                          <a:effectLst/>
+                        </a:rPr>
+                        <a:t>0</a:t>
+                      </a:r>
+                      <a:endParaRPr lang="pt-BR" sz="1200" dirty="0">
+                        <a:solidFill>
+                          <a:schemeClr val="tx1"/>
+                        </a:solidFill>
+                        <a:effectLst/>
+                        <a:latin typeface="Arial" panose="020B0604020202020204" pitchFamily="34" charset="0"/>
+                        <a:ea typeface="Arial" panose="020B0604020202020204" pitchFamily="34" charset="0"/>
+                      </a:endParaRPr>
+                    </a:p>
+                  </a:txBody>
+                  <a:tcPr marL="68580" marR="68580" marT="0" marB="0"/>
+                </a:tc>
+                <a:extLst>
+                  <a:ext uri="{0D108BD9-81ED-4DB2-BD59-A6C34878D82A}">
+                    <a16:rowId xmlns:a16="http://schemas.microsoft.com/office/drawing/2014/main" val="3488959499"/>
+                  </a:ext>
+                </a:extLst>
+              </a:tr>
+            </a:tbl>
+          </a:graphicData>
+        </a:graphic>
+      </p:graphicFrame>
+      <p:sp>
+        <p:nvSpPr>
+          <p:cNvPr id="7" name="CaixaDeTexto 6">
+            <a:extLst>
+              <a:ext uri="{FF2B5EF4-FFF2-40B4-BE49-F238E27FC236}">
+                <a16:creationId xmlns:a16="http://schemas.microsoft.com/office/drawing/2014/main" id="{4FE31C95-0F2B-6F69-BE61-73A2B3403066}"/>
+              </a:ext>
+            </a:extLst>
+          </p:cNvPr>
+          <p:cNvSpPr txBox="1"/>
+          <p:nvPr/>
+        </p:nvSpPr>
+        <p:spPr>
+          <a:xfrm>
+            <a:off x="470119" y="1539614"/>
+            <a:ext cx="8387242" cy="461665"/>
+          </a:xfrm>
+          <a:prstGeom prst="rect">
+            <a:avLst/>
+          </a:prstGeom>
+          <a:noFill/>
+        </p:spPr>
+        <p:txBody>
+          <a:bodyPr wrap="square" rtlCol="0">
+            <a:spAutoFit/>
+          </a:bodyPr>
+          <a:lstStyle/>
+          <a:p>
+            <a:pPr marL="285750" indent="-285750" algn="just">
+              <a:buClr>
+                <a:schemeClr val="tx1"/>
+              </a:buClr>
+              <a:buFont typeface="Arial" panose="020B0604020202020204" pitchFamily="34" charset="0"/>
+              <a:buChar char="•"/>
+            </a:pPr>
+            <a:r>
+              <a:rPr lang="pt-BR" sz="2400" dirty="0">
+                <a:solidFill>
+                  <a:schemeClr val="tx1"/>
+                </a:solidFill>
+              </a:rPr>
+              <a:t>Modelo 4</a:t>
+            </a:r>
+          </a:p>
+        </p:txBody>
+      </p:sp>
+    </p:spTree>
+    <p:extLst>
+      <p:ext uri="{BB962C8B-B14F-4D97-AF65-F5344CB8AC3E}">
+        <p14:creationId xmlns:p14="http://schemas.microsoft.com/office/powerpoint/2010/main" val="3190126758"/>
+      </p:ext>
+    </p:extLst>
+  </p:cSld>
+  <p:clrMapOvr>
+    <a:masterClrMapping/>
+  </p:clrMapOvr>
+</p:sld>
+</file>
+
+<file path=ppt/slides/slide15.xml><?xml version="1.0" encoding="utf-8"?>
+<p:sld xmlns:a="http://schemas.openxmlformats.org/drawingml/2006/main" xmlns:r="http://schemas.openxmlformats.org/officeDocument/2006/relationships" xmlns:p="http://schemas.openxmlformats.org/presentationml/2006/main">
+  <p:cSld>
+    <p:spTree>
+      <p:nvGrpSpPr>
+        <p:cNvPr id="1" name=""/>
+        <p:cNvGrpSpPr/>
+        <p:nvPr/>
+      </p:nvGrpSpPr>
+      <p:grpSpPr>
+        <a:xfrm>
+          <a:off x="0" y="0"/>
+          <a:ext cx="0" cy="0"/>
+          <a:chOff x="0" y="0"/>
+          <a:chExt cx="0" cy="0"/>
+        </a:xfrm>
+      </p:grpSpPr>
+      <p:sp>
+        <p:nvSpPr>
+          <p:cNvPr id="3" name="Rectangle 2">
+            <a:extLst>
+              <a:ext uri="{FF2B5EF4-FFF2-40B4-BE49-F238E27FC236}">
+                <a16:creationId xmlns:a16="http://schemas.microsoft.com/office/drawing/2014/main" id="{D5C242D3-1E45-0E41-FAB5-B60EEE44056E}"/>
+              </a:ext>
+            </a:extLst>
+          </p:cNvPr>
+          <p:cNvSpPr>
+            <a:spLocks noChangeArrowheads="1"/>
+          </p:cNvSpPr>
+          <p:nvPr/>
+        </p:nvSpPr>
+        <p:spPr bwMode="auto">
+          <a:xfrm>
+            <a:off x="152400" y="-304800"/>
+            <a:ext cx="9144000" cy="457200"/>
+          </a:xfrm>
+          <a:prstGeom prst="rect">
+            <a:avLst/>
+          </a:prstGeom>
+          <a:noFill/>
+          <a:ln>
+            <a:noFill/>
+          </a:ln>
+          <a:effectLst/>
+          <a:extLst>
+            <a:ext uri="{909E8E84-426E-40DD-AFC4-6F175D3DCCD1}">
+              <a14:hiddenFill xmlns:a14="http://schemas.microsoft.com/office/drawing/2010/main">
+                <a:solidFill>
+                  <a:schemeClr val="accent1"/>
+                </a:solidFill>
+              </a14:hiddenFill>
+            </a:ext>
+            <a:ext uri="{91240B29-F687-4F45-9708-019B960494DF}">
+              <a14:hiddenLine xmlns:a14="http://schemas.microsoft.com/office/drawing/2010/main" w="9525">
+                <a:solidFill>
+                  <a:schemeClr val="tx1"/>
+                </a:solidFill>
+                <a:miter lim="800000"/>
+                <a:headEnd/>
+                <a:tailEnd/>
+              </a14:hiddenLine>
+            </a:ext>
+            <a:ext uri="{AF507438-7753-43E0-B8FC-AC1667EBCBE1}">
+              <a14:hiddenEffects xmlns:a14="http://schemas.microsoft.com/office/drawing/2010/main">
+                <a:effectLst>
+                  <a:outerShdw dist="35921" dir="2700000" algn="ctr" rotWithShape="0">
+                    <a:schemeClr val="bg2"/>
+                  </a:outerShdw>
+                </a:effectLst>
+              </a14:hiddenEffects>
+            </a:ext>
+          </a:extLst>
+        </p:spPr>
+        <p:txBody>
+          <a:bodyPr vert="horz" wrap="none" lIns="91440" tIns="45720" rIns="91440" bIns="45720" numCol="1" anchor="ctr" anchorCtr="0" compatLnSpc="1">
+            <a:prstTxWarp prst="textNoShape">
+              <a:avLst/>
+            </a:prstTxWarp>
+            <a:spAutoFit/>
+          </a:bodyPr>
+          <a:lstStyle/>
+          <a:p>
+            <a:endParaRPr lang="pt-BR"/>
+          </a:p>
+        </p:txBody>
+      </p:sp>
+      <p:pic>
+        <p:nvPicPr>
+          <p:cNvPr id="5121" name="Imagem 1">
+            <a:extLst>
+              <a:ext uri="{FF2B5EF4-FFF2-40B4-BE49-F238E27FC236}">
+                <a16:creationId xmlns:a16="http://schemas.microsoft.com/office/drawing/2014/main" id="{0F2F9D41-39A6-5396-C4A4-CA2FC26D7924}"/>
+              </a:ext>
+            </a:extLst>
+          </p:cNvPr>
+          <p:cNvPicPr>
+            <a:picLocks noChangeAspect="1" noChangeArrowheads="1"/>
+          </p:cNvPicPr>
+          <p:nvPr/>
+        </p:nvPicPr>
+        <p:blipFill>
+          <a:blip r:embed="rId2">
+            <a:extLst>
+              <a:ext uri="{28A0092B-C50C-407E-A947-70E740481C1C}">
+                <a14:useLocalDpi xmlns:a14="http://schemas.microsoft.com/office/drawing/2010/main" val="0"/>
+              </a:ext>
+            </a:extLst>
+          </a:blip>
+          <a:srcRect/>
+          <a:stretch>
+            <a:fillRect/>
+          </a:stretch>
+        </p:blipFill>
+        <p:spPr bwMode="auto">
+          <a:xfrm>
+            <a:off x="0" y="152398"/>
+            <a:ext cx="4591050" cy="2162175"/>
+          </a:xfrm>
+          <a:prstGeom prst="rect">
+            <a:avLst/>
+          </a:prstGeom>
+          <a:noFill/>
+          <a:extLst>
+            <a:ext uri="{909E8E84-426E-40DD-AFC4-6F175D3DCCD1}">
+              <a14:hiddenFill xmlns:a14="http://schemas.microsoft.com/office/drawing/2010/main">
+                <a:solidFill>
+                  <a:srgbClr val="FFFFFF"/>
+                </a:solidFill>
+              </a14:hiddenFill>
+            </a:ext>
+          </a:extLst>
+        </p:spPr>
+      </p:pic>
+      <p:sp>
+        <p:nvSpPr>
+          <p:cNvPr id="5" name="Rectangle 5">
+            <a:extLst>
+              <a:ext uri="{FF2B5EF4-FFF2-40B4-BE49-F238E27FC236}">
+                <a16:creationId xmlns:a16="http://schemas.microsoft.com/office/drawing/2014/main" id="{7213214E-BBDE-D94D-64D6-FC445E315676}"/>
+              </a:ext>
+            </a:extLst>
+          </p:cNvPr>
+          <p:cNvSpPr>
+            <a:spLocks noChangeArrowheads="1"/>
+          </p:cNvSpPr>
+          <p:nvPr/>
+        </p:nvSpPr>
+        <p:spPr bwMode="auto">
+          <a:xfrm>
+            <a:off x="0" y="0"/>
+            <a:ext cx="9144000" cy="457200"/>
+          </a:xfrm>
+          <a:prstGeom prst="rect">
+            <a:avLst/>
+          </a:prstGeom>
+          <a:noFill/>
+          <a:ln>
+            <a:noFill/>
+          </a:ln>
+          <a:effectLst/>
+          <a:extLst>
+            <a:ext uri="{909E8E84-426E-40DD-AFC4-6F175D3DCCD1}">
+              <a14:hiddenFill xmlns:a14="http://schemas.microsoft.com/office/drawing/2010/main">
+                <a:solidFill>
+                  <a:schemeClr val="accent1"/>
+                </a:solidFill>
+              </a14:hiddenFill>
+            </a:ext>
+            <a:ext uri="{91240B29-F687-4F45-9708-019B960494DF}">
+              <a14:hiddenLine xmlns:a14="http://schemas.microsoft.com/office/drawing/2010/main" w="9525">
+                <a:solidFill>
+                  <a:schemeClr val="tx1"/>
+                </a:solidFill>
+                <a:miter lim="800000"/>
+                <a:headEnd/>
+                <a:tailEnd/>
+              </a14:hiddenLine>
+            </a:ext>
+            <a:ext uri="{AF507438-7753-43E0-B8FC-AC1667EBCBE1}">
+              <a14:hiddenEffects xmlns:a14="http://schemas.microsoft.com/office/drawing/2010/main">
+                <a:effectLst>
+                  <a:outerShdw dist="35921" dir="2700000" algn="ctr" rotWithShape="0">
+                    <a:schemeClr val="bg2"/>
+                  </a:outerShdw>
+                </a:effectLst>
+              </a14:hiddenEffects>
+            </a:ext>
+          </a:extLst>
+        </p:spPr>
+        <p:txBody>
+          <a:bodyPr vert="horz" wrap="none" lIns="91440" tIns="45720" rIns="91440" bIns="45720" numCol="1" anchor="ctr" anchorCtr="0" compatLnSpc="1">
+            <a:prstTxWarp prst="textNoShape">
+              <a:avLst/>
+            </a:prstTxWarp>
+            <a:spAutoFit/>
+          </a:bodyPr>
+          <a:lstStyle/>
+          <a:p>
+            <a:endParaRPr lang="pt-BR"/>
+          </a:p>
+        </p:txBody>
+      </p:sp>
+      <p:pic>
+        <p:nvPicPr>
+          <p:cNvPr id="5124" name="Imagem 3">
+            <a:extLst>
+              <a:ext uri="{FF2B5EF4-FFF2-40B4-BE49-F238E27FC236}">
+                <a16:creationId xmlns:a16="http://schemas.microsoft.com/office/drawing/2014/main" id="{7FAC008D-B1B6-945C-955B-B8C82D3D599D}"/>
+              </a:ext>
+            </a:extLst>
+          </p:cNvPr>
+          <p:cNvPicPr>
+            <a:picLocks noChangeAspect="1" noChangeArrowheads="1"/>
+          </p:cNvPicPr>
+          <p:nvPr/>
+        </p:nvPicPr>
+        <p:blipFill>
+          <a:blip r:embed="rId3">
+            <a:extLst>
+              <a:ext uri="{28A0092B-C50C-407E-A947-70E740481C1C}">
+                <a14:useLocalDpi xmlns:a14="http://schemas.microsoft.com/office/drawing/2010/main" val="0"/>
+              </a:ext>
+            </a:extLst>
+          </a:blip>
+          <a:srcRect/>
+          <a:stretch>
+            <a:fillRect/>
+          </a:stretch>
+        </p:blipFill>
+        <p:spPr bwMode="auto">
+          <a:xfrm>
+            <a:off x="4591050" y="152396"/>
+            <a:ext cx="4543425" cy="2162175"/>
+          </a:xfrm>
+          <a:prstGeom prst="rect">
+            <a:avLst/>
+          </a:prstGeom>
+          <a:noFill/>
+          <a:extLst>
+            <a:ext uri="{909E8E84-426E-40DD-AFC4-6F175D3DCCD1}">
+              <a14:hiddenFill xmlns:a14="http://schemas.microsoft.com/office/drawing/2010/main">
+                <a:solidFill>
+                  <a:srgbClr val="FFFFFF"/>
+                </a:solidFill>
+              </a14:hiddenFill>
+            </a:ext>
+          </a:extLst>
+        </p:spPr>
+      </p:pic>
+      <p:sp>
+        <p:nvSpPr>
+          <p:cNvPr id="6" name="Rectangle 6">
+            <a:extLst>
+              <a:ext uri="{FF2B5EF4-FFF2-40B4-BE49-F238E27FC236}">
+                <a16:creationId xmlns:a16="http://schemas.microsoft.com/office/drawing/2014/main" id="{D3511A4E-5248-9F04-4AD2-6C6DD41DF86C}"/>
+              </a:ext>
+            </a:extLst>
+          </p:cNvPr>
+          <p:cNvSpPr>
+            <a:spLocks noChangeArrowheads="1"/>
+          </p:cNvSpPr>
+          <p:nvPr/>
+        </p:nvSpPr>
+        <p:spPr bwMode="auto">
+          <a:xfrm>
+            <a:off x="5488565" y="2390751"/>
+            <a:ext cx="3602181" cy="246221"/>
+          </a:xfrm>
+          <a:prstGeom prst="rect">
+            <a:avLst/>
+          </a:prstGeom>
+          <a:noFill/>
+          <a:ln>
+            <a:noFill/>
+          </a:ln>
+          <a:effectLst/>
+          <a:extLst>
+            <a:ext uri="{909E8E84-426E-40DD-AFC4-6F175D3DCCD1}">
+              <a14:hiddenFill xmlns:a14="http://schemas.microsoft.com/office/drawing/2010/main">
+                <a:solidFill>
+                  <a:schemeClr val="accent1"/>
+                </a:solidFill>
+              </a14:hiddenFill>
+            </a:ext>
+            <a:ext uri="{91240B29-F687-4F45-9708-019B960494DF}">
+              <a14:hiddenLine xmlns:a14="http://schemas.microsoft.com/office/drawing/2010/main" w="9525">
+                <a:solidFill>
+                  <a:schemeClr val="tx1"/>
+                </a:solidFill>
+                <a:miter lim="800000"/>
+                <a:headEnd/>
+                <a:tailEnd/>
+              </a14:hiddenLine>
+            </a:ext>
+            <a:ext uri="{AF507438-7753-43E0-B8FC-AC1667EBCBE1}">
+              <a14:hiddenEffects xmlns:a14="http://schemas.microsoft.com/office/drawing/2010/main">
+                <a:effectLst>
+                  <a:outerShdw dist="35921" dir="2700000" algn="ctr" rotWithShape="0">
+                    <a:schemeClr val="bg2"/>
+                  </a:outerShdw>
+                </a:effectLst>
+              </a14:hiddenEffects>
+            </a:ext>
+          </a:extLst>
+        </p:spPr>
+        <p:txBody>
+          <a:bodyPr vert="horz" wrap="square" lIns="91440" tIns="45720" rIns="91440" bIns="45720" numCol="1" anchor="ctr" anchorCtr="0" compatLnSpc="1">
+            <a:prstTxWarp prst="textNoShape">
+              <a:avLst/>
+            </a:prstTxWarp>
+            <a:spAutoFit/>
+          </a:bodyPr>
+          <a:lstStyle/>
+          <a:p>
+            <a:pPr marL="0" marR="0" lvl="0" indent="0" algn="just" defTabSz="914400" rtl="0" eaLnBrk="0" fontAlgn="base" latinLnBrk="0" hangingPunct="0">
+              <a:lnSpc>
+                <a:spcPct val="100000"/>
+              </a:lnSpc>
+              <a:spcBef>
+                <a:spcPct val="0"/>
+              </a:spcBef>
+              <a:spcAft>
+                <a:spcPct val="0"/>
+              </a:spcAft>
+              <a:buClrTx/>
+              <a:buSzTx/>
+              <a:buFontTx/>
+              <a:buNone/>
+              <a:tabLst/>
+            </a:pPr>
+            <a:r>
+              <a:rPr kumimoji="0" lang="pt-BR" altLang="pt-BR" sz="1000" b="1" i="0" u="none" strike="noStrike" cap="none" normalizeH="0" baseline="0" dirty="0">
+                <a:ln>
+                  <a:noFill/>
+                </a:ln>
+                <a:solidFill>
+                  <a:schemeClr val="tx1"/>
+                </a:solidFill>
+                <a:effectLst/>
+                <a:latin typeface="Times New Roman" panose="02020603050405020304" pitchFamily="18" charset="0"/>
+                <a:ea typeface="Arial" panose="020B0604020202020204" pitchFamily="34" charset="0"/>
+                <a:cs typeface="Times New Roman" panose="02020603050405020304" pitchFamily="18" charset="0"/>
+              </a:rPr>
+              <a:t>Desempenho gráfico do modelo 2.</a:t>
+            </a:r>
+            <a:endParaRPr kumimoji="0" lang="pt-BR" altLang="pt-BR" sz="1800" b="0" i="0" u="none" strike="noStrike" cap="none" normalizeH="0" baseline="0" dirty="0">
+              <a:ln>
+                <a:noFill/>
+              </a:ln>
+              <a:solidFill>
+                <a:schemeClr val="tx1"/>
+              </a:solidFill>
+              <a:effectLst/>
+              <a:latin typeface="Arial" panose="020B0604020202020204" pitchFamily="34" charset="0"/>
+            </a:endParaRPr>
+          </a:p>
+        </p:txBody>
+      </p:sp>
+      <p:pic>
+        <p:nvPicPr>
+          <p:cNvPr id="7" name="Imagem 6">
+            <a:extLst>
+              <a:ext uri="{FF2B5EF4-FFF2-40B4-BE49-F238E27FC236}">
+                <a16:creationId xmlns:a16="http://schemas.microsoft.com/office/drawing/2014/main" id="{E4B68D84-A5A3-2313-93F2-82B78F2F1633}"/>
+              </a:ext>
+            </a:extLst>
+          </p:cNvPr>
+          <p:cNvPicPr>
+            <a:picLocks noChangeAspect="1"/>
+          </p:cNvPicPr>
+          <p:nvPr/>
+        </p:nvPicPr>
+        <p:blipFill>
+          <a:blip r:embed="rId4">
+            <a:extLst>
+              <a:ext uri="{28A0092B-C50C-407E-A947-70E740481C1C}">
+                <a14:useLocalDpi xmlns:a14="http://schemas.microsoft.com/office/drawing/2010/main" val="0"/>
+              </a:ext>
+            </a:extLst>
+          </a:blip>
+          <a:srcRect/>
+          <a:stretch>
+            <a:fillRect/>
+          </a:stretch>
+        </p:blipFill>
+        <p:spPr bwMode="auto">
+          <a:xfrm>
+            <a:off x="11430" y="2713152"/>
+            <a:ext cx="4568190" cy="2129912"/>
+          </a:xfrm>
+          <a:prstGeom prst="rect">
+            <a:avLst/>
+          </a:prstGeom>
+          <a:noFill/>
+          <a:ln>
+            <a:noFill/>
+          </a:ln>
+        </p:spPr>
+      </p:pic>
+      <p:pic>
+        <p:nvPicPr>
+          <p:cNvPr id="8" name="Imagem 7">
+            <a:extLst>
+              <a:ext uri="{FF2B5EF4-FFF2-40B4-BE49-F238E27FC236}">
+                <a16:creationId xmlns:a16="http://schemas.microsoft.com/office/drawing/2014/main" id="{83CD1F85-B2D3-2BA4-546E-DC7B001AC6E3}"/>
+              </a:ext>
+            </a:extLst>
+          </p:cNvPr>
+          <p:cNvPicPr>
+            <a:picLocks noChangeAspect="1"/>
+          </p:cNvPicPr>
+          <p:nvPr/>
+        </p:nvPicPr>
+        <p:blipFill>
+          <a:blip r:embed="rId5">
+            <a:extLst>
+              <a:ext uri="{28A0092B-C50C-407E-A947-70E740481C1C}">
+                <a14:useLocalDpi xmlns:a14="http://schemas.microsoft.com/office/drawing/2010/main" val="0"/>
+              </a:ext>
+            </a:extLst>
+          </a:blip>
+          <a:srcRect/>
+          <a:stretch>
+            <a:fillRect/>
+          </a:stretch>
+        </p:blipFill>
+        <p:spPr bwMode="auto">
+          <a:xfrm>
+            <a:off x="4573360" y="2713152"/>
+            <a:ext cx="4570640" cy="2129912"/>
+          </a:xfrm>
+          <a:prstGeom prst="rect">
+            <a:avLst/>
+          </a:prstGeom>
+          <a:noFill/>
+          <a:ln>
+            <a:noFill/>
+          </a:ln>
+        </p:spPr>
+      </p:pic>
+      <p:sp>
+        <p:nvSpPr>
+          <p:cNvPr id="9" name="Rectangle 6">
+            <a:extLst>
+              <a:ext uri="{FF2B5EF4-FFF2-40B4-BE49-F238E27FC236}">
+                <a16:creationId xmlns:a16="http://schemas.microsoft.com/office/drawing/2014/main" id="{ED0DFF4F-DC9F-3CEE-1B41-9826FA4EB07B}"/>
+              </a:ext>
+            </a:extLst>
+          </p:cNvPr>
+          <p:cNvSpPr>
+            <a:spLocks noChangeArrowheads="1"/>
+          </p:cNvSpPr>
+          <p:nvPr/>
+        </p:nvSpPr>
+        <p:spPr bwMode="auto">
+          <a:xfrm>
+            <a:off x="993631" y="2325529"/>
+            <a:ext cx="3602181" cy="246221"/>
+          </a:xfrm>
+          <a:prstGeom prst="rect">
+            <a:avLst/>
+          </a:prstGeom>
+          <a:noFill/>
+          <a:ln>
+            <a:noFill/>
+          </a:ln>
+          <a:effectLst/>
+          <a:extLst>
+            <a:ext uri="{909E8E84-426E-40DD-AFC4-6F175D3DCCD1}">
+              <a14:hiddenFill xmlns:a14="http://schemas.microsoft.com/office/drawing/2010/main">
+                <a:solidFill>
+                  <a:schemeClr val="accent1"/>
+                </a:solidFill>
+              </a14:hiddenFill>
+            </a:ext>
+            <a:ext uri="{91240B29-F687-4F45-9708-019B960494DF}">
+              <a14:hiddenLine xmlns:a14="http://schemas.microsoft.com/office/drawing/2010/main" w="9525">
+                <a:solidFill>
+                  <a:schemeClr val="tx1"/>
+                </a:solidFill>
+                <a:miter lim="800000"/>
+                <a:headEnd/>
+                <a:tailEnd/>
+              </a14:hiddenLine>
+            </a:ext>
+            <a:ext uri="{AF507438-7753-43E0-B8FC-AC1667EBCBE1}">
+              <a14:hiddenEffects xmlns:a14="http://schemas.microsoft.com/office/drawing/2010/main">
+                <a:effectLst>
+                  <a:outerShdw dist="35921" dir="2700000" algn="ctr" rotWithShape="0">
+                    <a:schemeClr val="bg2"/>
+                  </a:outerShdw>
+                </a:effectLst>
+              </a14:hiddenEffects>
+            </a:ext>
+          </a:extLst>
+        </p:spPr>
+        <p:txBody>
+          <a:bodyPr vert="horz" wrap="square" lIns="91440" tIns="45720" rIns="91440" bIns="45720" numCol="1" anchor="ctr" anchorCtr="0" compatLnSpc="1">
+            <a:prstTxWarp prst="textNoShape">
+              <a:avLst/>
+            </a:prstTxWarp>
+            <a:spAutoFit/>
+          </a:bodyPr>
+          <a:lstStyle/>
+          <a:p>
+            <a:pPr marL="0" marR="0" lvl="0" indent="0" algn="just" defTabSz="914400" rtl="0" eaLnBrk="0" fontAlgn="base" latinLnBrk="0" hangingPunct="0">
+              <a:lnSpc>
+                <a:spcPct val="100000"/>
+              </a:lnSpc>
+              <a:spcBef>
+                <a:spcPct val="0"/>
+              </a:spcBef>
+              <a:spcAft>
+                <a:spcPct val="0"/>
+              </a:spcAft>
+              <a:buClrTx/>
+              <a:buSzTx/>
+              <a:buFontTx/>
+              <a:buNone/>
+              <a:tabLst/>
+            </a:pPr>
+            <a:r>
+              <a:rPr kumimoji="0" lang="pt-BR" altLang="pt-BR" sz="1000" b="1" i="0" u="none" strike="noStrike" cap="none" normalizeH="0" baseline="0" dirty="0">
+                <a:ln>
+                  <a:noFill/>
+                </a:ln>
+                <a:solidFill>
+                  <a:schemeClr val="tx1"/>
+                </a:solidFill>
+                <a:effectLst/>
+                <a:latin typeface="Times New Roman" panose="02020603050405020304" pitchFamily="18" charset="0"/>
+                <a:ea typeface="Arial" panose="020B0604020202020204" pitchFamily="34" charset="0"/>
+                <a:cs typeface="Times New Roman" panose="02020603050405020304" pitchFamily="18" charset="0"/>
+              </a:rPr>
+              <a:t>Desempenho gráfico do modelo 1.</a:t>
+            </a:r>
+            <a:endParaRPr kumimoji="0" lang="pt-BR" altLang="pt-BR" sz="1800" b="0" i="0" u="none" strike="noStrike" cap="none" normalizeH="0" baseline="0" dirty="0">
+              <a:ln>
+                <a:noFill/>
+              </a:ln>
+              <a:solidFill>
+                <a:schemeClr val="tx1"/>
+              </a:solidFill>
+              <a:effectLst/>
+              <a:latin typeface="Arial" panose="020B0604020202020204" pitchFamily="34" charset="0"/>
+            </a:endParaRPr>
+          </a:p>
+        </p:txBody>
+      </p:sp>
+      <p:sp>
+        <p:nvSpPr>
+          <p:cNvPr id="10" name="Rectangle 6">
+            <a:extLst>
+              <a:ext uri="{FF2B5EF4-FFF2-40B4-BE49-F238E27FC236}">
+                <a16:creationId xmlns:a16="http://schemas.microsoft.com/office/drawing/2014/main" id="{60D373FF-A17D-A4F2-B179-07F80350E64F}"/>
+              </a:ext>
+            </a:extLst>
+          </p:cNvPr>
+          <p:cNvSpPr>
+            <a:spLocks noChangeArrowheads="1"/>
+          </p:cNvSpPr>
+          <p:nvPr/>
+        </p:nvSpPr>
+        <p:spPr bwMode="auto">
+          <a:xfrm>
+            <a:off x="1055110" y="4827702"/>
+            <a:ext cx="3602181" cy="246221"/>
+          </a:xfrm>
+          <a:prstGeom prst="rect">
+            <a:avLst/>
+          </a:prstGeom>
+          <a:noFill/>
+          <a:ln>
+            <a:noFill/>
+          </a:ln>
+          <a:effectLst/>
+          <a:extLst>
+            <a:ext uri="{909E8E84-426E-40DD-AFC4-6F175D3DCCD1}">
+              <a14:hiddenFill xmlns:a14="http://schemas.microsoft.com/office/drawing/2010/main">
+                <a:solidFill>
+                  <a:schemeClr val="accent1"/>
+                </a:solidFill>
+              </a14:hiddenFill>
+            </a:ext>
+            <a:ext uri="{91240B29-F687-4F45-9708-019B960494DF}">
+              <a14:hiddenLine xmlns:a14="http://schemas.microsoft.com/office/drawing/2010/main" w="9525">
+                <a:solidFill>
+                  <a:schemeClr val="tx1"/>
+                </a:solidFill>
+                <a:miter lim="800000"/>
+                <a:headEnd/>
+                <a:tailEnd/>
+              </a14:hiddenLine>
+            </a:ext>
+            <a:ext uri="{AF507438-7753-43E0-B8FC-AC1667EBCBE1}">
+              <a14:hiddenEffects xmlns:a14="http://schemas.microsoft.com/office/drawing/2010/main">
+                <a:effectLst>
+                  <a:outerShdw dist="35921" dir="2700000" algn="ctr" rotWithShape="0">
+                    <a:schemeClr val="bg2"/>
+                  </a:outerShdw>
+                </a:effectLst>
+              </a14:hiddenEffects>
+            </a:ext>
+          </a:extLst>
+        </p:spPr>
+        <p:txBody>
+          <a:bodyPr vert="horz" wrap="square" lIns="91440" tIns="45720" rIns="91440" bIns="45720" numCol="1" anchor="ctr" anchorCtr="0" compatLnSpc="1">
+            <a:prstTxWarp prst="textNoShape">
+              <a:avLst/>
+            </a:prstTxWarp>
+            <a:spAutoFit/>
+          </a:bodyPr>
+          <a:lstStyle/>
+          <a:p>
+            <a:pPr marL="0" marR="0" lvl="0" indent="0" algn="just" defTabSz="914400" rtl="0" eaLnBrk="0" fontAlgn="base" latinLnBrk="0" hangingPunct="0">
+              <a:lnSpc>
+                <a:spcPct val="100000"/>
+              </a:lnSpc>
+              <a:spcBef>
+                <a:spcPct val="0"/>
+              </a:spcBef>
+              <a:spcAft>
+                <a:spcPct val="0"/>
+              </a:spcAft>
+              <a:buClrTx/>
+              <a:buSzTx/>
+              <a:buFontTx/>
+              <a:buNone/>
+              <a:tabLst/>
+            </a:pPr>
+            <a:r>
+              <a:rPr kumimoji="0" lang="pt-BR" altLang="pt-BR" sz="1000" b="1" i="0" u="none" strike="noStrike" cap="none" normalizeH="0" baseline="0" dirty="0">
+                <a:ln>
+                  <a:noFill/>
+                </a:ln>
+                <a:solidFill>
+                  <a:schemeClr val="tx1"/>
+                </a:solidFill>
+                <a:effectLst/>
+                <a:latin typeface="Times New Roman" panose="02020603050405020304" pitchFamily="18" charset="0"/>
+                <a:ea typeface="Arial" panose="020B0604020202020204" pitchFamily="34" charset="0"/>
+                <a:cs typeface="Times New Roman" panose="02020603050405020304" pitchFamily="18" charset="0"/>
+              </a:rPr>
+              <a:t>Desempenho gráfico do modelo 3.</a:t>
+            </a:r>
+            <a:endParaRPr kumimoji="0" lang="pt-BR" altLang="pt-BR" sz="1800" b="0" i="0" u="none" strike="noStrike" cap="none" normalizeH="0" baseline="0" dirty="0">
+              <a:ln>
+                <a:noFill/>
+              </a:ln>
+              <a:solidFill>
+                <a:schemeClr val="tx1"/>
+              </a:solidFill>
+              <a:effectLst/>
+              <a:latin typeface="Arial" panose="020B0604020202020204" pitchFamily="34" charset="0"/>
+            </a:endParaRPr>
+          </a:p>
+        </p:txBody>
+      </p:sp>
+      <p:sp>
+        <p:nvSpPr>
+          <p:cNvPr id="11" name="Rectangle 6">
+            <a:extLst>
+              <a:ext uri="{FF2B5EF4-FFF2-40B4-BE49-F238E27FC236}">
+                <a16:creationId xmlns:a16="http://schemas.microsoft.com/office/drawing/2014/main" id="{C708A0B8-03AB-DF03-DB07-E060657596EA}"/>
+              </a:ext>
+            </a:extLst>
+          </p:cNvPr>
+          <p:cNvSpPr>
+            <a:spLocks noChangeArrowheads="1"/>
+          </p:cNvSpPr>
+          <p:nvPr/>
+        </p:nvSpPr>
+        <p:spPr bwMode="auto">
+          <a:xfrm>
+            <a:off x="5700971" y="4827701"/>
+            <a:ext cx="3602181" cy="246221"/>
+          </a:xfrm>
+          <a:prstGeom prst="rect">
+            <a:avLst/>
+          </a:prstGeom>
+          <a:noFill/>
+          <a:ln>
+            <a:noFill/>
+          </a:ln>
+          <a:effectLst/>
+          <a:extLst>
+            <a:ext uri="{909E8E84-426E-40DD-AFC4-6F175D3DCCD1}">
+              <a14:hiddenFill xmlns:a14="http://schemas.microsoft.com/office/drawing/2010/main">
+                <a:solidFill>
+                  <a:schemeClr val="accent1"/>
+                </a:solidFill>
+              </a14:hiddenFill>
+            </a:ext>
+            <a:ext uri="{91240B29-F687-4F45-9708-019B960494DF}">
+              <a14:hiddenLine xmlns:a14="http://schemas.microsoft.com/office/drawing/2010/main" w="9525">
+                <a:solidFill>
+                  <a:schemeClr val="tx1"/>
+                </a:solidFill>
+                <a:miter lim="800000"/>
+                <a:headEnd/>
+                <a:tailEnd/>
+              </a14:hiddenLine>
+            </a:ext>
+            <a:ext uri="{AF507438-7753-43E0-B8FC-AC1667EBCBE1}">
+              <a14:hiddenEffects xmlns:a14="http://schemas.microsoft.com/office/drawing/2010/main">
+                <a:effectLst>
+                  <a:outerShdw dist="35921" dir="2700000" algn="ctr" rotWithShape="0">
+                    <a:schemeClr val="bg2"/>
+                  </a:outerShdw>
+                </a:effectLst>
+              </a14:hiddenEffects>
+            </a:ext>
+          </a:extLst>
+        </p:spPr>
+        <p:txBody>
+          <a:bodyPr vert="horz" wrap="square" lIns="91440" tIns="45720" rIns="91440" bIns="45720" numCol="1" anchor="ctr" anchorCtr="0" compatLnSpc="1">
+            <a:prstTxWarp prst="textNoShape">
+              <a:avLst/>
+            </a:prstTxWarp>
+            <a:spAutoFit/>
+          </a:bodyPr>
+          <a:lstStyle/>
+          <a:p>
+            <a:pPr marL="0" marR="0" lvl="0" indent="0" algn="just" defTabSz="914400" rtl="0" eaLnBrk="0" fontAlgn="base" latinLnBrk="0" hangingPunct="0">
+              <a:lnSpc>
+                <a:spcPct val="100000"/>
+              </a:lnSpc>
+              <a:spcBef>
+                <a:spcPct val="0"/>
+              </a:spcBef>
+              <a:spcAft>
+                <a:spcPct val="0"/>
+              </a:spcAft>
+              <a:buClrTx/>
+              <a:buSzTx/>
+              <a:buFontTx/>
+              <a:buNone/>
+              <a:tabLst/>
+            </a:pPr>
+            <a:r>
+              <a:rPr kumimoji="0" lang="pt-BR" altLang="pt-BR" sz="1000" b="1" i="0" u="none" strike="noStrike" cap="none" normalizeH="0" baseline="0" dirty="0">
+                <a:ln>
+                  <a:noFill/>
+                </a:ln>
+                <a:solidFill>
+                  <a:schemeClr val="tx1"/>
+                </a:solidFill>
+                <a:effectLst/>
+                <a:latin typeface="Times New Roman" panose="02020603050405020304" pitchFamily="18" charset="0"/>
+                <a:ea typeface="Arial" panose="020B0604020202020204" pitchFamily="34" charset="0"/>
+                <a:cs typeface="Times New Roman" panose="02020603050405020304" pitchFamily="18" charset="0"/>
+              </a:rPr>
+              <a:t>Desempenho gráfico do modelo 4.</a:t>
+            </a:r>
+            <a:endParaRPr kumimoji="0" lang="pt-BR" altLang="pt-BR" sz="1800" b="0" i="0" u="none" strike="noStrike" cap="none" normalizeH="0" baseline="0" dirty="0">
+              <a:ln>
+                <a:noFill/>
+              </a:ln>
+              <a:solidFill>
+                <a:schemeClr val="tx1"/>
+              </a:solidFill>
+              <a:effectLst/>
+              <a:latin typeface="Arial" panose="020B0604020202020204" pitchFamily="34" charset="0"/>
+            </a:endParaRPr>
+          </a:p>
+        </p:txBody>
+      </p:sp>
+    </p:spTree>
+    <p:extLst>
+      <p:ext uri="{BB962C8B-B14F-4D97-AF65-F5344CB8AC3E}">
+        <p14:creationId xmlns:p14="http://schemas.microsoft.com/office/powerpoint/2010/main" val="1971052473"/>
+      </p:ext>
+    </p:extLst>
+  </p:cSld>
+  <p:clrMapOvr>
+    <a:masterClrMapping/>
+  </p:clrMapOvr>
+</p:sld>
+</file>
+
+<file path=ppt/slides/slide16.xml><?xml version="1.0" encoding="utf-8"?>
+<p:sld xmlns:a="http://schemas.openxmlformats.org/drawingml/2006/main" xmlns:r="http://schemas.openxmlformats.org/officeDocument/2006/relationships" xmlns:p="http://schemas.openxmlformats.org/presentationml/2006/main">
+  <p:cSld>
+    <p:spTree>
+      <p:nvGrpSpPr>
+        <p:cNvPr id="1" name=""/>
+        <p:cNvGrpSpPr/>
+        <p:nvPr/>
+      </p:nvGrpSpPr>
+      <p:grpSpPr>
+        <a:xfrm>
+          <a:off x="0" y="0"/>
+          <a:ext cx="0" cy="0"/>
+          <a:chOff x="0" y="0"/>
+          <a:chExt cx="0" cy="0"/>
+        </a:xfrm>
+      </p:grpSpPr>
+      <p:pic>
+        <p:nvPicPr>
+          <p:cNvPr id="4" name="Imagem 3">
+            <a:extLst>
+              <a:ext uri="{FF2B5EF4-FFF2-40B4-BE49-F238E27FC236}">
+                <a16:creationId xmlns:a16="http://schemas.microsoft.com/office/drawing/2014/main" id="{11B30D39-AFBF-DFA5-D9EA-CF5D1C8E30FD}"/>
+              </a:ext>
+            </a:extLst>
+          </p:cNvPr>
+          <p:cNvPicPr>
+            <a:picLocks noChangeAspect="1"/>
+          </p:cNvPicPr>
+          <p:nvPr/>
+        </p:nvPicPr>
+        <p:blipFill>
+          <a:blip r:embed="rId2"/>
+          <a:stretch>
+            <a:fillRect/>
+          </a:stretch>
+        </p:blipFill>
+        <p:spPr>
+          <a:xfrm>
+            <a:off x="2400295" y="1784255"/>
+            <a:ext cx="4343409" cy="3182118"/>
+          </a:xfrm>
+          <a:prstGeom prst="rect">
+            <a:avLst/>
+          </a:prstGeom>
+        </p:spPr>
+      </p:pic>
+      <p:sp>
+        <p:nvSpPr>
+          <p:cNvPr id="5" name="Título 1">
+            <a:extLst>
+              <a:ext uri="{FF2B5EF4-FFF2-40B4-BE49-F238E27FC236}">
+                <a16:creationId xmlns:a16="http://schemas.microsoft.com/office/drawing/2014/main" id="{2E52F2AD-A6FE-3236-4AAF-07DA92903C0D}"/>
+              </a:ext>
+            </a:extLst>
+          </p:cNvPr>
+          <p:cNvSpPr>
+            <a:spLocks noGrp="1"/>
+          </p:cNvSpPr>
+          <p:nvPr>
+            <p:ph type="title"/>
+          </p:nvPr>
+        </p:nvSpPr>
+        <p:spPr>
+          <a:xfrm>
+            <a:off x="156695" y="325930"/>
+            <a:ext cx="8830610" cy="861000"/>
+          </a:xfrm>
+        </p:spPr>
+        <p:txBody>
+          <a:bodyPr>
+            <a:normAutofit fontScale="90000"/>
+          </a:bodyPr>
+          <a:lstStyle/>
+          <a:p>
+            <a:pPr marL="742950" indent="-742950" algn="l">
+              <a:lnSpc>
+                <a:spcPct val="150000"/>
+              </a:lnSpc>
+              <a:buClr>
+                <a:schemeClr val="tx1"/>
+              </a:buClr>
+              <a:buFont typeface="+mj-lt"/>
+              <a:buAutoNum type="arabicPeriod" startAt="5"/>
+            </a:pPr>
+            <a:r>
+              <a:rPr lang="pt-BR" sz="3600" dirty="0">
+                <a:solidFill>
+                  <a:schemeClr val="tx1"/>
+                </a:solidFill>
+                <a:latin typeface="+mn-lt"/>
+                <a:cs typeface="Arial" panose="020B0604020202020204" pitchFamily="34" charset="0"/>
+              </a:rPr>
+              <a:t>Apresentação e Desempenho dos Modelos</a:t>
+            </a:r>
+          </a:p>
+        </p:txBody>
+      </p:sp>
+      <p:sp>
+        <p:nvSpPr>
+          <p:cNvPr id="6" name="CaixaDeTexto 5">
+            <a:extLst>
+              <a:ext uri="{FF2B5EF4-FFF2-40B4-BE49-F238E27FC236}">
+                <a16:creationId xmlns:a16="http://schemas.microsoft.com/office/drawing/2014/main" id="{8328E70D-E365-7A55-E156-B17475B3B7AD}"/>
+              </a:ext>
+            </a:extLst>
+          </p:cNvPr>
+          <p:cNvSpPr txBox="1"/>
+          <p:nvPr/>
+        </p:nvSpPr>
+        <p:spPr>
+          <a:xfrm>
+            <a:off x="449337" y="1254760"/>
+            <a:ext cx="8387242" cy="461665"/>
+          </a:xfrm>
+          <a:prstGeom prst="rect">
+            <a:avLst/>
+          </a:prstGeom>
+          <a:noFill/>
+        </p:spPr>
+        <p:txBody>
+          <a:bodyPr wrap="square" rtlCol="0">
+            <a:spAutoFit/>
+          </a:bodyPr>
+          <a:lstStyle/>
+          <a:p>
+            <a:pPr marL="285750" indent="-285750" algn="just">
+              <a:buClr>
+                <a:schemeClr val="tx1"/>
+              </a:buClr>
+              <a:buFont typeface="Arial" panose="020B0604020202020204" pitchFamily="34" charset="0"/>
+              <a:buChar char="•"/>
+            </a:pPr>
+            <a:r>
+              <a:rPr lang="pt-BR" sz="2400" dirty="0">
+                <a:solidFill>
+                  <a:schemeClr val="tx1"/>
+                </a:solidFill>
+              </a:rPr>
+              <a:t>Encriptação</a:t>
+            </a:r>
+          </a:p>
+        </p:txBody>
+      </p:sp>
+    </p:spTree>
+    <p:extLst>
+      <p:ext uri="{BB962C8B-B14F-4D97-AF65-F5344CB8AC3E}">
+        <p14:creationId xmlns:p14="http://schemas.microsoft.com/office/powerpoint/2010/main" val="2053051258"/>
+      </p:ext>
+    </p:extLst>
+  </p:cSld>
+  <p:clrMapOvr>
+    <a:masterClrMapping/>
+  </p:clrMapOvr>
+</p:sld>
+</file>
+
+<file path=ppt/slides/slide17.xml><?xml version="1.0" encoding="utf-8"?>
 <p:sld xmlns:a="http://schemas.openxmlformats.org/drawingml/2006/main" xmlns:r="http://schemas.openxmlformats.org/officeDocument/2006/relationships" xmlns:p="http://schemas.openxmlformats.org/presentationml/2006/main">
   <p:cSld>
     <p:spTree>
@@ -6311,7 +11239,7 @@
 </p:sld>
 </file>
 
-<file path=ppt/slides/slide12.xml><?xml version="1.0" encoding="utf-8"?>
+<file path=ppt/slides/slide18.xml><?xml version="1.0" encoding="utf-8"?>
 <p:sld xmlns:a="http://schemas.openxmlformats.org/drawingml/2006/main" xmlns:r="http://schemas.openxmlformats.org/officeDocument/2006/relationships" xmlns:p="http://schemas.openxmlformats.org/presentationml/2006/main">
   <p:cSld>
     <p:spTree>
@@ -6512,7 +11440,7 @@
 </p:sld>
 </file>
 
-<file path=ppt/slides/slide13.xml><?xml version="1.0" encoding="utf-8"?>
+<file path=ppt/slides/slide19.xml><?xml version="1.0" encoding="utf-8"?>
 <p:sld xmlns:a="http://schemas.openxmlformats.org/drawingml/2006/main" xmlns:r="http://schemas.openxmlformats.org/officeDocument/2006/relationships" xmlns:p="http://schemas.openxmlformats.org/presentationml/2006/main">
   <p:cSld>
     <p:spTree>
@@ -6765,228 +11693,6 @@
     <p:extLst>
       <p:ext uri="{BB962C8B-B14F-4D97-AF65-F5344CB8AC3E}">
         <p14:creationId xmlns:p14="http://schemas.microsoft.com/office/powerpoint/2010/main" val="1444944806"/>
-      </p:ext>
-    </p:extLst>
-  </p:cSld>
-  <p:clrMapOvr>
-    <a:masterClrMapping/>
-  </p:clrMapOvr>
-</p:sld>
-</file>
-
-<file path=ppt/slides/slide14.xml><?xml version="1.0" encoding="utf-8"?>
-<p:sld xmlns:a="http://schemas.openxmlformats.org/drawingml/2006/main" xmlns:r="http://schemas.openxmlformats.org/officeDocument/2006/relationships" xmlns:p="http://schemas.openxmlformats.org/presentationml/2006/main">
-  <p:cSld>
-    <p:spTree>
-      <p:nvGrpSpPr>
-        <p:cNvPr id="1" name=""/>
-        <p:cNvGrpSpPr/>
-        <p:nvPr/>
-      </p:nvGrpSpPr>
-      <p:grpSpPr>
-        <a:xfrm>
-          <a:off x="0" y="0"/>
-          <a:ext cx="0" cy="0"/>
-          <a:chOff x="0" y="0"/>
-          <a:chExt cx="0" cy="0"/>
-        </a:xfrm>
-      </p:grpSpPr>
-      <p:sp>
-        <p:nvSpPr>
-          <p:cNvPr id="2" name="Título 1">
-            <a:extLst>
-              <a:ext uri="{FF2B5EF4-FFF2-40B4-BE49-F238E27FC236}">
-                <a16:creationId xmlns:a16="http://schemas.microsoft.com/office/drawing/2014/main" id="{CDA23045-B3BC-4473-154F-9E00C7482463}"/>
-              </a:ext>
-            </a:extLst>
-          </p:cNvPr>
-          <p:cNvSpPr>
-            <a:spLocks noGrp="1"/>
-          </p:cNvSpPr>
-          <p:nvPr>
-            <p:ph type="title"/>
-          </p:nvPr>
-        </p:nvSpPr>
-        <p:spPr>
-          <a:xfrm>
-            <a:off x="645900" y="388650"/>
-            <a:ext cx="7852200" cy="861000"/>
-          </a:xfrm>
-        </p:spPr>
-        <p:txBody>
-          <a:bodyPr>
-            <a:normAutofit fontScale="90000"/>
-          </a:bodyPr>
-          <a:lstStyle/>
-          <a:p>
-            <a:pPr marL="742950" indent="-742950" algn="l">
-              <a:lnSpc>
-                <a:spcPct val="150000"/>
-              </a:lnSpc>
-              <a:buClr>
-                <a:schemeClr val="tx1"/>
-              </a:buClr>
-              <a:buFont typeface="+mj-lt"/>
-              <a:buAutoNum type="arabicPeriod" startAt="9"/>
-            </a:pPr>
-            <a:r>
-              <a:rPr lang="pt-BR" sz="3600" dirty="0">
-                <a:solidFill>
-                  <a:schemeClr val="tx1"/>
-                </a:solidFill>
-                <a:latin typeface="+mn-lt"/>
-                <a:cs typeface="Arial" panose="020B0604020202020204" pitchFamily="34" charset="0"/>
-              </a:rPr>
-              <a:t>Conclusões</a:t>
-            </a:r>
-          </a:p>
-        </p:txBody>
-      </p:sp>
-      <p:sp>
-        <p:nvSpPr>
-          <p:cNvPr id="5" name="CaixaDeTexto 4">
-            <a:extLst>
-              <a:ext uri="{FF2B5EF4-FFF2-40B4-BE49-F238E27FC236}">
-                <a16:creationId xmlns:a16="http://schemas.microsoft.com/office/drawing/2014/main" id="{4B3C66EE-E8BD-C5E6-A990-F02A574BF9CD}"/>
-              </a:ext>
-            </a:extLst>
-          </p:cNvPr>
-          <p:cNvSpPr txBox="1"/>
-          <p:nvPr/>
-        </p:nvSpPr>
-        <p:spPr>
-          <a:xfrm>
-            <a:off x="264921" y="1332510"/>
-            <a:ext cx="8387242" cy="2677656"/>
-          </a:xfrm>
-          <a:prstGeom prst="rect">
-            <a:avLst/>
-          </a:prstGeom>
-          <a:noFill/>
-        </p:spPr>
-        <p:txBody>
-          <a:bodyPr wrap="square" rtlCol="0">
-            <a:spAutoFit/>
-          </a:bodyPr>
-          <a:lstStyle/>
-          <a:p>
-            <a:pPr marL="285750" indent="-285750" algn="just">
-              <a:buClr>
-                <a:schemeClr val="tx1"/>
-              </a:buClr>
-              <a:buFont typeface="Arial" panose="020B0604020202020204" pitchFamily="34" charset="0"/>
-              <a:buChar char="•"/>
-            </a:pPr>
-            <a:r>
-              <a:rPr lang="pt-BR" sz="2400" dirty="0">
-                <a:solidFill>
-                  <a:schemeClr val="tx1"/>
-                </a:solidFill>
-              </a:rPr>
-              <a:t>IA pode ser utilizada para ajudar a cumprir a lei;</a:t>
-            </a:r>
-          </a:p>
-          <a:p>
-            <a:pPr algn="just">
-              <a:buClr>
-                <a:schemeClr val="tx1"/>
-              </a:buClr>
-            </a:pPr>
-            <a:endParaRPr lang="pt-BR" sz="2400" dirty="0">
-              <a:solidFill>
-                <a:schemeClr val="tx1"/>
-              </a:solidFill>
-            </a:endParaRPr>
-          </a:p>
-          <a:p>
-            <a:pPr marL="285750" indent="-285750" algn="just">
-              <a:buClr>
-                <a:schemeClr val="tx1"/>
-              </a:buClr>
-              <a:buFont typeface="Arial" panose="020B0604020202020204" pitchFamily="34" charset="0"/>
-              <a:buChar char="•"/>
-            </a:pPr>
-            <a:r>
-              <a:rPr lang="pt-BR" sz="2400" dirty="0">
-                <a:solidFill>
-                  <a:schemeClr val="tx1"/>
-                </a:solidFill>
-              </a:rPr>
-              <a:t>IA pode facilitar a vida de programadores a cumprir a lei;</a:t>
-            </a:r>
-          </a:p>
-          <a:p>
-            <a:pPr algn="just">
-              <a:buClr>
-                <a:schemeClr val="tx1"/>
-              </a:buClr>
-            </a:pPr>
-            <a:endParaRPr lang="pt-BR" sz="2400" dirty="0">
-              <a:solidFill>
-                <a:schemeClr val="tx1"/>
-              </a:solidFill>
-            </a:endParaRPr>
-          </a:p>
-          <a:p>
-            <a:pPr marL="285750" indent="-285750" algn="just">
-              <a:buClr>
-                <a:schemeClr val="tx1"/>
-              </a:buClr>
-              <a:buFont typeface="Arial" panose="020B0604020202020204" pitchFamily="34" charset="0"/>
-              <a:buChar char="•"/>
-            </a:pPr>
-            <a:r>
-              <a:rPr lang="pt-BR" sz="2400" dirty="0" err="1">
-                <a:solidFill>
-                  <a:schemeClr val="tx1"/>
-                </a:solidFill>
-              </a:rPr>
-              <a:t>Faker</a:t>
-            </a:r>
-            <a:r>
-              <a:rPr lang="pt-BR" sz="2400" dirty="0">
-                <a:solidFill>
-                  <a:schemeClr val="tx1"/>
-                </a:solidFill>
-              </a:rPr>
-              <a:t> API pode ter influenciado o projeto;</a:t>
-            </a:r>
-          </a:p>
-          <a:p>
-            <a:pPr algn="just">
-              <a:buClr>
-                <a:schemeClr val="tx1"/>
-              </a:buClr>
-            </a:pPr>
-            <a:endParaRPr lang="pt-BR" sz="2400" dirty="0">
-              <a:solidFill>
-                <a:schemeClr val="tx1"/>
-              </a:solidFill>
-            </a:endParaRPr>
-          </a:p>
-          <a:p>
-            <a:pPr marL="285750" indent="-285750" algn="just">
-              <a:buClr>
-                <a:schemeClr val="tx1"/>
-              </a:buClr>
-              <a:buFont typeface="Arial" panose="020B0604020202020204" pitchFamily="34" charset="0"/>
-              <a:buChar char="•"/>
-            </a:pPr>
-            <a:r>
-              <a:rPr lang="pt-BR" sz="2400" dirty="0">
-                <a:solidFill>
-                  <a:schemeClr val="tx1"/>
-                </a:solidFill>
-              </a:rPr>
-              <a:t>Python e ferramentas dele ajudaram no desenvolvimento;</a:t>
-            </a:r>
-          </a:p>
-        </p:txBody>
-      </p:sp>
-    </p:spTree>
-    <p:extLst>
-      <p:ext uri="{BB962C8B-B14F-4D97-AF65-F5344CB8AC3E}">
-        <p14:creationId xmlns:p14="http://schemas.microsoft.com/office/powerpoint/2010/main" val="1486348504"/>
       </p:ext>
     </p:extLst>
   </p:cSld>
@@ -7277,6 +11983,228 @@
     <p:extLst>
       <p:ext uri="{BB962C8B-B14F-4D97-AF65-F5344CB8AC3E}">
         <p14:creationId xmlns:p14="http://schemas.microsoft.com/office/powerpoint/2010/main" val="578714184"/>
+      </p:ext>
+    </p:extLst>
+  </p:cSld>
+  <p:clrMapOvr>
+    <a:masterClrMapping/>
+  </p:clrMapOvr>
+</p:sld>
+</file>
+
+<file path=ppt/slides/slide20.xml><?xml version="1.0" encoding="utf-8"?>
+<p:sld xmlns:a="http://schemas.openxmlformats.org/drawingml/2006/main" xmlns:r="http://schemas.openxmlformats.org/officeDocument/2006/relationships" xmlns:p="http://schemas.openxmlformats.org/presentationml/2006/main">
+  <p:cSld>
+    <p:spTree>
+      <p:nvGrpSpPr>
+        <p:cNvPr id="1" name=""/>
+        <p:cNvGrpSpPr/>
+        <p:nvPr/>
+      </p:nvGrpSpPr>
+      <p:grpSpPr>
+        <a:xfrm>
+          <a:off x="0" y="0"/>
+          <a:ext cx="0" cy="0"/>
+          <a:chOff x="0" y="0"/>
+          <a:chExt cx="0" cy="0"/>
+        </a:xfrm>
+      </p:grpSpPr>
+      <p:sp>
+        <p:nvSpPr>
+          <p:cNvPr id="2" name="Título 1">
+            <a:extLst>
+              <a:ext uri="{FF2B5EF4-FFF2-40B4-BE49-F238E27FC236}">
+                <a16:creationId xmlns:a16="http://schemas.microsoft.com/office/drawing/2014/main" id="{CDA23045-B3BC-4473-154F-9E00C7482463}"/>
+              </a:ext>
+            </a:extLst>
+          </p:cNvPr>
+          <p:cNvSpPr>
+            <a:spLocks noGrp="1"/>
+          </p:cNvSpPr>
+          <p:nvPr>
+            <p:ph type="title"/>
+          </p:nvPr>
+        </p:nvSpPr>
+        <p:spPr>
+          <a:xfrm>
+            <a:off x="645900" y="388650"/>
+            <a:ext cx="7852200" cy="861000"/>
+          </a:xfrm>
+        </p:spPr>
+        <p:txBody>
+          <a:bodyPr>
+            <a:normAutofit fontScale="90000"/>
+          </a:bodyPr>
+          <a:lstStyle/>
+          <a:p>
+            <a:pPr marL="742950" indent="-742950" algn="l">
+              <a:lnSpc>
+                <a:spcPct val="150000"/>
+              </a:lnSpc>
+              <a:buClr>
+                <a:schemeClr val="tx1"/>
+              </a:buClr>
+              <a:buFont typeface="+mj-lt"/>
+              <a:buAutoNum type="arabicPeriod" startAt="9"/>
+            </a:pPr>
+            <a:r>
+              <a:rPr lang="pt-BR" sz="3600" dirty="0">
+                <a:solidFill>
+                  <a:schemeClr val="tx1"/>
+                </a:solidFill>
+                <a:latin typeface="+mn-lt"/>
+                <a:cs typeface="Arial" panose="020B0604020202020204" pitchFamily="34" charset="0"/>
+              </a:rPr>
+              <a:t>Conclusões</a:t>
+            </a:r>
+          </a:p>
+        </p:txBody>
+      </p:sp>
+      <p:sp>
+        <p:nvSpPr>
+          <p:cNvPr id="5" name="CaixaDeTexto 4">
+            <a:extLst>
+              <a:ext uri="{FF2B5EF4-FFF2-40B4-BE49-F238E27FC236}">
+                <a16:creationId xmlns:a16="http://schemas.microsoft.com/office/drawing/2014/main" id="{4B3C66EE-E8BD-C5E6-A990-F02A574BF9CD}"/>
+              </a:ext>
+            </a:extLst>
+          </p:cNvPr>
+          <p:cNvSpPr txBox="1"/>
+          <p:nvPr/>
+        </p:nvSpPr>
+        <p:spPr>
+          <a:xfrm>
+            <a:off x="264921" y="1332510"/>
+            <a:ext cx="8387242" cy="2677656"/>
+          </a:xfrm>
+          <a:prstGeom prst="rect">
+            <a:avLst/>
+          </a:prstGeom>
+          <a:noFill/>
+        </p:spPr>
+        <p:txBody>
+          <a:bodyPr wrap="square" rtlCol="0">
+            <a:spAutoFit/>
+          </a:bodyPr>
+          <a:lstStyle/>
+          <a:p>
+            <a:pPr marL="285750" indent="-285750" algn="just">
+              <a:buClr>
+                <a:schemeClr val="tx1"/>
+              </a:buClr>
+              <a:buFont typeface="Arial" panose="020B0604020202020204" pitchFamily="34" charset="0"/>
+              <a:buChar char="•"/>
+            </a:pPr>
+            <a:r>
+              <a:rPr lang="pt-BR" sz="2400" dirty="0">
+                <a:solidFill>
+                  <a:schemeClr val="tx1"/>
+                </a:solidFill>
+              </a:rPr>
+              <a:t>IA pode ser utilizada para ajudar a cumprir a lei;</a:t>
+            </a:r>
+          </a:p>
+          <a:p>
+            <a:pPr algn="just">
+              <a:buClr>
+                <a:schemeClr val="tx1"/>
+              </a:buClr>
+            </a:pPr>
+            <a:endParaRPr lang="pt-BR" sz="2400" dirty="0">
+              <a:solidFill>
+                <a:schemeClr val="tx1"/>
+              </a:solidFill>
+            </a:endParaRPr>
+          </a:p>
+          <a:p>
+            <a:pPr marL="285750" indent="-285750" algn="just">
+              <a:buClr>
+                <a:schemeClr val="tx1"/>
+              </a:buClr>
+              <a:buFont typeface="Arial" panose="020B0604020202020204" pitchFamily="34" charset="0"/>
+              <a:buChar char="•"/>
+            </a:pPr>
+            <a:r>
+              <a:rPr lang="pt-BR" sz="2400" dirty="0">
+                <a:solidFill>
+                  <a:schemeClr val="tx1"/>
+                </a:solidFill>
+              </a:rPr>
+              <a:t>IA pode facilitar a vida de programadores a cumprir a lei;</a:t>
+            </a:r>
+          </a:p>
+          <a:p>
+            <a:pPr algn="just">
+              <a:buClr>
+                <a:schemeClr val="tx1"/>
+              </a:buClr>
+            </a:pPr>
+            <a:endParaRPr lang="pt-BR" sz="2400" dirty="0">
+              <a:solidFill>
+                <a:schemeClr val="tx1"/>
+              </a:solidFill>
+            </a:endParaRPr>
+          </a:p>
+          <a:p>
+            <a:pPr marL="285750" indent="-285750" algn="just">
+              <a:buClr>
+                <a:schemeClr val="tx1"/>
+              </a:buClr>
+              <a:buFont typeface="Arial" panose="020B0604020202020204" pitchFamily="34" charset="0"/>
+              <a:buChar char="•"/>
+            </a:pPr>
+            <a:r>
+              <a:rPr lang="pt-BR" sz="2400" dirty="0" err="1">
+                <a:solidFill>
+                  <a:schemeClr val="tx1"/>
+                </a:solidFill>
+              </a:rPr>
+              <a:t>Faker</a:t>
+            </a:r>
+            <a:r>
+              <a:rPr lang="pt-BR" sz="2400" dirty="0">
+                <a:solidFill>
+                  <a:schemeClr val="tx1"/>
+                </a:solidFill>
+              </a:rPr>
+              <a:t> API pode ter influenciado o projeto;</a:t>
+            </a:r>
+          </a:p>
+          <a:p>
+            <a:pPr algn="just">
+              <a:buClr>
+                <a:schemeClr val="tx1"/>
+              </a:buClr>
+            </a:pPr>
+            <a:endParaRPr lang="pt-BR" sz="2400" dirty="0">
+              <a:solidFill>
+                <a:schemeClr val="tx1"/>
+              </a:solidFill>
+            </a:endParaRPr>
+          </a:p>
+          <a:p>
+            <a:pPr marL="285750" indent="-285750" algn="just">
+              <a:buClr>
+                <a:schemeClr val="tx1"/>
+              </a:buClr>
+              <a:buFont typeface="Arial" panose="020B0604020202020204" pitchFamily="34" charset="0"/>
+              <a:buChar char="•"/>
+            </a:pPr>
+            <a:r>
+              <a:rPr lang="pt-BR" sz="2400" dirty="0">
+                <a:solidFill>
+                  <a:schemeClr val="tx1"/>
+                </a:solidFill>
+              </a:rPr>
+              <a:t>Python e ferramentas dele ajudaram no desenvolvimento;</a:t>
+            </a:r>
+          </a:p>
+        </p:txBody>
+      </p:sp>
+    </p:spTree>
+    <p:extLst>
+      <p:ext uri="{BB962C8B-B14F-4D97-AF65-F5344CB8AC3E}">
+        <p14:creationId xmlns:p14="http://schemas.microsoft.com/office/powerpoint/2010/main" val="1486348504"/>
       </p:ext>
     </p:extLst>
   </p:cSld>
@@ -7463,7 +12391,7 @@
                   <a:schemeClr val="tx1"/>
                 </a:solidFill>
               </a:rPr>
-              <a:t>Apresentação e desempenho dos modelos.</a:t>
+              <a:t>Estudo de caso dos modelos.</a:t>
             </a:r>
           </a:p>
           <a:p>
@@ -7644,7 +12572,7 @@
         <p:spPr>
           <a:xfrm>
             <a:off x="313413" y="1324869"/>
-            <a:ext cx="8387242" cy="3785652"/>
+            <a:ext cx="8387242" cy="3416320"/>
           </a:xfrm>
           <a:prstGeom prst="rect">
             <a:avLst/>
@@ -7670,7 +12598,44 @@
                   <a:schemeClr val="tx1"/>
                 </a:solidFill>
               </a:rPr>
-              <a:t>Web 1.0 e 2.0</a:t>
+              <a:t>Estudo de como IA pode ajudar a garantir integridade da LGPD</a:t>
+            </a:r>
+          </a:p>
+          <a:p>
+            <a:pPr algn="just">
+              <a:buClr>
+                <a:schemeClr val="tx1"/>
+              </a:buClr>
+            </a:pPr>
+            <a:endParaRPr lang="pt-BR" sz="2400" dirty="0">
+              <a:solidFill>
+                <a:schemeClr val="tx1"/>
+              </a:solidFill>
+            </a:endParaRPr>
+          </a:p>
+          <a:p>
+            <a:pPr marL="285750" indent="-285750" algn="just">
+              <a:buClr>
+                <a:schemeClr val="tx1"/>
+              </a:buClr>
+              <a:buFont typeface="Arial" panose="020B0604020202020204" pitchFamily="34" charset="0"/>
+              <a:buChar char="•"/>
+            </a:pPr>
+            <a:r>
+              <a:rPr lang="pt-BR" sz="2400" dirty="0" err="1">
+                <a:solidFill>
+                  <a:schemeClr val="tx1"/>
+                </a:solidFill>
+              </a:rPr>
+              <a:t>Qradar</a:t>
+            </a:r>
+            <a:r>
+              <a:rPr lang="pt-BR" sz="2400" dirty="0">
+                <a:solidFill>
+                  <a:schemeClr val="tx1"/>
+                </a:solidFill>
+              </a:rPr>
+              <a:t>.</a:t>
             </a:r>
           </a:p>
           <a:p>
@@ -7699,14 +12664,16 @@
                   <a:schemeClr val="tx1"/>
                 </a:solidFill>
               </a:rPr>
-              <a:t>Caso Carolina Dieckmann e Lei de Combate a Crimes Cibernéticos</a:t>
+              <a:t>Método do modelo da IBM.</a:t>
             </a:r>
           </a:p>
           <a:p>
-            <a:pPr algn="just">
+            <a:pPr marL="285750" indent="-285750" algn="just">
               <a:buClr>
                 <a:schemeClr val="tx1"/>
               </a:buClr>
+              <a:buFont typeface="Arial" panose="020B0604020202020204" pitchFamily="34" charset="0"/>
+              <a:buChar char="•"/>
             </a:pPr>
             <a:endParaRPr lang="pt-BR" sz="2400" dirty="0">
               <a:solidFill>
@@ -7728,7 +12695,7 @@
                   <a:schemeClr val="tx1"/>
                 </a:solidFill>
               </a:rPr>
-              <a:t>Caso do Facebook em 2016 com dados de Cambridge</a:t>
+              <a:t>Aplicar incisos I, VII e VIII</a:t>
             </a:r>
           </a:p>
           <a:p>
@@ -7742,52 +12709,6 @@
                 <a:schemeClr val="tx1"/>
               </a:solidFill>
             </a:endParaRPr>
-          </a:p>
-          <a:p>
-            <a:pPr marL="285750" indent="-285750" algn="just">
-              <a:buClr>
-                <a:schemeClr val="tx1"/>
-              </a:buClr>
-              <a:buFont typeface="Arial" panose="020B0604020202020204" pitchFamily="34" charset="0"/>
-              <a:buChar char="•"/>
-            </a:pPr>
-            <a:r>
-              <a:rPr lang="pt-BR" sz="2400" dirty="0">
-                <a:solidFill>
-                  <a:schemeClr val="tx1"/>
-                </a:solidFill>
-              </a:rPr>
-              <a:t>Criação da GDPR.</a:t>
-            </a:r>
-          </a:p>
-          <a:p>
-            <a:pPr algn="just">
-              <a:buClr>
-                <a:schemeClr val="tx1"/>
-              </a:buClr>
-            </a:pPr>
-            <a:endParaRPr lang="pt-BR" sz="2400" dirty="0">
-              <a:solidFill>
-                <a:schemeClr val="tx1"/>
-              </a:solidFill>
-            </a:endParaRPr>
-          </a:p>
-          <a:p>
-            <a:pPr marL="285750" indent="-285750" algn="just">
-              <a:buClr>
-                <a:schemeClr val="tx1"/>
-              </a:buClr>
-              <a:buFont typeface="Arial" panose="020B0604020202020204" pitchFamily="34" charset="0"/>
-              <a:buChar char="•"/>
-            </a:pPr>
-            <a:r>
-              <a:rPr lang="pt-BR" sz="2400" dirty="0">
-                <a:solidFill>
-                  <a:schemeClr val="tx1"/>
-                </a:solidFill>
-              </a:rPr>
-              <a:t>Criação da LGPD.</a:t>
-            </a:r>
           </a:p>
         </p:txBody>
       </p:sp>
@@ -8470,10 +13391,10 @@
       </p:grpSpPr>
       <p:sp>
         <p:nvSpPr>
-          <p:cNvPr id="2" name="Título 1">
+          <p:cNvPr id="3" name="Título 1">
             <a:extLst>
               <a:ext uri="{FF2B5EF4-FFF2-40B4-BE49-F238E27FC236}">
-                <a16:creationId xmlns:a16="http://schemas.microsoft.com/office/drawing/2014/main" id="{FFEE8A44-0FA8-4020-6FA9-118A4D00E4E0}"/>
+                <a16:creationId xmlns:a16="http://schemas.microsoft.com/office/drawing/2014/main" id="{EFCAE227-2D4A-B232-38A1-432CAAF133FF}"/>
               </a:ext>
             </a:extLst>
           </p:cNvPr>
@@ -8484,12 +13405,183 @@
             <p:ph type="title"/>
           </p:nvPr>
         </p:nvSpPr>
-        <p:spPr/>
+        <p:spPr>
+          <a:xfrm>
+            <a:off x="645900" y="388650"/>
+            <a:ext cx="7852200" cy="861000"/>
+          </a:xfrm>
+        </p:spPr>
         <p:txBody>
-          <a:bodyPr/>
+          <a:bodyPr>
+            <a:normAutofit fontScale="90000"/>
+          </a:bodyPr>
           <a:lstStyle/>
           <a:p>
-            <a:endParaRPr lang="pt-BR"/>
+            <a:pPr marL="742950" indent="-742950" algn="l">
+              <a:lnSpc>
+                <a:spcPct val="150000"/>
+              </a:lnSpc>
+              <a:buClr>
+                <a:schemeClr val="tx1"/>
+              </a:buClr>
+              <a:buFont typeface="+mj-lt"/>
+              <a:buAutoNum type="arabicPeriod" startAt="2"/>
+            </a:pPr>
+            <a:r>
+              <a:rPr lang="pt-BR" sz="3600" dirty="0">
+                <a:solidFill>
+                  <a:schemeClr val="tx1"/>
+                </a:solidFill>
+                <a:latin typeface="+mn-lt"/>
+                <a:cs typeface="Arial" panose="020B0604020202020204" pitchFamily="34" charset="0"/>
+              </a:rPr>
+              <a:t>Fundamentação Teórica</a:t>
+            </a:r>
+          </a:p>
+        </p:txBody>
+      </p:sp>
+      <p:sp>
+        <p:nvSpPr>
+          <p:cNvPr id="4" name="CaixaDeTexto 3">
+            <a:extLst>
+              <a:ext uri="{FF2B5EF4-FFF2-40B4-BE49-F238E27FC236}">
+                <a16:creationId xmlns:a16="http://schemas.microsoft.com/office/drawing/2014/main" id="{1FABF6B1-9263-FE81-C817-EE10704A05E8}"/>
+              </a:ext>
+            </a:extLst>
+          </p:cNvPr>
+          <p:cNvSpPr txBox="1"/>
+          <p:nvPr/>
+        </p:nvSpPr>
+        <p:spPr>
+          <a:xfrm>
+            <a:off x="470119" y="1539614"/>
+            <a:ext cx="8387242" cy="1938992"/>
+          </a:xfrm>
+          <a:prstGeom prst="rect">
+            <a:avLst/>
+          </a:prstGeom>
+          <a:noFill/>
+        </p:spPr>
+        <p:txBody>
+          <a:bodyPr wrap="square" rtlCol="0">
+            <a:spAutoFit/>
+          </a:bodyPr>
+          <a:lstStyle/>
+          <a:p>
+            <a:pPr marL="285750" indent="-285750" algn="just">
+              <a:buClr>
+                <a:schemeClr val="tx1"/>
+              </a:buClr>
+              <a:buFont typeface="Arial" panose="020B0604020202020204" pitchFamily="34" charset="0"/>
+              <a:buChar char="•"/>
+            </a:pPr>
+            <a:r>
+              <a:rPr lang="pt-BR" sz="2400" dirty="0" err="1">
+                <a:solidFill>
+                  <a:schemeClr val="tx1"/>
+                </a:solidFill>
+              </a:rPr>
+              <a:t>Tensorflow</a:t>
+            </a:r>
+            <a:r>
+              <a:rPr lang="pt-BR" sz="2400" dirty="0">
+                <a:solidFill>
+                  <a:schemeClr val="tx1"/>
+                </a:solidFill>
+              </a:rPr>
+              <a:t>  e </a:t>
+            </a:r>
+            <a:r>
+              <a:rPr lang="pt-BR" sz="2400" dirty="0" err="1">
+                <a:solidFill>
+                  <a:schemeClr val="tx1"/>
+                </a:solidFill>
+              </a:rPr>
+              <a:t>keras</a:t>
+            </a:r>
+            <a:endParaRPr lang="pt-BR" sz="2400" dirty="0">
+              <a:solidFill>
+                <a:schemeClr val="tx1"/>
+              </a:solidFill>
+            </a:endParaRPr>
+          </a:p>
+          <a:p>
+            <a:pPr marL="285750" indent="-285750" algn="just">
+              <a:buClr>
+                <a:schemeClr val="tx1"/>
+              </a:buClr>
+              <a:buFont typeface="Arial" panose="020B0604020202020204" pitchFamily="34" charset="0"/>
+              <a:buChar char="•"/>
+            </a:pPr>
+            <a:endParaRPr lang="pt-BR" sz="2400" dirty="0">
+              <a:solidFill>
+                <a:schemeClr val="tx1"/>
+              </a:solidFill>
+            </a:endParaRPr>
+          </a:p>
+          <a:p>
+            <a:pPr marL="285750" indent="-285750" algn="just">
+              <a:buClr>
+                <a:schemeClr val="tx1"/>
+              </a:buClr>
+              <a:buFont typeface="Arial" panose="020B0604020202020204" pitchFamily="34" charset="0"/>
+              <a:buChar char="•"/>
+            </a:pPr>
+            <a:r>
+              <a:rPr lang="pt-BR" sz="2400" dirty="0" err="1">
+                <a:solidFill>
+                  <a:schemeClr val="tx1"/>
+                </a:solidFill>
+              </a:rPr>
+              <a:t>Faker</a:t>
+            </a:r>
+            <a:r>
+              <a:rPr lang="pt-BR" sz="2400" dirty="0">
+                <a:solidFill>
+                  <a:schemeClr val="tx1"/>
+                </a:solidFill>
+              </a:rPr>
+              <a:t> API para dados</a:t>
+            </a:r>
+          </a:p>
+          <a:p>
+            <a:pPr marL="285750" indent="-285750" algn="just">
+              <a:buClr>
+                <a:schemeClr val="tx1"/>
+              </a:buClr>
+              <a:buFont typeface="Arial" panose="020B0604020202020204" pitchFamily="34" charset="0"/>
+              <a:buChar char="•"/>
+            </a:pPr>
+            <a:endParaRPr lang="pt-BR" sz="2400" dirty="0">
+              <a:solidFill>
+                <a:schemeClr val="tx1"/>
+              </a:solidFill>
+            </a:endParaRPr>
+          </a:p>
+          <a:p>
+            <a:pPr marL="285750" indent="-285750" algn="just">
+              <a:buClr>
+                <a:schemeClr val="tx1"/>
+              </a:buClr>
+              <a:buFont typeface="Arial" panose="020B0604020202020204" pitchFamily="34" charset="0"/>
+              <a:buChar char="•"/>
+            </a:pPr>
+            <a:r>
+              <a:rPr lang="pt-BR" sz="2400" dirty="0" err="1">
+                <a:solidFill>
+                  <a:schemeClr val="tx1"/>
+                </a:solidFill>
+              </a:rPr>
+              <a:t>Matplotlib</a:t>
+            </a:r>
+            <a:r>
+              <a:rPr lang="pt-BR" sz="2400" dirty="0">
+                <a:solidFill>
+                  <a:schemeClr val="tx1"/>
+                </a:solidFill>
+              </a:rPr>
+              <a:t> para gráficos</a:t>
+            </a:r>
           </a:p>
         </p:txBody>
       </p:sp>
@@ -8589,7 +13681,7 @@
         <p:spPr>
           <a:xfrm>
             <a:off x="645900" y="1705869"/>
-            <a:ext cx="8387242" cy="461665"/>
+            <a:ext cx="8387242" cy="3416320"/>
           </a:xfrm>
           <a:prstGeom prst="rect">
             <a:avLst/>
@@ -8610,13 +13702,309 @@
               <a:buChar char="•"/>
             </a:pPr>
             <a:r>
+              <a:rPr lang="pt-BR" sz="2400" dirty="0" err="1">
+                <a:solidFill>
+                  <a:schemeClr val="tx1"/>
+                </a:solidFill>
+              </a:rPr>
+              <a:t>Qradar</a:t>
+            </a:r>
+            <a:r>
               <a:rPr lang="pt-BR" sz="2400" dirty="0">
                 <a:solidFill>
                   <a:schemeClr val="tx1"/>
                 </a:solidFill>
               </a:rPr>
-              <a:t>a</a:t>
+              <a:t> (</a:t>
             </a:r>
+            <a:r>
+              <a:rPr lang="pt-BR" sz="2400" dirty="0" err="1">
+                <a:solidFill>
+                  <a:schemeClr val="tx1"/>
+                </a:solidFill>
+              </a:rPr>
+              <a:t>Relizador</a:t>
+            </a:r>
+            <a:r>
+              <a:rPr lang="pt-BR" sz="2400" dirty="0">
+                <a:solidFill>
+                  <a:schemeClr val="tx1"/>
+                </a:solidFill>
+              </a:rPr>
+              <a:t> de varreduras):</a:t>
+            </a:r>
+          </a:p>
+          <a:p>
+            <a:pPr lvl="2" algn="just">
+              <a:buClr>
+                <a:schemeClr val="tx1"/>
+              </a:buClr>
+            </a:pPr>
+            <a:r>
+              <a:rPr lang="pt-BR" sz="2400" dirty="0">
+                <a:solidFill>
+                  <a:schemeClr val="tx1"/>
+                </a:solidFill>
+              </a:rPr>
+              <a:t>	</a:t>
+            </a:r>
+            <a:r>
+              <a:rPr lang="pt-BR" sz="1800" dirty="0">
+                <a:solidFill>
+                  <a:schemeClr val="tx1"/>
+                </a:solidFill>
+                <a:effectLst/>
+                <a:latin typeface="+mn-lt"/>
+                <a:ea typeface="Arial" panose="020B0604020202020204" pitchFamily="34" charset="0"/>
+              </a:rPr>
+              <a:t>Fortunato, Caroline (2019), “</a:t>
+            </a:r>
+            <a:r>
+              <a:rPr lang="pt-BR" sz="1800" dirty="0" err="1">
+                <a:solidFill>
+                  <a:schemeClr val="tx1"/>
+                </a:solidFill>
+                <a:effectLst/>
+                <a:latin typeface="+mn-lt"/>
+                <a:ea typeface="Arial" panose="020B0604020202020204" pitchFamily="34" charset="0"/>
+              </a:rPr>
+              <a:t>Using</a:t>
+            </a:r>
+            <a:r>
+              <a:rPr lang="pt-BR" sz="1800" dirty="0">
+                <a:solidFill>
+                  <a:schemeClr val="tx1"/>
+                </a:solidFill>
+                <a:effectLst/>
+                <a:latin typeface="+mn-lt"/>
+                <a:ea typeface="Arial" panose="020B0604020202020204" pitchFamily="34" charset="0"/>
+              </a:rPr>
+              <a:t> </a:t>
+            </a:r>
+            <a:r>
+              <a:rPr lang="pt-BR" sz="1800" dirty="0" err="1">
+                <a:solidFill>
+                  <a:schemeClr val="tx1"/>
+                </a:solidFill>
+                <a:effectLst/>
+                <a:latin typeface="+mn-lt"/>
+                <a:ea typeface="Arial" panose="020B0604020202020204" pitchFamily="34" charset="0"/>
+              </a:rPr>
+              <a:t>QRadar</a:t>
+            </a:r>
+            <a:r>
+              <a:rPr lang="pt-BR" sz="1800" dirty="0">
+                <a:solidFill>
+                  <a:schemeClr val="tx1"/>
+                </a:solidFill>
+                <a:effectLst/>
+                <a:latin typeface="+mn-lt"/>
+                <a:ea typeface="Arial" panose="020B0604020202020204" pitchFamily="34" charset="0"/>
+              </a:rPr>
+              <a:t> for LGPD”, </a:t>
+            </a:r>
+            <a:r>
+              <a:rPr lang="pt-BR" sz="1800" u="sng" dirty="0">
+                <a:solidFill>
+                  <a:schemeClr val="tx1"/>
+                </a:solidFill>
+                <a:effectLst/>
+                <a:latin typeface="+mn-lt"/>
+                <a:ea typeface="Arial" panose="020B0604020202020204" pitchFamily="34" charset="0"/>
+                <a:hlinkClick r:id="rId2">
+                  <a:extLst>
+                    <a:ext uri="{A12FA001-AC4F-418D-AE19-62706E023703}">
+                      <ahyp:hlinkClr xmlns:ahyp="http://schemas.microsoft.com/office/drawing/2018/hyperlinkcolor" val="tx"/>
+                    </a:ext>
+                  </a:extLst>
+                </a:hlinkClick>
+              </a:rPr>
+              <a:t>https://www.proof.com.br/</a:t>
+            </a:r>
+            <a:r>
+              <a:rPr lang="pt-BR" sz="1800" u="sng" dirty="0" err="1">
+                <a:solidFill>
+                  <a:schemeClr val="tx1"/>
+                </a:solidFill>
+                <a:effectLst/>
+                <a:latin typeface="+mn-lt"/>
+                <a:ea typeface="Arial" panose="020B0604020202020204" pitchFamily="34" charset="0"/>
+                <a:hlinkClick r:id="rId2">
+                  <a:extLst>
+                    <a:ext uri="{A12FA001-AC4F-418D-AE19-62706E023703}">
+                      <ahyp:hlinkClr xmlns:ahyp="http://schemas.microsoft.com/office/drawing/2018/hyperlinkcolor" val="tx"/>
+                    </a:ext>
+                  </a:extLst>
+                </a:hlinkClick>
+              </a:rPr>
+              <a:t>wp-content</a:t>
+            </a:r>
+            <a:r>
+              <a:rPr lang="pt-BR" sz="1800" u="sng" dirty="0">
+                <a:solidFill>
+                  <a:schemeClr val="tx1"/>
+                </a:solidFill>
+                <a:effectLst/>
+                <a:latin typeface="+mn-lt"/>
+                <a:ea typeface="Arial" panose="020B0604020202020204" pitchFamily="34" charset="0"/>
+                <a:hlinkClick r:id="rId2">
+                  <a:extLst>
+                    <a:ext uri="{A12FA001-AC4F-418D-AE19-62706E023703}">
+                      <ahyp:hlinkClr xmlns:ahyp="http://schemas.microsoft.com/office/drawing/2018/hyperlinkcolor" val="tx"/>
+                    </a:ext>
+                  </a:extLst>
+                </a:hlinkClick>
+              </a:rPr>
+              <a:t>/uploads/2019/08/Using-QRadar-for-LGPD.pdf</a:t>
+            </a:r>
+            <a:r>
+              <a:rPr lang="pt-BR" sz="1800" dirty="0">
+                <a:solidFill>
+                  <a:schemeClr val="tx1"/>
+                </a:solidFill>
+                <a:effectLst/>
+                <a:latin typeface="+mn-lt"/>
+                <a:ea typeface="Arial" panose="020B0604020202020204" pitchFamily="34" charset="0"/>
+              </a:rPr>
+              <a:t>, Julho (2).</a:t>
+            </a:r>
+          </a:p>
+          <a:p>
+            <a:pPr algn="just">
+              <a:buClr>
+                <a:schemeClr val="tx1"/>
+              </a:buClr>
+            </a:pPr>
+            <a:endParaRPr lang="pt-BR" sz="2400" dirty="0">
+              <a:solidFill>
+                <a:schemeClr val="tx1"/>
+              </a:solidFill>
+            </a:endParaRPr>
+          </a:p>
+          <a:p>
+            <a:pPr marL="285750" indent="-285750" algn="just">
+              <a:buClr>
+                <a:schemeClr val="tx1"/>
+              </a:buClr>
+              <a:buFont typeface="Arial" panose="020B0604020202020204" pitchFamily="34" charset="0"/>
+              <a:buChar char="•"/>
+            </a:pPr>
+            <a:r>
+              <a:rPr lang="pt-BR" sz="2400" dirty="0">
+                <a:solidFill>
+                  <a:schemeClr val="tx1"/>
+                </a:solidFill>
+              </a:rPr>
+              <a:t>Modelo da IBM para cortar dados:</a:t>
+            </a:r>
+          </a:p>
+          <a:p>
+            <a:pPr lvl="2" algn="just">
+              <a:buClr>
+                <a:schemeClr val="tx1"/>
+              </a:buClr>
+            </a:pPr>
+            <a:r>
+              <a:rPr lang="pt-BR" sz="2400" dirty="0">
+                <a:solidFill>
+                  <a:schemeClr val="tx1"/>
+                </a:solidFill>
+              </a:rPr>
+              <a:t>	</a:t>
+            </a:r>
+            <a:r>
+              <a:rPr lang="en-US" sz="1800" dirty="0" err="1">
+                <a:solidFill>
+                  <a:schemeClr val="tx1"/>
+                </a:solidFill>
+                <a:effectLst/>
+                <a:latin typeface="+mn-lt"/>
+                <a:ea typeface="Arial" panose="020B0604020202020204" pitchFamily="34" charset="0"/>
+              </a:rPr>
+              <a:t>Goldsteen</a:t>
+            </a:r>
+            <a:r>
+              <a:rPr lang="en-US" sz="1800" dirty="0">
+                <a:solidFill>
+                  <a:schemeClr val="tx1"/>
+                </a:solidFill>
+                <a:effectLst/>
+                <a:latin typeface="+mn-lt"/>
+                <a:ea typeface="Arial" panose="020B0604020202020204" pitchFamily="34" charset="0"/>
+              </a:rPr>
+              <a:t>, </a:t>
+            </a:r>
+            <a:r>
+              <a:rPr lang="en-US" sz="1800" dirty="0" err="1">
+                <a:solidFill>
+                  <a:schemeClr val="tx1"/>
+                </a:solidFill>
+                <a:effectLst/>
+                <a:latin typeface="+mn-lt"/>
+                <a:ea typeface="Arial" panose="020B0604020202020204" pitchFamily="34" charset="0"/>
+              </a:rPr>
+              <a:t>Abigail,Ezov</a:t>
+            </a:r>
+            <a:r>
+              <a:rPr lang="en-US" sz="1800" dirty="0">
+                <a:solidFill>
+                  <a:schemeClr val="tx1"/>
+                </a:solidFill>
+                <a:effectLst/>
+                <a:latin typeface="+mn-lt"/>
+                <a:ea typeface="Arial" panose="020B0604020202020204" pitchFamily="34" charset="0"/>
+              </a:rPr>
+              <a:t> Gilad (2021), “Data minimization for GDPR compliance in machine learning models”, </a:t>
+            </a:r>
+            <a:r>
+              <a:rPr lang="en-US" sz="1800" u="sng" dirty="0">
+                <a:solidFill>
+                  <a:schemeClr val="tx1"/>
+                </a:solidFill>
+                <a:effectLst/>
+                <a:latin typeface="+mn-lt"/>
+                <a:ea typeface="Arial" panose="020B0604020202020204" pitchFamily="34" charset="0"/>
+                <a:hlinkClick r:id="rId3">
+                  <a:extLst>
+                    <a:ext uri="{A12FA001-AC4F-418D-AE19-62706E023703}">
+                      <ahyp:hlinkClr xmlns:ahyp="http://schemas.microsoft.com/office/drawing/2018/hyperlinkcolor" val="tx"/>
+                    </a:ext>
+                  </a:extLst>
+                </a:hlinkClick>
+              </a:rPr>
+              <a:t>https://link.springer.com/article/10.1007/s43681-021-00095-8</a:t>
+            </a:r>
+            <a:r>
+              <a:rPr lang="en-US" sz="1800" u="sng" dirty="0">
+                <a:solidFill>
+                  <a:schemeClr val="tx1"/>
+                </a:solidFill>
+                <a:effectLst/>
+                <a:latin typeface="+mn-lt"/>
+                <a:ea typeface="Arial" panose="020B0604020202020204" pitchFamily="34" charset="0"/>
+              </a:rPr>
+              <a:t> (3).</a:t>
+            </a:r>
+            <a:endParaRPr lang="pt-BR" sz="1800" dirty="0">
+              <a:solidFill>
+                <a:schemeClr val="tx1"/>
+              </a:solidFill>
+              <a:effectLst/>
+              <a:latin typeface="+mn-lt"/>
+              <a:ea typeface="Arial" panose="020B0604020202020204" pitchFamily="34" charset="0"/>
+            </a:endParaRPr>
+          </a:p>
+          <a:p>
+            <a:pPr lvl="2" algn="just">
+              <a:buClr>
+                <a:schemeClr val="tx1"/>
+              </a:buClr>
+            </a:pPr>
+            <a:endParaRPr lang="pt-BR" sz="2400" dirty="0">
+              <a:solidFill>
+                <a:schemeClr val="tx1"/>
+              </a:solidFill>
+            </a:endParaRPr>
           </a:p>
         </p:txBody>
       </p:sp>
@@ -8703,10 +14091,10 @@
       </p:sp>
       <p:sp>
         <p:nvSpPr>
-          <p:cNvPr id="5" name="CaixaDeTexto 4">
+          <p:cNvPr id="4" name="CaixaDeTexto 3">
             <a:extLst>
               <a:ext uri="{FF2B5EF4-FFF2-40B4-BE49-F238E27FC236}">
-                <a16:creationId xmlns:a16="http://schemas.microsoft.com/office/drawing/2014/main" id="{4B3C66EE-E8BD-C5E6-A990-F02A574BF9CD}"/>
+                <a16:creationId xmlns:a16="http://schemas.microsoft.com/office/drawing/2014/main" id="{8B6335E8-833E-9160-C555-76ADF97AA509}"/>
               </a:ext>
             </a:extLst>
           </p:cNvPr>
@@ -8716,7 +14104,7 @@
         <p:spPr>
           <a:xfrm>
             <a:off x="313413" y="1324869"/>
-            <a:ext cx="8387242" cy="461665"/>
+            <a:ext cx="8387242" cy="4154984"/>
           </a:xfrm>
           <a:prstGeom prst="rect">
             <a:avLst/>
@@ -8742,8 +14130,162 @@
                   <a:schemeClr val="tx1"/>
                 </a:solidFill>
               </a:rPr>
-              <a:t>a</a:t>
+              <a:t>Gerar dados com </a:t>
             </a:r>
+            <a:r>
+              <a:rPr lang="pt-BR" sz="2400" dirty="0" err="1">
+                <a:solidFill>
+                  <a:schemeClr val="tx1"/>
+                </a:solidFill>
+              </a:rPr>
+              <a:t>Faker</a:t>
+            </a:r>
+            <a:r>
+              <a:rPr lang="pt-BR" sz="2400" dirty="0">
+                <a:solidFill>
+                  <a:schemeClr val="tx1"/>
+                </a:solidFill>
+              </a:rPr>
+              <a:t> API</a:t>
+            </a:r>
+          </a:p>
+          <a:p>
+            <a:pPr marL="285750" indent="-285750" algn="just">
+              <a:buClr>
+                <a:schemeClr val="tx1"/>
+              </a:buClr>
+              <a:buFont typeface="Arial" panose="020B0604020202020204" pitchFamily="34" charset="0"/>
+              <a:buChar char="•"/>
+            </a:pPr>
+            <a:endParaRPr lang="pt-BR" sz="2400" dirty="0">
+              <a:solidFill>
+                <a:schemeClr val="tx1"/>
+              </a:solidFill>
+            </a:endParaRPr>
+          </a:p>
+          <a:p>
+            <a:pPr marL="285750" indent="-285750" algn="just">
+              <a:buClr>
+                <a:schemeClr val="tx1"/>
+              </a:buClr>
+              <a:buFont typeface="Arial" panose="020B0604020202020204" pitchFamily="34" charset="0"/>
+              <a:buChar char="•"/>
+            </a:pPr>
+            <a:r>
+              <a:rPr lang="pt-BR" sz="2400" dirty="0">
+                <a:solidFill>
+                  <a:schemeClr val="tx1"/>
+                </a:solidFill>
+              </a:rPr>
+              <a:t>Ler dados</a:t>
+            </a:r>
+          </a:p>
+          <a:p>
+            <a:pPr marL="285750" indent="-285750" algn="just">
+              <a:buClr>
+                <a:schemeClr val="tx1"/>
+              </a:buClr>
+              <a:buFont typeface="Arial" panose="020B0604020202020204" pitchFamily="34" charset="0"/>
+              <a:buChar char="•"/>
+            </a:pPr>
+            <a:endParaRPr lang="pt-BR" sz="2400" dirty="0">
+              <a:solidFill>
+                <a:schemeClr val="tx1"/>
+              </a:solidFill>
+            </a:endParaRPr>
+          </a:p>
+          <a:p>
+            <a:pPr marL="285750" indent="-285750" algn="just">
+              <a:buClr>
+                <a:schemeClr val="tx1"/>
+              </a:buClr>
+              <a:buFont typeface="Arial" panose="020B0604020202020204" pitchFamily="34" charset="0"/>
+              <a:buChar char="•"/>
+            </a:pPr>
+            <a:r>
+              <a:rPr lang="pt-BR" sz="2400" dirty="0">
+                <a:solidFill>
+                  <a:schemeClr val="tx1"/>
+                </a:solidFill>
+              </a:rPr>
+              <a:t>Pré-processamento para classes de teste e treino</a:t>
+            </a:r>
+          </a:p>
+          <a:p>
+            <a:pPr marL="285750" indent="-285750" algn="just">
+              <a:buClr>
+                <a:schemeClr val="tx1"/>
+              </a:buClr>
+              <a:buFont typeface="Arial" panose="020B0604020202020204" pitchFamily="34" charset="0"/>
+              <a:buChar char="•"/>
+            </a:pPr>
+            <a:endParaRPr lang="pt-BR" sz="2400" dirty="0">
+              <a:solidFill>
+                <a:schemeClr val="tx1"/>
+              </a:solidFill>
+            </a:endParaRPr>
+          </a:p>
+          <a:p>
+            <a:pPr marL="285750" indent="-285750" algn="just">
+              <a:buClr>
+                <a:schemeClr val="tx1"/>
+              </a:buClr>
+              <a:buFont typeface="Arial" panose="020B0604020202020204" pitchFamily="34" charset="0"/>
+              <a:buChar char="•"/>
+            </a:pPr>
+            <a:r>
+              <a:rPr lang="pt-BR" sz="2400" dirty="0">
+                <a:solidFill>
+                  <a:schemeClr val="tx1"/>
+                </a:solidFill>
+              </a:rPr>
+              <a:t>Criar modelo, treinar e testar.</a:t>
+            </a:r>
+          </a:p>
+          <a:p>
+            <a:pPr marL="285750" indent="-285750" algn="just">
+              <a:buClr>
+                <a:schemeClr val="tx1"/>
+              </a:buClr>
+              <a:buFont typeface="Arial" panose="020B0604020202020204" pitchFamily="34" charset="0"/>
+              <a:buChar char="•"/>
+            </a:pPr>
+            <a:endParaRPr lang="pt-BR" sz="2400" dirty="0">
+              <a:solidFill>
+                <a:schemeClr val="tx1"/>
+              </a:solidFill>
+            </a:endParaRPr>
+          </a:p>
+          <a:p>
+            <a:pPr marL="285750" indent="-285750" algn="just">
+              <a:buClr>
+                <a:schemeClr val="tx1"/>
+              </a:buClr>
+              <a:buFont typeface="Arial" panose="020B0604020202020204" pitchFamily="34" charset="0"/>
+              <a:buChar char="•"/>
+            </a:pPr>
+            <a:r>
+              <a:rPr lang="pt-BR" sz="2400" dirty="0">
+                <a:solidFill>
+                  <a:schemeClr val="tx1"/>
+                </a:solidFill>
+              </a:rPr>
+              <a:t>Se a acurácia for desejável, continuar para a encriptação dos dados, se não reiniciar o processo de treino.</a:t>
+            </a:r>
+          </a:p>
+          <a:p>
+            <a:pPr marL="285750" indent="-285750" algn="just">
+              <a:buClr>
+                <a:schemeClr val="tx1"/>
+              </a:buClr>
+              <a:buFont typeface="Arial" panose="020B0604020202020204" pitchFamily="34" charset="0"/>
+              <a:buChar char="•"/>
+            </a:pPr>
+            <a:endParaRPr lang="pt-BR" sz="2400" dirty="0">
+              <a:solidFill>
+                <a:schemeClr val="tx1"/>
+              </a:solidFill>
+            </a:endParaRPr>
           </a:p>
         </p:txBody>
       </p:sp>
